--- a/CodeDoku/NetworkFaultTester_CodeOverview.pptx
+++ b/CodeDoku/NetworkFaultTester_CodeOverview.pptx
@@ -8,13 +8,15 @@
     <p:sldId id="256" r:id="rId2"/>
     <p:sldId id="263" r:id="rId3"/>
     <p:sldId id="257" r:id="rId4"/>
-    <p:sldId id="258" r:id="rId5"/>
-    <p:sldId id="260" r:id="rId6"/>
-    <p:sldId id="261" r:id="rId7"/>
-    <p:sldId id="259" r:id="rId8"/>
-    <p:sldId id="264" r:id="rId9"/>
-    <p:sldId id="265" r:id="rId10"/>
-    <p:sldId id="262" r:id="rId11"/>
+    <p:sldId id="264" r:id="rId5"/>
+    <p:sldId id="265" r:id="rId6"/>
+    <p:sldId id="267" r:id="rId7"/>
+    <p:sldId id="258" r:id="rId8"/>
+    <p:sldId id="260" r:id="rId9"/>
+    <p:sldId id="261" r:id="rId10"/>
+    <p:sldId id="266" r:id="rId11"/>
+    <p:sldId id="259" r:id="rId12"/>
+    <p:sldId id="262" r:id="rId13"/>
   </p:sldIdLst>
   <p:sldSz cx="12192000" cy="6858000"/>
   <p:notesSz cx="6858000" cy="9144000"/>
@@ -843,7 +845,7 @@
           <a:p>
             <a:fld id="{16D9CC38-588B-4693-A1BC-177D03113154}" type="datetimeFigureOut">
               <a:rPr lang="de-DE" smtClean="0"/>
-              <a:t>02.10.2025</a:t>
+              <a:t>06.10.2025</a:t>
             </a:fld>
             <a:endParaRPr lang="de-DE"/>
           </a:p>
@@ -1094,7 +1096,7 @@
           <a:p>
             <a:fld id="{16D9CC38-588B-4693-A1BC-177D03113154}" type="datetimeFigureOut">
               <a:rPr lang="de-DE" smtClean="0"/>
-              <a:t>02.10.2025</a:t>
+              <a:t>06.10.2025</a:t>
             </a:fld>
             <a:endParaRPr lang="de-DE"/>
           </a:p>
@@ -1408,7 +1410,7 @@
           <a:p>
             <a:fld id="{16D9CC38-588B-4693-A1BC-177D03113154}" type="datetimeFigureOut">
               <a:rPr lang="de-DE" smtClean="0"/>
-              <a:t>02.10.2025</a:t>
+              <a:t>06.10.2025</a:t>
             </a:fld>
             <a:endParaRPr lang="de-DE"/>
           </a:p>
@@ -1749,7 +1751,7 @@
           <a:p>
             <a:fld id="{16D9CC38-588B-4693-A1BC-177D03113154}" type="datetimeFigureOut">
               <a:rPr lang="de-DE" smtClean="0"/>
-              <a:t>02.10.2025</a:t>
+              <a:t>06.10.2025</a:t>
             </a:fld>
             <a:endParaRPr lang="de-DE"/>
           </a:p>
@@ -2063,7 +2065,7 @@
           <a:p>
             <a:fld id="{16D9CC38-588B-4693-A1BC-177D03113154}" type="datetimeFigureOut">
               <a:rPr lang="de-DE" smtClean="0"/>
-              <a:t>02.10.2025</a:t>
+              <a:t>06.10.2025</a:t>
             </a:fld>
             <a:endParaRPr lang="de-DE"/>
           </a:p>
@@ -2456,7 +2458,7 @@
           <a:p>
             <a:fld id="{16D9CC38-588B-4693-A1BC-177D03113154}" type="datetimeFigureOut">
               <a:rPr lang="de-DE" smtClean="0"/>
-              <a:t>02.10.2025</a:t>
+              <a:t>06.10.2025</a:t>
             </a:fld>
             <a:endParaRPr lang="de-DE"/>
           </a:p>
@@ -2626,7 +2628,7 @@
           <a:p>
             <a:fld id="{16D9CC38-588B-4693-A1BC-177D03113154}" type="datetimeFigureOut">
               <a:rPr lang="de-DE" smtClean="0"/>
-              <a:t>02.10.2025</a:t>
+              <a:t>06.10.2025</a:t>
             </a:fld>
             <a:endParaRPr lang="de-DE"/>
           </a:p>
@@ -2806,7 +2808,7 @@
           <a:p>
             <a:fld id="{16D9CC38-588B-4693-A1BC-177D03113154}" type="datetimeFigureOut">
               <a:rPr lang="de-DE" smtClean="0"/>
-              <a:t>02.10.2025</a:t>
+              <a:t>06.10.2025</a:t>
             </a:fld>
             <a:endParaRPr lang="de-DE"/>
           </a:p>
@@ -2982,7 +2984,7 @@
           <a:p>
             <a:fld id="{16D9CC38-588B-4693-A1BC-177D03113154}" type="datetimeFigureOut">
               <a:rPr lang="de-DE" smtClean="0"/>
-              <a:t>02.10.2025</a:t>
+              <a:t>06.10.2025</a:t>
             </a:fld>
             <a:endParaRPr lang="de-DE"/>
           </a:p>
@@ -3229,7 +3231,7 @@
           <a:p>
             <a:fld id="{16D9CC38-588B-4693-A1BC-177D03113154}" type="datetimeFigureOut">
               <a:rPr lang="de-DE" smtClean="0"/>
-              <a:t>02.10.2025</a:t>
+              <a:t>06.10.2025</a:t>
             </a:fld>
             <a:endParaRPr lang="de-DE"/>
           </a:p>
@@ -3461,7 +3463,7 @@
           <a:p>
             <a:fld id="{16D9CC38-588B-4693-A1BC-177D03113154}" type="datetimeFigureOut">
               <a:rPr lang="de-DE" smtClean="0"/>
-              <a:t>02.10.2025</a:t>
+              <a:t>06.10.2025</a:t>
             </a:fld>
             <a:endParaRPr lang="de-DE"/>
           </a:p>
@@ -3835,7 +3837,7 @@
           <a:p>
             <a:fld id="{16D9CC38-588B-4693-A1BC-177D03113154}" type="datetimeFigureOut">
               <a:rPr lang="de-DE" smtClean="0"/>
-              <a:t>02.10.2025</a:t>
+              <a:t>06.10.2025</a:t>
             </a:fld>
             <a:endParaRPr lang="de-DE"/>
           </a:p>
@@ -3958,7 +3960,7 @@
           <a:p>
             <a:fld id="{16D9CC38-588B-4693-A1BC-177D03113154}" type="datetimeFigureOut">
               <a:rPr lang="de-DE" smtClean="0"/>
-              <a:t>02.10.2025</a:t>
+              <a:t>06.10.2025</a:t>
             </a:fld>
             <a:endParaRPr lang="de-DE"/>
           </a:p>
@@ -4053,7 +4055,7 @@
           <a:p>
             <a:fld id="{16D9CC38-588B-4693-A1BC-177D03113154}" type="datetimeFigureOut">
               <a:rPr lang="de-DE" smtClean="0"/>
-              <a:t>02.10.2025</a:t>
+              <a:t>06.10.2025</a:t>
             </a:fld>
             <a:endParaRPr lang="de-DE"/>
           </a:p>
@@ -4308,7 +4310,7 @@
           <a:p>
             <a:fld id="{16D9CC38-588B-4693-A1BC-177D03113154}" type="datetimeFigureOut">
               <a:rPr lang="de-DE" smtClean="0"/>
-              <a:t>02.10.2025</a:t>
+              <a:t>06.10.2025</a:t>
             </a:fld>
             <a:endParaRPr lang="de-DE"/>
           </a:p>
@@ -4571,7 +4573,7 @@
           <a:p>
             <a:fld id="{16D9CC38-588B-4693-A1BC-177D03113154}" type="datetimeFigureOut">
               <a:rPr lang="de-DE" smtClean="0"/>
-              <a:t>02.10.2025</a:t>
+              <a:t>06.10.2025</a:t>
             </a:fld>
             <a:endParaRPr lang="de-DE"/>
           </a:p>
@@ -5314,7 +5316,7 @@
           <a:p>
             <a:fld id="{16D9CC38-588B-4693-A1BC-177D03113154}" type="datetimeFigureOut">
               <a:rPr lang="de-DE" smtClean="0"/>
-              <a:t>02.10.2025</a:t>
+              <a:t>06.10.2025</a:t>
             </a:fld>
             <a:endParaRPr lang="de-DE"/>
           </a:p>
@@ -5926,6 +5928,194 @@
           <p:cNvPr id="2" name="Titel 1">
             <a:extLst>
               <a:ext uri="{FF2B5EF4-FFF2-40B4-BE49-F238E27FC236}">
+                <a16:creationId xmlns:a16="http://schemas.microsoft.com/office/drawing/2014/main" id="{5E21D545-2A2B-4618-AF42-ADEB14645CBD}"/>
+              </a:ext>
+            </a:extLst>
+          </p:cNvPr>
+          <p:cNvSpPr>
+            <a:spLocks noGrp="1"/>
+          </p:cNvSpPr>
+          <p:nvPr>
+            <p:ph type="title"/>
+          </p:nvPr>
+        </p:nvSpPr>
+        <p:spPr/>
+        <p:txBody>
+          <a:bodyPr/>
+          <a:lstStyle/>
+          <a:p>
+            <a:r>
+              <a:rPr lang="de-DE" dirty="0"/>
+              <a:t>Execute Pings	</a:t>
+            </a:r>
+          </a:p>
+        </p:txBody>
+      </p:sp>
+      <p:pic>
+        <p:nvPicPr>
+          <p:cNvPr id="5" name="Grafik 4">
+            <a:extLst>
+              <a:ext uri="{FF2B5EF4-FFF2-40B4-BE49-F238E27FC236}">
+                <a16:creationId xmlns:a16="http://schemas.microsoft.com/office/drawing/2014/main" id="{90E1AB99-7B59-432A-ABE3-C1CC4DBF6E3A}"/>
+              </a:ext>
+            </a:extLst>
+          </p:cNvPr>
+          <p:cNvPicPr>
+            <a:picLocks noChangeAspect="1"/>
+          </p:cNvPicPr>
+          <p:nvPr/>
+        </p:nvPicPr>
+        <p:blipFill>
+          <a:blip r:embed="rId2">
+            <a:extLst>
+              <a:ext uri="{28A0092B-C50C-407E-A947-70E740481C1C}">
+                <a14:useLocalDpi xmlns:a14="http://schemas.microsoft.com/office/drawing/2010/main" val="0"/>
+              </a:ext>
+            </a:extLst>
+          </a:blip>
+          <a:stretch>
+            <a:fillRect/>
+          </a:stretch>
+        </p:blipFill>
+        <p:spPr>
+          <a:xfrm>
+            <a:off x="764153" y="1469571"/>
+            <a:ext cx="8692635" cy="3842119"/>
+          </a:xfrm>
+          <a:prstGeom prst="rect">
+            <a:avLst/>
+          </a:prstGeom>
+        </p:spPr>
+      </p:pic>
+    </p:spTree>
+    <p:extLst>
+      <p:ext uri="{BB962C8B-B14F-4D97-AF65-F5344CB8AC3E}">
+        <p14:creationId xmlns:p14="http://schemas.microsoft.com/office/powerpoint/2010/main" val="1430446324"/>
+      </p:ext>
+    </p:extLst>
+  </p:cSld>
+  <p:clrMapOvr>
+    <a:masterClrMapping/>
+  </p:clrMapOvr>
+</p:sld>
+</file>
+
+<file path=ppt/slides/slide11.xml><?xml version="1.0" encoding="utf-8"?>
+<p:sld xmlns:a="http://schemas.openxmlformats.org/drawingml/2006/main" xmlns:r="http://schemas.openxmlformats.org/officeDocument/2006/relationships" xmlns:p="http://schemas.openxmlformats.org/presentationml/2006/main">
+  <p:cSld>
+    <p:spTree>
+      <p:nvGrpSpPr>
+        <p:cNvPr id="1" name=""/>
+        <p:cNvGrpSpPr/>
+        <p:nvPr/>
+      </p:nvGrpSpPr>
+      <p:grpSpPr>
+        <a:xfrm>
+          <a:off x="0" y="0"/>
+          <a:ext cx="0" cy="0"/>
+          <a:chOff x="0" y="0"/>
+          <a:chExt cx="0" cy="0"/>
+        </a:xfrm>
+      </p:grpSpPr>
+      <p:sp>
+        <p:nvSpPr>
+          <p:cNvPr id="12" name="Titel 11">
+            <a:extLst>
+              <a:ext uri="{FF2B5EF4-FFF2-40B4-BE49-F238E27FC236}">
+                <a16:creationId xmlns:a16="http://schemas.microsoft.com/office/drawing/2014/main" id="{16AD746F-53FA-40CD-B004-1F8D0A90F19D}"/>
+              </a:ext>
+            </a:extLst>
+          </p:cNvPr>
+          <p:cNvSpPr>
+            <a:spLocks noGrp="1"/>
+          </p:cNvSpPr>
+          <p:nvPr>
+            <p:ph type="title"/>
+          </p:nvPr>
+        </p:nvSpPr>
+        <p:spPr/>
+        <p:txBody>
+          <a:bodyPr/>
+          <a:lstStyle/>
+          <a:p>
+            <a:r>
+              <a:rPr lang="de-DE" dirty="0"/>
+              <a:t>Edit Mode</a:t>
+            </a:r>
+          </a:p>
+        </p:txBody>
+      </p:sp>
+      <p:pic>
+        <p:nvPicPr>
+          <p:cNvPr id="9" name="Grafik 8">
+            <a:extLst>
+              <a:ext uri="{FF2B5EF4-FFF2-40B4-BE49-F238E27FC236}">
+                <a16:creationId xmlns:a16="http://schemas.microsoft.com/office/drawing/2014/main" id="{382EAA0B-6581-4F52-A9F1-46AB080C992A}"/>
+              </a:ext>
+            </a:extLst>
+          </p:cNvPr>
+          <p:cNvPicPr>
+            <a:picLocks noChangeAspect="1"/>
+          </p:cNvPicPr>
+          <p:nvPr/>
+        </p:nvPicPr>
+        <p:blipFill>
+          <a:blip r:embed="rId2">
+            <a:extLst>
+              <a:ext uri="{28A0092B-C50C-407E-A947-70E740481C1C}">
+                <a14:useLocalDpi xmlns:a14="http://schemas.microsoft.com/office/drawing/2010/main" val="0"/>
+              </a:ext>
+            </a:extLst>
+          </a:blip>
+          <a:stretch>
+            <a:fillRect/>
+          </a:stretch>
+        </p:blipFill>
+        <p:spPr>
+          <a:xfrm>
+            <a:off x="978573" y="1458473"/>
+            <a:ext cx="8596667" cy="4028390"/>
+          </a:xfrm>
+          <a:prstGeom prst="rect">
+            <a:avLst/>
+          </a:prstGeom>
+        </p:spPr>
+      </p:pic>
+    </p:spTree>
+    <p:extLst>
+      <p:ext uri="{BB962C8B-B14F-4D97-AF65-F5344CB8AC3E}">
+        <p14:creationId xmlns:p14="http://schemas.microsoft.com/office/powerpoint/2010/main" val="501062739"/>
+      </p:ext>
+    </p:extLst>
+  </p:cSld>
+  <p:clrMapOvr>
+    <a:masterClrMapping/>
+  </p:clrMapOvr>
+</p:sld>
+</file>
+
+<file path=ppt/slides/slide12.xml><?xml version="1.0" encoding="utf-8"?>
+<p:sld xmlns:a="http://schemas.openxmlformats.org/drawingml/2006/main" xmlns:r="http://schemas.openxmlformats.org/officeDocument/2006/relationships" xmlns:p="http://schemas.openxmlformats.org/presentationml/2006/main">
+  <p:cSld>
+    <p:spTree>
+      <p:nvGrpSpPr>
+        <p:cNvPr id="1" name=""/>
+        <p:cNvGrpSpPr/>
+        <p:nvPr/>
+      </p:nvGrpSpPr>
+      <p:grpSpPr>
+        <a:xfrm>
+          <a:off x="0" y="0"/>
+          <a:ext cx="0" cy="0"/>
+          <a:chOff x="0" y="0"/>
+          <a:chExt cx="0" cy="0"/>
+        </a:xfrm>
+      </p:grpSpPr>
+      <p:sp>
+        <p:nvSpPr>
+          <p:cNvPr id="2" name="Titel 1">
+            <a:extLst>
+              <a:ext uri="{FF2B5EF4-FFF2-40B4-BE49-F238E27FC236}">
                 <a16:creationId xmlns:a16="http://schemas.microsoft.com/office/drawing/2014/main" id="{4A93D884-E94C-462F-8AFB-D2553D77A23A}"/>
               </a:ext>
             </a:extLst>
@@ -5977,6 +6167,18 @@
               <a:t>GitHub Repository</a:t>
             </a:r>
             <a:endParaRPr lang="de-DE" dirty="0"/>
+          </a:p>
+          <a:p>
+            <a:r>
+              <a:rPr lang="de-DE" dirty="0"/>
+              <a:t>Amazon.com für Preise</a:t>
+            </a:r>
+          </a:p>
+          <a:p>
+            <a:r>
+              <a:rPr lang="de-DE" dirty="0"/>
+              <a:t>Conrad.de für Preise</a:t>
+            </a:r>
           </a:p>
           <a:p>
             <a:endParaRPr lang="de-DE" dirty="0"/>
@@ -6064,7 +6266,7 @@
           <a:p>
             <a:r>
               <a:rPr lang="de-DE" dirty="0"/>
-              <a:t>Project- und Codeübersicht</a:t>
+              <a:t>Projektübersicht</a:t>
             </a:r>
           </a:p>
           <a:p>
@@ -6077,6 +6279,12 @@
             <a:r>
               <a:rPr lang="de-DE" dirty="0"/>
               <a:t>Zeitaufteilung</a:t>
+            </a:r>
+          </a:p>
+          <a:p>
+            <a:r>
+              <a:rPr lang="de-DE" dirty="0"/>
+              <a:t>Project- und Codeübersicht</a:t>
             </a:r>
           </a:p>
         </p:txBody>
@@ -8762,7 +8970,7 @@
           <a:p>
             <a:r>
               <a:rPr lang="de-DE" dirty="0"/>
-              <a:t>Übersicht</a:t>
+              <a:t>Interface </a:t>
             </a:r>
           </a:p>
         </p:txBody>
@@ -8797,580 +9005,6 @@
           <a:chExt cx="0" cy="0"/>
         </a:xfrm>
       </p:grpSpPr>
-      <p:pic>
-        <p:nvPicPr>
-          <p:cNvPr id="11" name="Grafik 10">
-            <a:extLst>
-              <a:ext uri="{FF2B5EF4-FFF2-40B4-BE49-F238E27FC236}">
-                <a16:creationId xmlns:a16="http://schemas.microsoft.com/office/drawing/2014/main" id="{322781A0-29C5-4C64-83B5-0337F04E60C5}"/>
-              </a:ext>
-            </a:extLst>
-          </p:cNvPr>
-          <p:cNvPicPr>
-            <a:picLocks noChangeAspect="1"/>
-          </p:cNvPicPr>
-          <p:nvPr/>
-        </p:nvPicPr>
-        <p:blipFill>
-          <a:blip r:embed="rId2">
-            <a:extLst>
-              <a:ext uri="{28A0092B-C50C-407E-A947-70E740481C1C}">
-                <a14:useLocalDpi xmlns:a14="http://schemas.microsoft.com/office/drawing/2010/main" val="0"/>
-              </a:ext>
-            </a:extLst>
-          </a:blip>
-          <a:stretch>
-            <a:fillRect/>
-          </a:stretch>
-        </p:blipFill>
-        <p:spPr>
-          <a:xfrm>
-            <a:off x="4162496" y="2160589"/>
-            <a:ext cx="5111506" cy="2889510"/>
-          </a:xfrm>
-          <a:prstGeom prst="rect">
-            <a:avLst/>
-          </a:prstGeom>
-        </p:spPr>
-      </p:pic>
-      <p:sp>
-        <p:nvSpPr>
-          <p:cNvPr id="12" name="Titel 11">
-            <a:extLst>
-              <a:ext uri="{FF2B5EF4-FFF2-40B4-BE49-F238E27FC236}">
-                <a16:creationId xmlns:a16="http://schemas.microsoft.com/office/drawing/2014/main" id="{16AD746F-53FA-40CD-B004-1F8D0A90F19D}"/>
-              </a:ext>
-            </a:extLst>
-          </p:cNvPr>
-          <p:cNvSpPr>
-            <a:spLocks noGrp="1"/>
-          </p:cNvSpPr>
-          <p:nvPr>
-            <p:ph type="title"/>
-          </p:nvPr>
-        </p:nvSpPr>
-        <p:spPr/>
-        <p:txBody>
-          <a:bodyPr/>
-          <a:lstStyle/>
-          <a:p>
-            <a:r>
-              <a:rPr lang="de-DE" dirty="0" err="1"/>
-              <a:t>Overview</a:t>
-            </a:r>
-            <a:endParaRPr lang="de-DE" dirty="0"/>
-          </a:p>
-        </p:txBody>
-      </p:sp>
-      <p:sp>
-        <p:nvSpPr>
-          <p:cNvPr id="13" name="Inhaltsplatzhalter 12">
-            <a:extLst>
-              <a:ext uri="{FF2B5EF4-FFF2-40B4-BE49-F238E27FC236}">
-                <a16:creationId xmlns:a16="http://schemas.microsoft.com/office/drawing/2014/main" id="{D09D3AF2-E36E-4BBB-B01E-8D8518C831CC}"/>
-              </a:ext>
-            </a:extLst>
-          </p:cNvPr>
-          <p:cNvSpPr>
-            <a:spLocks noGrp="1"/>
-          </p:cNvSpPr>
-          <p:nvPr>
-            <p:ph idx="1"/>
-          </p:nvPr>
-        </p:nvSpPr>
-        <p:spPr>
-          <a:xfrm>
-            <a:off x="677334" y="2160589"/>
-            <a:ext cx="3349234" cy="3880773"/>
-          </a:xfrm>
-        </p:spPr>
-        <p:txBody>
-          <a:bodyPr/>
-          <a:lstStyle/>
-          <a:p>
-            <a:endParaRPr lang="de-DE" dirty="0"/>
-          </a:p>
-        </p:txBody>
-      </p:sp>
-    </p:spTree>
-    <p:extLst>
-      <p:ext uri="{BB962C8B-B14F-4D97-AF65-F5344CB8AC3E}">
-        <p14:creationId xmlns:p14="http://schemas.microsoft.com/office/powerpoint/2010/main" val="3032544506"/>
-      </p:ext>
-    </p:extLst>
-  </p:cSld>
-  <p:clrMapOvr>
-    <a:masterClrMapping/>
-  </p:clrMapOvr>
-</p:sld>
-</file>
-
-<file path=ppt/slides/slide5.xml><?xml version="1.0" encoding="utf-8"?>
-<p:sld xmlns:a="http://schemas.openxmlformats.org/drawingml/2006/main" xmlns:r="http://schemas.openxmlformats.org/officeDocument/2006/relationships" xmlns:p="http://schemas.openxmlformats.org/presentationml/2006/main">
-  <p:cSld>
-    <p:spTree>
-      <p:nvGrpSpPr>
-        <p:cNvPr id="1" name=""/>
-        <p:cNvGrpSpPr/>
-        <p:nvPr/>
-      </p:nvGrpSpPr>
-      <p:grpSpPr>
-        <a:xfrm>
-          <a:off x="0" y="0"/>
-          <a:ext cx="0" cy="0"/>
-          <a:chOff x="0" y="0"/>
-          <a:chExt cx="0" cy="0"/>
-        </a:xfrm>
-      </p:grpSpPr>
-      <p:sp>
-        <p:nvSpPr>
-          <p:cNvPr id="2" name="Titel 1">
-            <a:extLst>
-              <a:ext uri="{FF2B5EF4-FFF2-40B4-BE49-F238E27FC236}">
-                <a16:creationId xmlns:a16="http://schemas.microsoft.com/office/drawing/2014/main" id="{766F07D0-FF27-49DA-938E-C47ACC01A3AD}"/>
-              </a:ext>
-            </a:extLst>
-          </p:cNvPr>
-          <p:cNvSpPr>
-            <a:spLocks noGrp="1"/>
-          </p:cNvSpPr>
-          <p:nvPr>
-            <p:ph type="title"/>
-          </p:nvPr>
-        </p:nvSpPr>
-        <p:spPr/>
-        <p:txBody>
-          <a:bodyPr/>
-          <a:lstStyle/>
-          <a:p>
-            <a:r>
-              <a:rPr lang="de-DE" dirty="0"/>
-              <a:t>Variable Declaration</a:t>
-            </a:r>
-          </a:p>
-        </p:txBody>
-      </p:sp>
-      <p:sp>
-        <p:nvSpPr>
-          <p:cNvPr id="3" name="Inhaltsplatzhalter 2">
-            <a:extLst>
-              <a:ext uri="{FF2B5EF4-FFF2-40B4-BE49-F238E27FC236}">
-                <a16:creationId xmlns:a16="http://schemas.microsoft.com/office/drawing/2014/main" id="{C0371D30-E068-4D9E-A429-08001113A0F0}"/>
-              </a:ext>
-            </a:extLst>
-          </p:cNvPr>
-          <p:cNvSpPr>
-            <a:spLocks noGrp="1"/>
-          </p:cNvSpPr>
-          <p:nvPr>
-            <p:ph idx="1"/>
-          </p:nvPr>
-        </p:nvSpPr>
-        <p:spPr>
-          <a:xfrm>
-            <a:off x="677334" y="2160589"/>
-            <a:ext cx="2611298" cy="3880773"/>
-          </a:xfrm>
-        </p:spPr>
-        <p:txBody>
-          <a:bodyPr/>
-          <a:lstStyle/>
-          <a:p>
-            <a:r>
-              <a:rPr lang="de-DE" dirty="0"/>
-              <a:t>Text</a:t>
-            </a:r>
-          </a:p>
-        </p:txBody>
-      </p:sp>
-      <p:pic>
-        <p:nvPicPr>
-          <p:cNvPr id="4" name="Grafik 3">
-            <a:extLst>
-              <a:ext uri="{FF2B5EF4-FFF2-40B4-BE49-F238E27FC236}">
-                <a16:creationId xmlns:a16="http://schemas.microsoft.com/office/drawing/2014/main" id="{E9ACB9B7-BC6A-4EAD-9AD3-5279E6B2766A}"/>
-              </a:ext>
-            </a:extLst>
-          </p:cNvPr>
-          <p:cNvPicPr>
-            <a:picLocks noChangeAspect="1"/>
-          </p:cNvPicPr>
-          <p:nvPr/>
-        </p:nvPicPr>
-        <p:blipFill>
-          <a:blip r:embed="rId2"/>
-          <a:stretch>
-            <a:fillRect/>
-          </a:stretch>
-        </p:blipFill>
-        <p:spPr>
-          <a:xfrm>
-            <a:off x="4362208" y="2214393"/>
-            <a:ext cx="3467584" cy="2429214"/>
-          </a:xfrm>
-          <a:prstGeom prst="rect">
-            <a:avLst/>
-          </a:prstGeom>
-        </p:spPr>
-      </p:pic>
-    </p:spTree>
-    <p:extLst>
-      <p:ext uri="{BB962C8B-B14F-4D97-AF65-F5344CB8AC3E}">
-        <p14:creationId xmlns:p14="http://schemas.microsoft.com/office/powerpoint/2010/main" val="1873986880"/>
-      </p:ext>
-    </p:extLst>
-  </p:cSld>
-  <p:clrMapOvr>
-    <a:masterClrMapping/>
-  </p:clrMapOvr>
-</p:sld>
-</file>
-
-<file path=ppt/slides/slide6.xml><?xml version="1.0" encoding="utf-8"?>
-<p:sld xmlns:a="http://schemas.openxmlformats.org/drawingml/2006/main" xmlns:r="http://schemas.openxmlformats.org/officeDocument/2006/relationships" xmlns:p="http://schemas.openxmlformats.org/presentationml/2006/main">
-  <p:cSld>
-    <p:spTree>
-      <p:nvGrpSpPr>
-        <p:cNvPr id="1" name=""/>
-        <p:cNvGrpSpPr/>
-        <p:nvPr/>
-      </p:nvGrpSpPr>
-      <p:grpSpPr>
-        <a:xfrm>
-          <a:off x="0" y="0"/>
-          <a:ext cx="0" cy="0"/>
-          <a:chOff x="0" y="0"/>
-          <a:chExt cx="0" cy="0"/>
-        </a:xfrm>
-      </p:grpSpPr>
-      <p:sp>
-        <p:nvSpPr>
-          <p:cNvPr id="2" name="Titel 1">
-            <a:extLst>
-              <a:ext uri="{FF2B5EF4-FFF2-40B4-BE49-F238E27FC236}">
-                <a16:creationId xmlns:a16="http://schemas.microsoft.com/office/drawing/2014/main" id="{766F07D0-FF27-49DA-938E-C47ACC01A3AD}"/>
-              </a:ext>
-            </a:extLst>
-          </p:cNvPr>
-          <p:cNvSpPr>
-            <a:spLocks noGrp="1"/>
-          </p:cNvSpPr>
-          <p:nvPr>
-            <p:ph type="title"/>
-          </p:nvPr>
-        </p:nvSpPr>
-        <p:spPr/>
-        <p:txBody>
-          <a:bodyPr/>
-          <a:lstStyle/>
-          <a:p>
-            <a:r>
-              <a:rPr lang="de-DE" dirty="0"/>
-              <a:t>Funktionen und </a:t>
-            </a:r>
-            <a:r>
-              <a:rPr lang="de-DE" dirty="0" err="1"/>
-              <a:t>Keypad</a:t>
-            </a:r>
-            <a:r>
-              <a:rPr lang="de-DE" dirty="0"/>
-              <a:t> </a:t>
-            </a:r>
-            <a:r>
-              <a:rPr lang="de-DE" dirty="0" err="1"/>
-              <a:t>Object</a:t>
-            </a:r>
-            <a:endParaRPr lang="de-DE" dirty="0"/>
-          </a:p>
-        </p:txBody>
-      </p:sp>
-      <p:sp>
-        <p:nvSpPr>
-          <p:cNvPr id="3" name="Inhaltsplatzhalter 2">
-            <a:extLst>
-              <a:ext uri="{FF2B5EF4-FFF2-40B4-BE49-F238E27FC236}">
-                <a16:creationId xmlns:a16="http://schemas.microsoft.com/office/drawing/2014/main" id="{C0371D30-E068-4D9E-A429-08001113A0F0}"/>
-              </a:ext>
-            </a:extLst>
-          </p:cNvPr>
-          <p:cNvSpPr>
-            <a:spLocks noGrp="1"/>
-          </p:cNvSpPr>
-          <p:nvPr>
-            <p:ph idx="1"/>
-          </p:nvPr>
-        </p:nvSpPr>
-        <p:spPr>
-          <a:xfrm>
-            <a:off x="677334" y="2160589"/>
-            <a:ext cx="2611298" cy="1103311"/>
-          </a:xfrm>
-        </p:spPr>
-        <p:txBody>
-          <a:bodyPr/>
-          <a:lstStyle/>
-          <a:p>
-            <a:r>
-              <a:rPr lang="de-DE" dirty="0"/>
-              <a:t>Text</a:t>
-            </a:r>
-          </a:p>
-        </p:txBody>
-      </p:sp>
-      <p:pic>
-        <p:nvPicPr>
-          <p:cNvPr id="6" name="Grafik 5">
-            <a:extLst>
-              <a:ext uri="{FF2B5EF4-FFF2-40B4-BE49-F238E27FC236}">
-                <a16:creationId xmlns:a16="http://schemas.microsoft.com/office/drawing/2014/main" id="{69702F54-5706-4A8A-BF3F-1949225C5682}"/>
-              </a:ext>
-            </a:extLst>
-          </p:cNvPr>
-          <p:cNvPicPr>
-            <a:picLocks noChangeAspect="1"/>
-          </p:cNvPicPr>
-          <p:nvPr/>
-        </p:nvPicPr>
-        <p:blipFill>
-          <a:blip r:embed="rId2"/>
-          <a:stretch>
-            <a:fillRect/>
-          </a:stretch>
-        </p:blipFill>
-        <p:spPr>
-          <a:xfrm>
-            <a:off x="3288632" y="2385179"/>
-            <a:ext cx="7249537" cy="4344006"/>
-          </a:xfrm>
-          <a:prstGeom prst="rect">
-            <a:avLst/>
-          </a:prstGeom>
-        </p:spPr>
-      </p:pic>
-      <p:pic>
-        <p:nvPicPr>
-          <p:cNvPr id="7" name="Grafik 6">
-            <a:extLst>
-              <a:ext uri="{FF2B5EF4-FFF2-40B4-BE49-F238E27FC236}">
-                <a16:creationId xmlns:a16="http://schemas.microsoft.com/office/drawing/2014/main" id="{4ED95429-795F-4192-87F7-A8E9FC97CB01}"/>
-              </a:ext>
-            </a:extLst>
-          </p:cNvPr>
-          <p:cNvPicPr>
-            <a:picLocks noChangeAspect="1"/>
-          </p:cNvPicPr>
-          <p:nvPr/>
-        </p:nvPicPr>
-        <p:blipFill>
-          <a:blip r:embed="rId3"/>
-          <a:stretch>
-            <a:fillRect/>
-          </a:stretch>
-        </p:blipFill>
-        <p:spPr>
-          <a:xfrm>
-            <a:off x="3288632" y="2024421"/>
-            <a:ext cx="3229426" cy="266737"/>
-          </a:xfrm>
-          <a:prstGeom prst="rect">
-            <a:avLst/>
-          </a:prstGeom>
-        </p:spPr>
-      </p:pic>
-      <p:pic>
-        <p:nvPicPr>
-          <p:cNvPr id="8" name="Grafik 7">
-            <a:extLst>
-              <a:ext uri="{FF2B5EF4-FFF2-40B4-BE49-F238E27FC236}">
-                <a16:creationId xmlns:a16="http://schemas.microsoft.com/office/drawing/2014/main" id="{3FF9E657-FE57-4C1F-BA6D-8CCBE0FC5726}"/>
-              </a:ext>
-            </a:extLst>
-          </p:cNvPr>
-          <p:cNvPicPr>
-            <a:picLocks noChangeAspect="1"/>
-          </p:cNvPicPr>
-          <p:nvPr/>
-        </p:nvPicPr>
-        <p:blipFill>
-          <a:blip r:embed="rId4">
-            <a:extLst>
-              <a:ext uri="{28A0092B-C50C-407E-A947-70E740481C1C}">
-                <a14:useLocalDpi xmlns:a14="http://schemas.microsoft.com/office/drawing/2010/main" val="0"/>
-              </a:ext>
-            </a:extLst>
-          </a:blip>
-          <a:stretch>
-            <a:fillRect/>
-          </a:stretch>
-        </p:blipFill>
-        <p:spPr>
-          <a:xfrm>
-            <a:off x="820662" y="3973285"/>
-            <a:ext cx="2467970" cy="2755900"/>
-          </a:xfrm>
-          <a:prstGeom prst="rect">
-            <a:avLst/>
-          </a:prstGeom>
-        </p:spPr>
-      </p:pic>
-    </p:spTree>
-    <p:extLst>
-      <p:ext uri="{BB962C8B-B14F-4D97-AF65-F5344CB8AC3E}">
-        <p14:creationId xmlns:p14="http://schemas.microsoft.com/office/powerpoint/2010/main" val="3334004912"/>
-      </p:ext>
-    </p:extLst>
-  </p:cSld>
-  <p:clrMapOvr>
-    <a:masterClrMapping/>
-  </p:clrMapOvr>
-</p:sld>
-</file>
-
-<file path=ppt/slides/slide7.xml><?xml version="1.0" encoding="utf-8"?>
-<p:sld xmlns:a="http://schemas.openxmlformats.org/drawingml/2006/main" xmlns:r="http://schemas.openxmlformats.org/officeDocument/2006/relationships" xmlns:p="http://schemas.openxmlformats.org/presentationml/2006/main">
-  <p:cSld>
-    <p:spTree>
-      <p:nvGrpSpPr>
-        <p:cNvPr id="1" name=""/>
-        <p:cNvGrpSpPr/>
-        <p:nvPr/>
-      </p:nvGrpSpPr>
-      <p:grpSpPr>
-        <a:xfrm>
-          <a:off x="0" y="0"/>
-          <a:ext cx="0" cy="0"/>
-          <a:chOff x="0" y="0"/>
-          <a:chExt cx="0" cy="0"/>
-        </a:xfrm>
-      </p:grpSpPr>
-      <p:sp>
-        <p:nvSpPr>
-          <p:cNvPr id="12" name="Titel 11">
-            <a:extLst>
-              <a:ext uri="{FF2B5EF4-FFF2-40B4-BE49-F238E27FC236}">
-                <a16:creationId xmlns:a16="http://schemas.microsoft.com/office/drawing/2014/main" id="{16AD746F-53FA-40CD-B004-1F8D0A90F19D}"/>
-              </a:ext>
-            </a:extLst>
-          </p:cNvPr>
-          <p:cNvSpPr>
-            <a:spLocks noGrp="1"/>
-          </p:cNvSpPr>
-          <p:nvPr>
-            <p:ph type="title"/>
-          </p:nvPr>
-        </p:nvSpPr>
-        <p:spPr/>
-        <p:txBody>
-          <a:bodyPr/>
-          <a:lstStyle/>
-          <a:p>
-            <a:r>
-              <a:rPr lang="de-DE" dirty="0"/>
-              <a:t>Edit Mode</a:t>
-            </a:r>
-          </a:p>
-        </p:txBody>
-      </p:sp>
-      <p:sp>
-        <p:nvSpPr>
-          <p:cNvPr id="5" name="Inhaltsplatzhalter 4">
-            <a:extLst>
-              <a:ext uri="{FF2B5EF4-FFF2-40B4-BE49-F238E27FC236}">
-                <a16:creationId xmlns:a16="http://schemas.microsoft.com/office/drawing/2014/main" id="{6A99AAF1-5888-4E0E-B3D0-0E7A04020E4B}"/>
-              </a:ext>
-            </a:extLst>
-          </p:cNvPr>
-          <p:cNvSpPr>
-            <a:spLocks noGrp="1"/>
-          </p:cNvSpPr>
-          <p:nvPr>
-            <p:ph idx="1"/>
-          </p:nvPr>
-        </p:nvSpPr>
-        <p:spPr>
-          <a:xfrm>
-            <a:off x="677334" y="2160589"/>
-            <a:ext cx="2370666" cy="3880773"/>
-          </a:xfrm>
-        </p:spPr>
-        <p:txBody>
-          <a:bodyPr/>
-          <a:lstStyle/>
-          <a:p>
-            <a:r>
-              <a:rPr lang="de-DE" dirty="0" err="1"/>
-              <a:t>test</a:t>
-            </a:r>
-            <a:endParaRPr lang="de-DE" dirty="0"/>
-          </a:p>
-        </p:txBody>
-      </p:sp>
-      <p:pic>
-        <p:nvPicPr>
-          <p:cNvPr id="9" name="Grafik 8">
-            <a:extLst>
-              <a:ext uri="{FF2B5EF4-FFF2-40B4-BE49-F238E27FC236}">
-                <a16:creationId xmlns:a16="http://schemas.microsoft.com/office/drawing/2014/main" id="{382EAA0B-6581-4F52-A9F1-46AB080C992A}"/>
-              </a:ext>
-            </a:extLst>
-          </p:cNvPr>
-          <p:cNvPicPr>
-            <a:picLocks noChangeAspect="1"/>
-          </p:cNvPicPr>
-          <p:nvPr/>
-        </p:nvPicPr>
-        <p:blipFill>
-          <a:blip r:embed="rId2">
-            <a:extLst>
-              <a:ext uri="{28A0092B-C50C-407E-A947-70E740481C1C}">
-                <a14:useLocalDpi xmlns:a14="http://schemas.microsoft.com/office/drawing/2010/main" val="0"/>
-              </a:ext>
-            </a:extLst>
-          </a:blip>
-          <a:stretch>
-            <a:fillRect/>
-          </a:stretch>
-        </p:blipFill>
-        <p:spPr>
-          <a:xfrm>
-            <a:off x="3660215" y="2715087"/>
-            <a:ext cx="5915025" cy="2771775"/>
-          </a:xfrm>
-          <a:prstGeom prst="rect">
-            <a:avLst/>
-          </a:prstGeom>
-        </p:spPr>
-      </p:pic>
-    </p:spTree>
-    <p:extLst>
-      <p:ext uri="{BB962C8B-B14F-4D97-AF65-F5344CB8AC3E}">
-        <p14:creationId xmlns:p14="http://schemas.microsoft.com/office/powerpoint/2010/main" val="501062739"/>
-      </p:ext>
-    </p:extLst>
-  </p:cSld>
-  <p:clrMapOvr>
-    <a:masterClrMapping/>
-  </p:clrMapOvr>
-</p:sld>
-</file>
-
-<file path=ppt/slides/slide8.xml><?xml version="1.0" encoding="utf-8"?>
-<p:sld xmlns:a="http://schemas.openxmlformats.org/drawingml/2006/main" xmlns:r="http://schemas.openxmlformats.org/officeDocument/2006/relationships" xmlns:p="http://schemas.openxmlformats.org/presentationml/2006/main">
-  <p:cSld>
-    <p:spTree>
-      <p:nvGrpSpPr>
-        <p:cNvPr id="1" name=""/>
-        <p:cNvGrpSpPr/>
-        <p:nvPr/>
-      </p:nvGrpSpPr>
-      <p:grpSpPr>
-        <a:xfrm>
-          <a:off x="0" y="0"/>
-          <a:ext cx="0" cy="0"/>
-          <a:chOff x="0" y="0"/>
-          <a:chExt cx="0" cy="0"/>
-        </a:xfrm>
-      </p:grpSpPr>
       <p:sp>
         <p:nvSpPr>
           <p:cNvPr id="2" name="Titel 1">
@@ -9414,14 +9048,14 @@
           <p:nvPr>
             <p:extLst>
               <p:ext uri="{D42A27DB-BD31-4B8C-83A1-F6EECF244321}">
-                <p14:modId xmlns:p14="http://schemas.microsoft.com/office/powerpoint/2010/main" val="3961434738"/>
+                <p14:modId xmlns:p14="http://schemas.microsoft.com/office/powerpoint/2010/main" val="2390260596"/>
               </p:ext>
             </p:extLst>
           </p:nvPr>
         </p:nvGraphicFramePr>
         <p:xfrm>
-          <a:off x="524042" y="1559560"/>
-          <a:ext cx="8747323" cy="3672840"/>
+          <a:off x="529389" y="1559560"/>
+          <a:ext cx="8741976" cy="4155173"/>
         </p:xfrm>
         <a:graphic>
           <a:graphicData uri="http://schemas.openxmlformats.org/drawingml/2006/table">
@@ -9430,7 +9064,7 @@
                 <a:tableStyleId>{5C22544A-7EE6-4342-B048-85BDC9FD1C3A}</a:tableStyleId>
               </a:tblPr>
               <a:tblGrid>
-                <a:gridCol w="1513305">
+                <a:gridCol w="1507958">
                   <a:extLst>
                     <a:ext uri="{9D8B030D-6E8A-4147-A177-3AD203B41FA5}">
                       <a16:colId xmlns:a16="http://schemas.microsoft.com/office/drawing/2014/main" val="2904503805"/>
@@ -9913,7 +9547,7 @@
                   </a:ext>
                 </a:extLst>
               </a:tr>
-              <a:tr h="370840">
+              <a:tr h="482333">
                 <a:tc>
                   <a:txBody>
                     <a:bodyPr/>
@@ -10006,6 +9640,91 @@
                     <a:p>
                       <a:r>
                         <a:rPr lang="de-DE" dirty="0"/>
+                        <a:t>LCD L2C</a:t>
+                      </a:r>
+                    </a:p>
+                  </a:txBody>
+                  <a:tcPr/>
+                </a:tc>
+                <a:tc>
+                  <a:txBody>
+                    <a:bodyPr/>
+                    <a:lstStyle/>
+                    <a:p>
+                      <a:r>
+                        <a:rPr lang="de-DE" dirty="0"/>
+                        <a:t>1</a:t>
+                      </a:r>
+                    </a:p>
+                  </a:txBody>
+                  <a:tcPr/>
+                </a:tc>
+                <a:tc>
+                  <a:txBody>
+                    <a:bodyPr/>
+                    <a:lstStyle/>
+                    <a:p>
+                      <a:r>
+                        <a:rPr lang="de-DE" dirty="0"/>
+                        <a:t>8,30€</a:t>
+                      </a:r>
+                    </a:p>
+                  </a:txBody>
+                  <a:tcPr/>
+                </a:tc>
+                <a:tc>
+                  <a:txBody>
+                    <a:bodyPr/>
+                    <a:lstStyle/>
+                    <a:p>
+                      <a:r>
+                        <a:rPr lang="de-DE" dirty="0"/>
+                        <a:t>8,30€</a:t>
+                      </a:r>
+                    </a:p>
+                  </a:txBody>
+                  <a:tcPr/>
+                </a:tc>
+                <a:tc>
+                  <a:txBody>
+                    <a:bodyPr/>
+                    <a:lstStyle/>
+                    <a:p>
+                      <a:r>
+                        <a:rPr lang="de-DE" dirty="0"/>
+                        <a:t>8,30€</a:t>
+                      </a:r>
+                    </a:p>
+                  </a:txBody>
+                  <a:tcPr/>
+                </a:tc>
+                <a:tc>
+                  <a:txBody>
+                    <a:bodyPr/>
+                    <a:lstStyle/>
+                    <a:p>
+                      <a:r>
+                        <a:rPr lang="de-DE" dirty="0"/>
+                        <a:t>8,30€</a:t>
+                      </a:r>
+                    </a:p>
+                  </a:txBody>
+                  <a:tcPr/>
+                </a:tc>
+                <a:extLst>
+                  <a:ext uri="{0D108BD9-81ED-4DB2-BD59-A6C34878D82A}">
+                    <a16:rowId xmlns:a16="http://schemas.microsoft.com/office/drawing/2014/main" val="244136962"/>
+                  </a:ext>
+                </a:extLst>
+              </a:tr>
+              <a:tr h="370840">
+                <a:tc>
+                  <a:txBody>
+                    <a:bodyPr/>
+                    <a:lstStyle/>
+                    <a:p>
+                      <a:r>
+                        <a:rPr lang="de-DE" dirty="0"/>
                         <a:t>Gesamt</a:t>
                       </a:r>
                     </a:p>
@@ -10052,7 +9771,7 @@
                     <a:p>
                       <a:r>
                         <a:rPr lang="de-DE" dirty="0"/>
-                        <a:t>10,515€</a:t>
+                        <a:t>18,815€</a:t>
                       </a:r>
                     </a:p>
                   </a:txBody>
@@ -10064,10 +9783,9 @@
                     <a:lstStyle/>
                     <a:p>
                       <a:r>
-                        <a:rPr lang="de-DE"/>
-                        <a:t>25,26€</a:t>
+                        <a:rPr lang="de-DE" dirty="0"/>
+                        <a:t>33,56€</a:t>
                       </a:r>
-                      <a:endParaRPr lang="de-DE" dirty="0"/>
                     </a:p>
                   </a:txBody>
                   <a:tcPr/>
@@ -10095,6 +9813,907 @@
 </p:sld>
 </file>
 
+<file path=ppt/slides/slide5.xml><?xml version="1.0" encoding="utf-8"?>
+<p:sld xmlns:a="http://schemas.openxmlformats.org/drawingml/2006/main" xmlns:r="http://schemas.openxmlformats.org/officeDocument/2006/relationships" xmlns:p="http://schemas.openxmlformats.org/presentationml/2006/main">
+  <p:cSld>
+    <p:spTree>
+      <p:nvGrpSpPr>
+        <p:cNvPr id="1" name=""/>
+        <p:cNvGrpSpPr/>
+        <p:nvPr/>
+      </p:nvGrpSpPr>
+      <p:grpSpPr>
+        <a:xfrm>
+          <a:off x="0" y="0"/>
+          <a:ext cx="0" cy="0"/>
+          <a:chOff x="0" y="0"/>
+          <a:chExt cx="0" cy="0"/>
+        </a:xfrm>
+      </p:grpSpPr>
+      <p:sp>
+        <p:nvSpPr>
+          <p:cNvPr id="2" name="Titel 1">
+            <a:extLst>
+              <a:ext uri="{FF2B5EF4-FFF2-40B4-BE49-F238E27FC236}">
+                <a16:creationId xmlns:a16="http://schemas.microsoft.com/office/drawing/2014/main" id="{BC20ADD0-A3AD-423A-A5FF-DD7901D7B71F}"/>
+              </a:ext>
+            </a:extLst>
+          </p:cNvPr>
+          <p:cNvSpPr>
+            <a:spLocks noGrp="1"/>
+          </p:cNvSpPr>
+          <p:nvPr>
+            <p:ph type="title"/>
+          </p:nvPr>
+        </p:nvSpPr>
+        <p:spPr/>
+        <p:txBody>
+          <a:bodyPr/>
+          <a:lstStyle/>
+          <a:p>
+            <a:r>
+              <a:rPr lang="de-DE" dirty="0"/>
+              <a:t>Zeit</a:t>
+            </a:r>
+          </a:p>
+        </p:txBody>
+      </p:sp>
+      <p:sp>
+        <p:nvSpPr>
+          <p:cNvPr id="3" name="Inhaltsplatzhalter 2">
+            <a:extLst>
+              <a:ext uri="{FF2B5EF4-FFF2-40B4-BE49-F238E27FC236}">
+                <a16:creationId xmlns:a16="http://schemas.microsoft.com/office/drawing/2014/main" id="{466700E5-C520-452B-B4F6-15F1F1C3FB2B}"/>
+              </a:ext>
+            </a:extLst>
+          </p:cNvPr>
+          <p:cNvSpPr>
+            <a:spLocks noGrp="1"/>
+          </p:cNvSpPr>
+          <p:nvPr>
+            <p:ph idx="1"/>
+          </p:nvPr>
+        </p:nvSpPr>
+        <p:spPr>
+          <a:xfrm>
+            <a:off x="677334" y="2160589"/>
+            <a:ext cx="1985655" cy="3880773"/>
+          </a:xfrm>
+        </p:spPr>
+        <p:txBody>
+          <a:bodyPr/>
+          <a:lstStyle/>
+          <a:p>
+            <a:r>
+              <a:rPr lang="de-DE" dirty="0"/>
+              <a:t>WIP</a:t>
+            </a:r>
+          </a:p>
+        </p:txBody>
+      </p:sp>
+      <p:graphicFrame>
+        <p:nvGraphicFramePr>
+          <p:cNvPr id="4" name="Tabelle 3">
+            <a:extLst>
+              <a:ext uri="{FF2B5EF4-FFF2-40B4-BE49-F238E27FC236}">
+                <a16:creationId xmlns:a16="http://schemas.microsoft.com/office/drawing/2014/main" id="{9F2C39EF-A338-4E56-B5BA-BE4343F30F22}"/>
+              </a:ext>
+            </a:extLst>
+          </p:cNvPr>
+          <p:cNvGraphicFramePr>
+            <a:graphicFrameLocks noGrp="1"/>
+          </p:cNvGraphicFramePr>
+          <p:nvPr>
+            <p:extLst>
+              <p:ext uri="{D42A27DB-BD31-4B8C-83A1-F6EECF244321}">
+                <p14:modId xmlns:p14="http://schemas.microsoft.com/office/powerpoint/2010/main" val="645278223"/>
+              </p:ext>
+            </p:extLst>
+          </p:nvPr>
+        </p:nvGraphicFramePr>
+        <p:xfrm>
+          <a:off x="2662989" y="1270000"/>
+          <a:ext cx="6611012" cy="2209800"/>
+        </p:xfrm>
+        <a:graphic>
+          <a:graphicData uri="http://schemas.openxmlformats.org/drawingml/2006/table">
+            <a:tbl>
+              <a:tblPr firstRow="1" bandRow="1">
+                <a:tableStyleId>{5C22544A-7EE6-4342-B048-85BDC9FD1C3A}</a:tableStyleId>
+              </a:tblPr>
+              <a:tblGrid>
+                <a:gridCol w="670201">
+                  <a:extLst>
+                    <a:ext uri="{9D8B030D-6E8A-4147-A177-3AD203B41FA5}">
+                      <a16:colId xmlns:a16="http://schemas.microsoft.com/office/drawing/2014/main" val="343419511"/>
+                    </a:ext>
+                  </a:extLst>
+                </a:gridCol>
+                <a:gridCol w="3179905">
+                  <a:extLst>
+                    <a:ext uri="{9D8B030D-6E8A-4147-A177-3AD203B41FA5}">
+                      <a16:colId xmlns:a16="http://schemas.microsoft.com/office/drawing/2014/main" val="499282660"/>
+                    </a:ext>
+                  </a:extLst>
+                </a:gridCol>
+                <a:gridCol w="1363579">
+                  <a:extLst>
+                    <a:ext uri="{9D8B030D-6E8A-4147-A177-3AD203B41FA5}">
+                      <a16:colId xmlns:a16="http://schemas.microsoft.com/office/drawing/2014/main" val="3392421850"/>
+                    </a:ext>
+                  </a:extLst>
+                </a:gridCol>
+                <a:gridCol w="1397327">
+                  <a:extLst>
+                    <a:ext uri="{9D8B030D-6E8A-4147-A177-3AD203B41FA5}">
+                      <a16:colId xmlns:a16="http://schemas.microsoft.com/office/drawing/2014/main" val="895420441"/>
+                    </a:ext>
+                  </a:extLst>
+                </a:gridCol>
+              </a:tblGrid>
+              <a:tr h="370840">
+                <a:tc>
+                  <a:txBody>
+                    <a:bodyPr/>
+                    <a:lstStyle/>
+                    <a:p>
+                      <a:endParaRPr lang="de-DE" dirty="0"/>
+                    </a:p>
+                  </a:txBody>
+                  <a:tcPr/>
+                </a:tc>
+                <a:tc>
+                  <a:txBody>
+                    <a:bodyPr/>
+                    <a:lstStyle/>
+                    <a:p>
+                      <a:r>
+                        <a:rPr lang="de-DE" dirty="0"/>
+                        <a:t>Phase</a:t>
+                      </a:r>
+                    </a:p>
+                  </a:txBody>
+                  <a:tcPr/>
+                </a:tc>
+                <a:tc>
+                  <a:txBody>
+                    <a:bodyPr/>
+                    <a:lstStyle/>
+                    <a:p>
+                      <a:r>
+                        <a:rPr lang="de-DE" dirty="0"/>
+                        <a:t>Dauer(h)</a:t>
+                      </a:r>
+                    </a:p>
+                  </a:txBody>
+                  <a:tcPr/>
+                </a:tc>
+                <a:tc>
+                  <a:txBody>
+                    <a:bodyPr/>
+                    <a:lstStyle/>
+                    <a:p>
+                      <a:r>
+                        <a:rPr lang="de-DE" dirty="0"/>
+                        <a:t>Vorgänger</a:t>
+                      </a:r>
+                    </a:p>
+                  </a:txBody>
+                  <a:tcPr/>
+                </a:tc>
+                <a:extLst>
+                  <a:ext uri="{0D108BD9-81ED-4DB2-BD59-A6C34878D82A}">
+                    <a16:rowId xmlns:a16="http://schemas.microsoft.com/office/drawing/2014/main" val="702875256"/>
+                  </a:ext>
+                </a:extLst>
+              </a:tr>
+              <a:tr h="370840">
+                <a:tc>
+                  <a:txBody>
+                    <a:bodyPr/>
+                    <a:lstStyle/>
+                    <a:p>
+                      <a:r>
+                        <a:rPr lang="de-DE" dirty="0"/>
+                        <a:t>1</a:t>
+                      </a:r>
+                    </a:p>
+                  </a:txBody>
+                  <a:tcPr/>
+                </a:tc>
+                <a:tc>
+                  <a:txBody>
+                    <a:bodyPr/>
+                    <a:lstStyle/>
+                    <a:p>
+                      <a:pPr marL="0" marR="0" lvl="0" indent="0" algn="l" defTabSz="457200" rtl="0" eaLnBrk="1" fontAlgn="auto" latinLnBrk="0" hangingPunct="1">
+                        <a:lnSpc>
+                          <a:spcPct val="100000"/>
+                        </a:lnSpc>
+                        <a:spcBef>
+                          <a:spcPts val="0"/>
+                        </a:spcBef>
+                        <a:spcAft>
+                          <a:spcPts val="0"/>
+                        </a:spcAft>
+                        <a:buClrTx/>
+                        <a:buSzTx/>
+                        <a:buFontTx/>
+                        <a:buNone/>
+                        <a:tabLst/>
+                        <a:defRPr/>
+                      </a:pPr>
+                      <a:r>
+                        <a:rPr lang="de-DE" dirty="0"/>
+                        <a:t>Hardware Installieren</a:t>
+                      </a:r>
+                    </a:p>
+                  </a:txBody>
+                  <a:tcPr/>
+                </a:tc>
+                <a:tc>
+                  <a:txBody>
+                    <a:bodyPr/>
+                    <a:lstStyle/>
+                    <a:p>
+                      <a:r>
+                        <a:rPr lang="de-DE" dirty="0"/>
+                        <a:t>2</a:t>
+                      </a:r>
+                    </a:p>
+                  </a:txBody>
+                  <a:tcPr/>
+                </a:tc>
+                <a:tc>
+                  <a:txBody>
+                    <a:bodyPr/>
+                    <a:lstStyle/>
+                    <a:p>
+                      <a:endParaRPr lang="de-DE" dirty="0"/>
+                    </a:p>
+                  </a:txBody>
+                  <a:tcPr/>
+                </a:tc>
+                <a:extLst>
+                  <a:ext uri="{0D108BD9-81ED-4DB2-BD59-A6C34878D82A}">
+                    <a16:rowId xmlns:a16="http://schemas.microsoft.com/office/drawing/2014/main" val="3915435351"/>
+                  </a:ext>
+                </a:extLst>
+              </a:tr>
+              <a:tr h="370840">
+                <a:tc>
+                  <a:txBody>
+                    <a:bodyPr/>
+                    <a:lstStyle/>
+                    <a:p>
+                      <a:r>
+                        <a:rPr lang="de-DE" dirty="0"/>
+                        <a:t>2</a:t>
+                      </a:r>
+                    </a:p>
+                  </a:txBody>
+                  <a:tcPr/>
+                </a:tc>
+                <a:tc>
+                  <a:txBody>
+                    <a:bodyPr/>
+                    <a:lstStyle/>
+                    <a:p>
+                      <a:pPr marL="0" marR="0" lvl="0" indent="0" algn="l" defTabSz="457200" rtl="0" eaLnBrk="1" fontAlgn="auto" latinLnBrk="0" hangingPunct="1">
+                        <a:lnSpc>
+                          <a:spcPct val="100000"/>
+                        </a:lnSpc>
+                        <a:spcBef>
+                          <a:spcPts val="0"/>
+                        </a:spcBef>
+                        <a:spcAft>
+                          <a:spcPts val="0"/>
+                        </a:spcAft>
+                        <a:buClrTx/>
+                        <a:buSzTx/>
+                        <a:buFontTx/>
+                        <a:buNone/>
+                        <a:tabLst/>
+                        <a:defRPr/>
+                      </a:pPr>
+                      <a:r>
+                        <a:rPr lang="de-DE" dirty="0"/>
+                        <a:t>Pins zuteilen und testen</a:t>
+                      </a:r>
+                    </a:p>
+                  </a:txBody>
+                  <a:tcPr/>
+                </a:tc>
+                <a:tc>
+                  <a:txBody>
+                    <a:bodyPr/>
+                    <a:lstStyle/>
+                    <a:p>
+                      <a:r>
+                        <a:rPr lang="de-DE" dirty="0"/>
+                        <a:t>8</a:t>
+                      </a:r>
+                    </a:p>
+                  </a:txBody>
+                  <a:tcPr/>
+                </a:tc>
+                <a:tc>
+                  <a:txBody>
+                    <a:bodyPr/>
+                    <a:lstStyle/>
+                    <a:p>
+                      <a:r>
+                        <a:rPr lang="de-DE" dirty="0"/>
+                        <a:t>1</a:t>
+                      </a:r>
+                    </a:p>
+                  </a:txBody>
+                  <a:tcPr/>
+                </a:tc>
+                <a:extLst>
+                  <a:ext uri="{0D108BD9-81ED-4DB2-BD59-A6C34878D82A}">
+                    <a16:rowId xmlns:a16="http://schemas.microsoft.com/office/drawing/2014/main" val="3419880184"/>
+                  </a:ext>
+                </a:extLst>
+              </a:tr>
+              <a:tr h="247583">
+                <a:tc>
+                  <a:txBody>
+                    <a:bodyPr/>
+                    <a:lstStyle/>
+                    <a:p>
+                      <a:r>
+                        <a:rPr lang="de-DE" dirty="0"/>
+                        <a:t>3</a:t>
+                      </a:r>
+                    </a:p>
+                  </a:txBody>
+                  <a:tcPr/>
+                </a:tc>
+                <a:tc>
+                  <a:txBody>
+                    <a:bodyPr/>
+                    <a:lstStyle/>
+                    <a:p>
+                      <a:pPr marL="0" marR="0" lvl="0" indent="0" algn="l" defTabSz="457200" rtl="0" eaLnBrk="1" fontAlgn="auto" latinLnBrk="0" hangingPunct="1">
+                        <a:lnSpc>
+                          <a:spcPct val="100000"/>
+                        </a:lnSpc>
+                        <a:spcBef>
+                          <a:spcPts val="0"/>
+                        </a:spcBef>
+                        <a:spcAft>
+                          <a:spcPts val="0"/>
+                        </a:spcAft>
+                        <a:buClrTx/>
+                        <a:buSzTx/>
+                        <a:buFontTx/>
+                        <a:buNone/>
+                        <a:tabLst/>
+                        <a:defRPr/>
+                      </a:pPr>
+                      <a:r>
+                        <a:rPr lang="de-DE" dirty="0"/>
+                        <a:t>Code Entwickeln</a:t>
+                      </a:r>
+                    </a:p>
+                  </a:txBody>
+                  <a:tcPr/>
+                </a:tc>
+                <a:tc>
+                  <a:txBody>
+                    <a:bodyPr/>
+                    <a:lstStyle/>
+                    <a:p>
+                      <a:r>
+                        <a:rPr lang="de-DE" dirty="0"/>
+                        <a:t>14</a:t>
+                      </a:r>
+                    </a:p>
+                  </a:txBody>
+                  <a:tcPr/>
+                </a:tc>
+                <a:tc>
+                  <a:txBody>
+                    <a:bodyPr/>
+                    <a:lstStyle/>
+                    <a:p>
+                      <a:r>
+                        <a:rPr lang="de-DE" dirty="0"/>
+                        <a:t>1</a:t>
+                      </a:r>
+                    </a:p>
+                  </a:txBody>
+                  <a:tcPr/>
+                </a:tc>
+                <a:extLst>
+                  <a:ext uri="{0D108BD9-81ED-4DB2-BD59-A6C34878D82A}">
+                    <a16:rowId xmlns:a16="http://schemas.microsoft.com/office/drawing/2014/main" val="1461844185"/>
+                  </a:ext>
+                </a:extLst>
+              </a:tr>
+              <a:tr h="247583">
+                <a:tc>
+                  <a:txBody>
+                    <a:bodyPr/>
+                    <a:lstStyle/>
+                    <a:p>
+                      <a:r>
+                        <a:rPr lang="de-DE" dirty="0"/>
+                        <a:t>4</a:t>
+                      </a:r>
+                    </a:p>
+                  </a:txBody>
+                  <a:tcPr/>
+                </a:tc>
+                <a:tc>
+                  <a:txBody>
+                    <a:bodyPr/>
+                    <a:lstStyle/>
+                    <a:p>
+                      <a:pPr marL="0" marR="0" lvl="0" indent="0" algn="l" defTabSz="457200" rtl="0" eaLnBrk="1" fontAlgn="auto" latinLnBrk="0" hangingPunct="1">
+                        <a:lnSpc>
+                          <a:spcPct val="100000"/>
+                        </a:lnSpc>
+                        <a:spcBef>
+                          <a:spcPts val="0"/>
+                        </a:spcBef>
+                        <a:spcAft>
+                          <a:spcPts val="0"/>
+                        </a:spcAft>
+                        <a:buClrTx/>
+                        <a:buSzTx/>
+                        <a:buFontTx/>
+                        <a:buNone/>
+                        <a:tabLst/>
+                        <a:defRPr/>
+                      </a:pPr>
+                      <a:r>
+                        <a:rPr lang="de-DE" dirty="0"/>
+                        <a:t>Präsentation erstellen</a:t>
+                      </a:r>
+                    </a:p>
+                  </a:txBody>
+                  <a:tcPr/>
+                </a:tc>
+                <a:tc>
+                  <a:txBody>
+                    <a:bodyPr/>
+                    <a:lstStyle/>
+                    <a:p>
+                      <a:r>
+                        <a:rPr lang="de-DE" dirty="0"/>
+                        <a:t>8</a:t>
+                      </a:r>
+                    </a:p>
+                  </a:txBody>
+                  <a:tcPr/>
+                </a:tc>
+                <a:tc>
+                  <a:txBody>
+                    <a:bodyPr/>
+                    <a:lstStyle/>
+                    <a:p>
+                      <a:r>
+                        <a:rPr lang="de-DE" dirty="0"/>
+                        <a:t>3</a:t>
+                      </a:r>
+                    </a:p>
+                  </a:txBody>
+                  <a:tcPr/>
+                </a:tc>
+                <a:extLst>
+                  <a:ext uri="{0D108BD9-81ED-4DB2-BD59-A6C34878D82A}">
+                    <a16:rowId xmlns:a16="http://schemas.microsoft.com/office/drawing/2014/main" val="3099234022"/>
+                  </a:ext>
+                </a:extLst>
+              </a:tr>
+              <a:tr h="247583">
+                <a:tc>
+                  <a:txBody>
+                    <a:bodyPr/>
+                    <a:lstStyle/>
+                    <a:p>
+                      <a:r>
+                        <a:rPr lang="de-DE" dirty="0"/>
+                        <a:t>5</a:t>
+                      </a:r>
+                    </a:p>
+                  </a:txBody>
+                  <a:tcPr/>
+                </a:tc>
+                <a:tc>
+                  <a:txBody>
+                    <a:bodyPr/>
+                    <a:lstStyle/>
+                    <a:p>
+                      <a:pPr marL="0" marR="0" lvl="0" indent="0" algn="l" defTabSz="457200" rtl="0" eaLnBrk="1" fontAlgn="auto" latinLnBrk="0" hangingPunct="1">
+                        <a:lnSpc>
+                          <a:spcPct val="100000"/>
+                        </a:lnSpc>
+                        <a:spcBef>
+                          <a:spcPts val="0"/>
+                        </a:spcBef>
+                        <a:spcAft>
+                          <a:spcPts val="0"/>
+                        </a:spcAft>
+                        <a:buClrTx/>
+                        <a:buSzTx/>
+                        <a:buFontTx/>
+                        <a:buNone/>
+                        <a:tabLst/>
+                        <a:defRPr/>
+                      </a:pPr>
+                      <a:r>
+                        <a:rPr lang="de-DE" dirty="0"/>
+                        <a:t>Dokumentation erstellen</a:t>
+                      </a:r>
+                    </a:p>
+                  </a:txBody>
+                  <a:tcPr/>
+                </a:tc>
+                <a:tc>
+                  <a:txBody>
+                    <a:bodyPr/>
+                    <a:lstStyle/>
+                    <a:p>
+                      <a:r>
+                        <a:rPr lang="de-DE" dirty="0"/>
+                        <a:t>4</a:t>
+                      </a:r>
+                    </a:p>
+                  </a:txBody>
+                  <a:tcPr/>
+                </a:tc>
+                <a:tc>
+                  <a:txBody>
+                    <a:bodyPr/>
+                    <a:lstStyle/>
+                    <a:p>
+                      <a:r>
+                        <a:rPr lang="de-DE" dirty="0"/>
+                        <a:t>3</a:t>
+                      </a:r>
+                    </a:p>
+                  </a:txBody>
+                  <a:tcPr/>
+                </a:tc>
+                <a:extLst>
+                  <a:ext uri="{0D108BD9-81ED-4DB2-BD59-A6C34878D82A}">
+                    <a16:rowId xmlns:a16="http://schemas.microsoft.com/office/drawing/2014/main" val="897205669"/>
+                  </a:ext>
+                </a:extLst>
+              </a:tr>
+            </a:tbl>
+          </a:graphicData>
+        </a:graphic>
+      </p:graphicFrame>
+    </p:spTree>
+    <p:extLst>
+      <p:ext uri="{BB962C8B-B14F-4D97-AF65-F5344CB8AC3E}">
+        <p14:creationId xmlns:p14="http://schemas.microsoft.com/office/powerpoint/2010/main" val="4289005883"/>
+      </p:ext>
+    </p:extLst>
+  </p:cSld>
+  <p:clrMapOvr>
+    <a:masterClrMapping/>
+  </p:clrMapOvr>
+</p:sld>
+</file>
+
+<file path=ppt/slides/slide6.xml><?xml version="1.0" encoding="utf-8"?>
+<p:sld xmlns:a="http://schemas.openxmlformats.org/drawingml/2006/main" xmlns:r="http://schemas.openxmlformats.org/officeDocument/2006/relationships" xmlns:p="http://schemas.openxmlformats.org/presentationml/2006/main">
+  <p:cSld>
+    <p:spTree>
+      <p:nvGrpSpPr>
+        <p:cNvPr id="1" name=""/>
+        <p:cNvGrpSpPr/>
+        <p:nvPr/>
+      </p:nvGrpSpPr>
+      <p:grpSpPr>
+        <a:xfrm>
+          <a:off x="0" y="0"/>
+          <a:ext cx="0" cy="0"/>
+          <a:chOff x="0" y="0"/>
+          <a:chExt cx="0" cy="0"/>
+        </a:xfrm>
+      </p:grpSpPr>
+      <p:sp>
+        <p:nvSpPr>
+          <p:cNvPr id="2" name="Titel 1">
+            <a:extLst>
+              <a:ext uri="{FF2B5EF4-FFF2-40B4-BE49-F238E27FC236}">
+                <a16:creationId xmlns:a16="http://schemas.microsoft.com/office/drawing/2014/main" id="{77E27746-950A-4085-B134-7DD72C36A7C8}"/>
+              </a:ext>
+            </a:extLst>
+          </p:cNvPr>
+          <p:cNvSpPr>
+            <a:spLocks noGrp="1"/>
+          </p:cNvSpPr>
+          <p:nvPr>
+            <p:ph type="title"/>
+          </p:nvPr>
+        </p:nvSpPr>
+        <p:spPr/>
+        <p:txBody>
+          <a:bodyPr/>
+          <a:lstStyle/>
+          <a:p>
+            <a:r>
+              <a:rPr lang="de-DE" dirty="0"/>
+              <a:t>Pin Belegung </a:t>
+            </a:r>
+          </a:p>
+        </p:txBody>
+      </p:sp>
+      <p:sp>
+        <p:nvSpPr>
+          <p:cNvPr id="3" name="Inhaltsplatzhalter 2">
+            <a:extLst>
+              <a:ext uri="{FF2B5EF4-FFF2-40B4-BE49-F238E27FC236}">
+                <a16:creationId xmlns:a16="http://schemas.microsoft.com/office/drawing/2014/main" id="{FEDAB549-57DA-4259-AED3-C234A610FBEC}"/>
+              </a:ext>
+            </a:extLst>
+          </p:cNvPr>
+          <p:cNvSpPr>
+            <a:spLocks noGrp="1"/>
+          </p:cNvSpPr>
+          <p:nvPr>
+            <p:ph idx="1"/>
+          </p:nvPr>
+        </p:nvSpPr>
+        <p:spPr>
+          <a:xfrm>
+            <a:off x="6835076" y="1703389"/>
+            <a:ext cx="2816980" cy="3880773"/>
+          </a:xfrm>
+        </p:spPr>
+        <p:txBody>
+          <a:bodyPr/>
+          <a:lstStyle/>
+          <a:p>
+            <a:r>
+              <a:rPr lang="de-DE" dirty="0"/>
+              <a:t>Pin 6-11, 1-3, 39 und 36 nicht benutzbar</a:t>
+            </a:r>
+          </a:p>
+          <a:p>
+            <a:endParaRPr lang="de-DE" dirty="0"/>
+          </a:p>
+        </p:txBody>
+      </p:sp>
+      <p:pic>
+        <p:nvPicPr>
+          <p:cNvPr id="5" name="Grafik 4">
+            <a:extLst>
+              <a:ext uri="{FF2B5EF4-FFF2-40B4-BE49-F238E27FC236}">
+                <a16:creationId xmlns:a16="http://schemas.microsoft.com/office/drawing/2014/main" id="{B9770E73-EC80-4C17-9DEE-E13B0A116DFC}"/>
+              </a:ext>
+            </a:extLst>
+          </p:cNvPr>
+          <p:cNvPicPr>
+            <a:picLocks noChangeAspect="1"/>
+          </p:cNvPicPr>
+          <p:nvPr/>
+        </p:nvPicPr>
+        <p:blipFill>
+          <a:blip r:embed="rId2">
+            <a:extLst>
+              <a:ext uri="{28A0092B-C50C-407E-A947-70E740481C1C}">
+                <a14:useLocalDpi xmlns:a14="http://schemas.microsoft.com/office/drawing/2010/main" val="0"/>
+              </a:ext>
+            </a:extLst>
+          </a:blip>
+          <a:stretch>
+            <a:fillRect/>
+          </a:stretch>
+        </p:blipFill>
+        <p:spPr>
+          <a:xfrm>
+            <a:off x="677334" y="1703389"/>
+            <a:ext cx="6157742" cy="4717369"/>
+          </a:xfrm>
+          <a:prstGeom prst="rect">
+            <a:avLst/>
+          </a:prstGeom>
+        </p:spPr>
+      </p:pic>
+    </p:spTree>
+    <p:extLst>
+      <p:ext uri="{BB962C8B-B14F-4D97-AF65-F5344CB8AC3E}">
+        <p14:creationId xmlns:p14="http://schemas.microsoft.com/office/powerpoint/2010/main" val="2893762274"/>
+      </p:ext>
+    </p:extLst>
+  </p:cSld>
+  <p:clrMapOvr>
+    <a:masterClrMapping/>
+  </p:clrMapOvr>
+</p:sld>
+</file>
+
+<file path=ppt/slides/slide7.xml><?xml version="1.0" encoding="utf-8"?>
+<p:sld xmlns:a="http://schemas.openxmlformats.org/drawingml/2006/main" xmlns:r="http://schemas.openxmlformats.org/officeDocument/2006/relationships" xmlns:p="http://schemas.openxmlformats.org/presentationml/2006/main">
+  <p:cSld>
+    <p:spTree>
+      <p:nvGrpSpPr>
+        <p:cNvPr id="1" name=""/>
+        <p:cNvGrpSpPr/>
+        <p:nvPr/>
+      </p:nvGrpSpPr>
+      <p:grpSpPr>
+        <a:xfrm>
+          <a:off x="0" y="0"/>
+          <a:ext cx="0" cy="0"/>
+          <a:chOff x="0" y="0"/>
+          <a:chExt cx="0" cy="0"/>
+        </a:xfrm>
+      </p:grpSpPr>
+      <p:pic>
+        <p:nvPicPr>
+          <p:cNvPr id="11" name="Grafik 10">
+            <a:extLst>
+              <a:ext uri="{FF2B5EF4-FFF2-40B4-BE49-F238E27FC236}">
+                <a16:creationId xmlns:a16="http://schemas.microsoft.com/office/drawing/2014/main" id="{322781A0-29C5-4C64-83B5-0337F04E60C5}"/>
+              </a:ext>
+            </a:extLst>
+          </p:cNvPr>
+          <p:cNvPicPr>
+            <a:picLocks noChangeAspect="1"/>
+          </p:cNvPicPr>
+          <p:nvPr/>
+        </p:nvPicPr>
+        <p:blipFill>
+          <a:blip r:embed="rId2">
+            <a:extLst>
+              <a:ext uri="{28A0092B-C50C-407E-A947-70E740481C1C}">
+                <a14:useLocalDpi xmlns:a14="http://schemas.microsoft.com/office/drawing/2010/main" val="0"/>
+              </a:ext>
+            </a:extLst>
+          </a:blip>
+          <a:stretch>
+            <a:fillRect/>
+          </a:stretch>
+        </p:blipFill>
+        <p:spPr>
+          <a:xfrm>
+            <a:off x="978568" y="1460658"/>
+            <a:ext cx="7689049" cy="4346583"/>
+          </a:xfrm>
+          <a:prstGeom prst="rect">
+            <a:avLst/>
+          </a:prstGeom>
+        </p:spPr>
+      </p:pic>
+      <p:sp>
+        <p:nvSpPr>
+          <p:cNvPr id="12" name="Titel 11">
+            <a:extLst>
+              <a:ext uri="{FF2B5EF4-FFF2-40B4-BE49-F238E27FC236}">
+                <a16:creationId xmlns:a16="http://schemas.microsoft.com/office/drawing/2014/main" id="{16AD746F-53FA-40CD-B004-1F8D0A90F19D}"/>
+              </a:ext>
+            </a:extLst>
+          </p:cNvPr>
+          <p:cNvSpPr>
+            <a:spLocks noGrp="1"/>
+          </p:cNvSpPr>
+          <p:nvPr>
+            <p:ph type="title"/>
+          </p:nvPr>
+        </p:nvSpPr>
+        <p:spPr/>
+        <p:txBody>
+          <a:bodyPr/>
+          <a:lstStyle/>
+          <a:p>
+            <a:r>
+              <a:rPr lang="de-DE" dirty="0" err="1"/>
+              <a:t>Overview</a:t>
+            </a:r>
+            <a:endParaRPr lang="de-DE" dirty="0"/>
+          </a:p>
+        </p:txBody>
+      </p:sp>
+    </p:spTree>
+    <p:extLst>
+      <p:ext uri="{BB962C8B-B14F-4D97-AF65-F5344CB8AC3E}">
+        <p14:creationId xmlns:p14="http://schemas.microsoft.com/office/powerpoint/2010/main" val="3032544506"/>
+      </p:ext>
+    </p:extLst>
+  </p:cSld>
+  <p:clrMapOvr>
+    <a:masterClrMapping/>
+  </p:clrMapOvr>
+</p:sld>
+</file>
+
+<file path=ppt/slides/slide8.xml><?xml version="1.0" encoding="utf-8"?>
+<p:sld xmlns:a="http://schemas.openxmlformats.org/drawingml/2006/main" xmlns:r="http://schemas.openxmlformats.org/officeDocument/2006/relationships" xmlns:p="http://schemas.openxmlformats.org/presentationml/2006/main">
+  <p:cSld>
+    <p:spTree>
+      <p:nvGrpSpPr>
+        <p:cNvPr id="1" name=""/>
+        <p:cNvGrpSpPr/>
+        <p:nvPr/>
+      </p:nvGrpSpPr>
+      <p:grpSpPr>
+        <a:xfrm>
+          <a:off x="0" y="0"/>
+          <a:ext cx="0" cy="0"/>
+          <a:chOff x="0" y="0"/>
+          <a:chExt cx="0" cy="0"/>
+        </a:xfrm>
+      </p:grpSpPr>
+      <p:sp>
+        <p:nvSpPr>
+          <p:cNvPr id="2" name="Titel 1">
+            <a:extLst>
+              <a:ext uri="{FF2B5EF4-FFF2-40B4-BE49-F238E27FC236}">
+                <a16:creationId xmlns:a16="http://schemas.microsoft.com/office/drawing/2014/main" id="{766F07D0-FF27-49DA-938E-C47ACC01A3AD}"/>
+              </a:ext>
+            </a:extLst>
+          </p:cNvPr>
+          <p:cNvSpPr>
+            <a:spLocks noGrp="1"/>
+          </p:cNvSpPr>
+          <p:nvPr>
+            <p:ph type="title"/>
+          </p:nvPr>
+        </p:nvSpPr>
+        <p:spPr/>
+        <p:txBody>
+          <a:bodyPr/>
+          <a:lstStyle/>
+          <a:p>
+            <a:r>
+              <a:rPr lang="de-DE" dirty="0"/>
+              <a:t>Variable Declaration</a:t>
+            </a:r>
+          </a:p>
+        </p:txBody>
+      </p:sp>
+      <p:pic>
+        <p:nvPicPr>
+          <p:cNvPr id="4" name="Grafik 3">
+            <a:extLst>
+              <a:ext uri="{FF2B5EF4-FFF2-40B4-BE49-F238E27FC236}">
+                <a16:creationId xmlns:a16="http://schemas.microsoft.com/office/drawing/2014/main" id="{E9ACB9B7-BC6A-4EAD-9AD3-5279E6B2766A}"/>
+              </a:ext>
+            </a:extLst>
+          </p:cNvPr>
+          <p:cNvPicPr>
+            <a:picLocks noChangeAspect="1"/>
+          </p:cNvPicPr>
+          <p:nvPr/>
+        </p:nvPicPr>
+        <p:blipFill>
+          <a:blip r:embed="rId2"/>
+          <a:stretch>
+            <a:fillRect/>
+          </a:stretch>
+        </p:blipFill>
+        <p:spPr>
+          <a:xfrm>
+            <a:off x="2855495" y="2214392"/>
+            <a:ext cx="4974297" cy="3484741"/>
+          </a:xfrm>
+          <a:prstGeom prst="rect">
+            <a:avLst/>
+          </a:prstGeom>
+        </p:spPr>
+      </p:pic>
+    </p:spTree>
+    <p:extLst>
+      <p:ext uri="{BB962C8B-B14F-4D97-AF65-F5344CB8AC3E}">
+        <p14:creationId xmlns:p14="http://schemas.microsoft.com/office/powerpoint/2010/main" val="1873986880"/>
+      </p:ext>
+    </p:extLst>
+  </p:cSld>
+  <p:clrMapOvr>
+    <a:masterClrMapping/>
+  </p:clrMapOvr>
+</p:sld>
+</file>
+
 <file path=ppt/slides/slide9.xml><?xml version="1.0" encoding="utf-8"?>
 <p:sld xmlns:a="http://schemas.openxmlformats.org/drawingml/2006/main" xmlns:r="http://schemas.openxmlformats.org/officeDocument/2006/relationships" xmlns:p="http://schemas.openxmlformats.org/presentationml/2006/main">
   <p:cSld>
@@ -10117,7 +10736,7 @@
           <p:cNvPr id="2" name="Titel 1">
             <a:extLst>
               <a:ext uri="{FF2B5EF4-FFF2-40B4-BE49-F238E27FC236}">
-                <a16:creationId xmlns:a16="http://schemas.microsoft.com/office/drawing/2014/main" id="{BC20ADD0-A3AD-423A-A5FF-DD7901D7B71F}"/>
+                <a16:creationId xmlns:a16="http://schemas.microsoft.com/office/drawing/2014/main" id="{766F07D0-FF27-49DA-938E-C47ACC01A3AD}"/>
               </a:ext>
             </a:extLst>
           </p:cNvPr>
@@ -10135,7 +10754,15 @@
           <a:p>
             <a:r>
               <a:rPr lang="de-DE" dirty="0"/>
-              <a:t>Zeit</a:t>
+              <a:t>Funktionen und </a:t>
+            </a:r>
+            <a:r>
+              <a:rPr lang="de-DE" dirty="0" err="1"/>
+              <a:t>Keypad</a:t>
+            </a:r>
+            <a:r>
+              <a:rPr lang="de-DE" dirty="0"/>
+              <a:t> Objekt</a:t>
             </a:r>
           </a:p>
         </p:txBody>
@@ -10145,7 +10772,7 @@
           <p:cNvPr id="3" name="Inhaltsplatzhalter 2">
             <a:extLst>
               <a:ext uri="{FF2B5EF4-FFF2-40B4-BE49-F238E27FC236}">
-                <a16:creationId xmlns:a16="http://schemas.microsoft.com/office/drawing/2014/main" id="{466700E5-C520-452B-B4F6-15F1F1C3FB2B}"/>
+                <a16:creationId xmlns:a16="http://schemas.microsoft.com/office/drawing/2014/main" id="{C0371D30-E068-4D9E-A429-08001113A0F0}"/>
               </a:ext>
             </a:extLst>
           </p:cNvPr>
@@ -10156,19 +10783,123 @@
             <p:ph idx="1"/>
           </p:nvPr>
         </p:nvSpPr>
-        <p:spPr/>
+        <p:spPr>
+          <a:xfrm>
+            <a:off x="677334" y="2160589"/>
+            <a:ext cx="2611298" cy="1103311"/>
+          </a:xfrm>
+        </p:spPr>
         <p:txBody>
           <a:bodyPr/>
           <a:lstStyle/>
           <a:p>
-            <a:endParaRPr lang="de-DE"/>
-          </a:p>
-        </p:txBody>
-      </p:sp>
+            <a:r>
+              <a:rPr lang="de-DE" dirty="0"/>
+              <a:t>Text</a:t>
+            </a:r>
+          </a:p>
+        </p:txBody>
+      </p:sp>
+      <p:pic>
+        <p:nvPicPr>
+          <p:cNvPr id="6" name="Grafik 5">
+            <a:extLst>
+              <a:ext uri="{FF2B5EF4-FFF2-40B4-BE49-F238E27FC236}">
+                <a16:creationId xmlns:a16="http://schemas.microsoft.com/office/drawing/2014/main" id="{69702F54-5706-4A8A-BF3F-1949225C5682}"/>
+              </a:ext>
+            </a:extLst>
+          </p:cNvPr>
+          <p:cNvPicPr>
+            <a:picLocks noChangeAspect="1"/>
+          </p:cNvPicPr>
+          <p:nvPr/>
+        </p:nvPicPr>
+        <p:blipFill>
+          <a:blip r:embed="rId2"/>
+          <a:stretch>
+            <a:fillRect/>
+          </a:stretch>
+        </p:blipFill>
+        <p:spPr>
+          <a:xfrm>
+            <a:off x="3288632" y="2385179"/>
+            <a:ext cx="7249537" cy="4344006"/>
+          </a:xfrm>
+          <a:prstGeom prst="rect">
+            <a:avLst/>
+          </a:prstGeom>
+        </p:spPr>
+      </p:pic>
+      <p:pic>
+        <p:nvPicPr>
+          <p:cNvPr id="7" name="Grafik 6">
+            <a:extLst>
+              <a:ext uri="{FF2B5EF4-FFF2-40B4-BE49-F238E27FC236}">
+                <a16:creationId xmlns:a16="http://schemas.microsoft.com/office/drawing/2014/main" id="{4ED95429-795F-4192-87F7-A8E9FC97CB01}"/>
+              </a:ext>
+            </a:extLst>
+          </p:cNvPr>
+          <p:cNvPicPr>
+            <a:picLocks noChangeAspect="1"/>
+          </p:cNvPicPr>
+          <p:nvPr/>
+        </p:nvPicPr>
+        <p:blipFill>
+          <a:blip r:embed="rId3"/>
+          <a:stretch>
+            <a:fillRect/>
+          </a:stretch>
+        </p:blipFill>
+        <p:spPr>
+          <a:xfrm>
+            <a:off x="3288632" y="2024421"/>
+            <a:ext cx="3229426" cy="266737"/>
+          </a:xfrm>
+          <a:prstGeom prst="rect">
+            <a:avLst/>
+          </a:prstGeom>
+        </p:spPr>
+      </p:pic>
+      <p:pic>
+        <p:nvPicPr>
+          <p:cNvPr id="8" name="Grafik 7">
+            <a:extLst>
+              <a:ext uri="{FF2B5EF4-FFF2-40B4-BE49-F238E27FC236}">
+                <a16:creationId xmlns:a16="http://schemas.microsoft.com/office/drawing/2014/main" id="{3FF9E657-FE57-4C1F-BA6D-8CCBE0FC5726}"/>
+              </a:ext>
+            </a:extLst>
+          </p:cNvPr>
+          <p:cNvPicPr>
+            <a:picLocks noChangeAspect="1"/>
+          </p:cNvPicPr>
+          <p:nvPr/>
+        </p:nvPicPr>
+        <p:blipFill>
+          <a:blip r:embed="rId4">
+            <a:extLst>
+              <a:ext uri="{28A0092B-C50C-407E-A947-70E740481C1C}">
+                <a14:useLocalDpi xmlns:a14="http://schemas.microsoft.com/office/drawing/2010/main" val="0"/>
+              </a:ext>
+            </a:extLst>
+          </a:blip>
+          <a:stretch>
+            <a:fillRect/>
+          </a:stretch>
+        </p:blipFill>
+        <p:spPr>
+          <a:xfrm>
+            <a:off x="820662" y="3973285"/>
+            <a:ext cx="2467970" cy="2755900"/>
+          </a:xfrm>
+          <a:prstGeom prst="rect">
+            <a:avLst/>
+          </a:prstGeom>
+        </p:spPr>
+      </p:pic>
     </p:spTree>
     <p:extLst>
       <p:ext uri="{BB962C8B-B14F-4D97-AF65-F5344CB8AC3E}">
-        <p14:creationId xmlns:p14="http://schemas.microsoft.com/office/powerpoint/2010/main" val="4289005883"/>
+        <p14:creationId xmlns:p14="http://schemas.microsoft.com/office/powerpoint/2010/main" val="3334004912"/>
       </p:ext>
     </p:extLst>
   </p:cSld>

--- a/CodeDoku/NetworkFaultTester_CodeOverview.pptx
+++ b/CodeDoku/NetworkFaultTester_CodeOverview.pptx
@@ -10,13 +10,14 @@
     <p:sldId id="257" r:id="rId4"/>
     <p:sldId id="264" r:id="rId5"/>
     <p:sldId id="265" r:id="rId6"/>
-    <p:sldId id="267" r:id="rId7"/>
-    <p:sldId id="258" r:id="rId8"/>
-    <p:sldId id="260" r:id="rId9"/>
-    <p:sldId id="261" r:id="rId10"/>
-    <p:sldId id="266" r:id="rId11"/>
-    <p:sldId id="259" r:id="rId12"/>
-    <p:sldId id="262" r:id="rId13"/>
+    <p:sldId id="268" r:id="rId7"/>
+    <p:sldId id="267" r:id="rId8"/>
+    <p:sldId id="258" r:id="rId9"/>
+    <p:sldId id="260" r:id="rId10"/>
+    <p:sldId id="261" r:id="rId11"/>
+    <p:sldId id="266" r:id="rId12"/>
+    <p:sldId id="259" r:id="rId13"/>
+    <p:sldId id="262" r:id="rId14"/>
   </p:sldIdLst>
   <p:sldSz cx="12192000" cy="6858000"/>
   <p:notesSz cx="6858000" cy="9144000"/>
@@ -845,7 +846,7 @@
           <a:p>
             <a:fld id="{16D9CC38-588B-4693-A1BC-177D03113154}" type="datetimeFigureOut">
               <a:rPr lang="de-DE" smtClean="0"/>
-              <a:t>06.10.2025</a:t>
+              <a:t>07.10.2025</a:t>
             </a:fld>
             <a:endParaRPr lang="de-DE"/>
           </a:p>
@@ -1096,7 +1097,7 @@
           <a:p>
             <a:fld id="{16D9CC38-588B-4693-A1BC-177D03113154}" type="datetimeFigureOut">
               <a:rPr lang="de-DE" smtClean="0"/>
-              <a:t>06.10.2025</a:t>
+              <a:t>07.10.2025</a:t>
             </a:fld>
             <a:endParaRPr lang="de-DE"/>
           </a:p>
@@ -1410,7 +1411,7 @@
           <a:p>
             <a:fld id="{16D9CC38-588B-4693-A1BC-177D03113154}" type="datetimeFigureOut">
               <a:rPr lang="de-DE" smtClean="0"/>
-              <a:t>06.10.2025</a:t>
+              <a:t>07.10.2025</a:t>
             </a:fld>
             <a:endParaRPr lang="de-DE"/>
           </a:p>
@@ -1751,7 +1752,7 @@
           <a:p>
             <a:fld id="{16D9CC38-588B-4693-A1BC-177D03113154}" type="datetimeFigureOut">
               <a:rPr lang="de-DE" smtClean="0"/>
-              <a:t>06.10.2025</a:t>
+              <a:t>07.10.2025</a:t>
             </a:fld>
             <a:endParaRPr lang="de-DE"/>
           </a:p>
@@ -2065,7 +2066,7 @@
           <a:p>
             <a:fld id="{16D9CC38-588B-4693-A1BC-177D03113154}" type="datetimeFigureOut">
               <a:rPr lang="de-DE" smtClean="0"/>
-              <a:t>06.10.2025</a:t>
+              <a:t>07.10.2025</a:t>
             </a:fld>
             <a:endParaRPr lang="de-DE"/>
           </a:p>
@@ -2458,7 +2459,7 @@
           <a:p>
             <a:fld id="{16D9CC38-588B-4693-A1BC-177D03113154}" type="datetimeFigureOut">
               <a:rPr lang="de-DE" smtClean="0"/>
-              <a:t>06.10.2025</a:t>
+              <a:t>07.10.2025</a:t>
             </a:fld>
             <a:endParaRPr lang="de-DE"/>
           </a:p>
@@ -2628,7 +2629,7 @@
           <a:p>
             <a:fld id="{16D9CC38-588B-4693-A1BC-177D03113154}" type="datetimeFigureOut">
               <a:rPr lang="de-DE" smtClean="0"/>
-              <a:t>06.10.2025</a:t>
+              <a:t>07.10.2025</a:t>
             </a:fld>
             <a:endParaRPr lang="de-DE"/>
           </a:p>
@@ -2808,7 +2809,7 @@
           <a:p>
             <a:fld id="{16D9CC38-588B-4693-A1BC-177D03113154}" type="datetimeFigureOut">
               <a:rPr lang="de-DE" smtClean="0"/>
-              <a:t>06.10.2025</a:t>
+              <a:t>07.10.2025</a:t>
             </a:fld>
             <a:endParaRPr lang="de-DE"/>
           </a:p>
@@ -2984,7 +2985,7 @@
           <a:p>
             <a:fld id="{16D9CC38-588B-4693-A1BC-177D03113154}" type="datetimeFigureOut">
               <a:rPr lang="de-DE" smtClean="0"/>
-              <a:t>06.10.2025</a:t>
+              <a:t>07.10.2025</a:t>
             </a:fld>
             <a:endParaRPr lang="de-DE"/>
           </a:p>
@@ -3231,7 +3232,7 @@
           <a:p>
             <a:fld id="{16D9CC38-588B-4693-A1BC-177D03113154}" type="datetimeFigureOut">
               <a:rPr lang="de-DE" smtClean="0"/>
-              <a:t>06.10.2025</a:t>
+              <a:t>07.10.2025</a:t>
             </a:fld>
             <a:endParaRPr lang="de-DE"/>
           </a:p>
@@ -3463,7 +3464,7 @@
           <a:p>
             <a:fld id="{16D9CC38-588B-4693-A1BC-177D03113154}" type="datetimeFigureOut">
               <a:rPr lang="de-DE" smtClean="0"/>
-              <a:t>06.10.2025</a:t>
+              <a:t>07.10.2025</a:t>
             </a:fld>
             <a:endParaRPr lang="de-DE"/>
           </a:p>
@@ -3837,7 +3838,7 @@
           <a:p>
             <a:fld id="{16D9CC38-588B-4693-A1BC-177D03113154}" type="datetimeFigureOut">
               <a:rPr lang="de-DE" smtClean="0"/>
-              <a:t>06.10.2025</a:t>
+              <a:t>07.10.2025</a:t>
             </a:fld>
             <a:endParaRPr lang="de-DE"/>
           </a:p>
@@ -3960,7 +3961,7 @@
           <a:p>
             <a:fld id="{16D9CC38-588B-4693-A1BC-177D03113154}" type="datetimeFigureOut">
               <a:rPr lang="de-DE" smtClean="0"/>
-              <a:t>06.10.2025</a:t>
+              <a:t>07.10.2025</a:t>
             </a:fld>
             <a:endParaRPr lang="de-DE"/>
           </a:p>
@@ -4055,7 +4056,7 @@
           <a:p>
             <a:fld id="{16D9CC38-588B-4693-A1BC-177D03113154}" type="datetimeFigureOut">
               <a:rPr lang="de-DE" smtClean="0"/>
-              <a:t>06.10.2025</a:t>
+              <a:t>07.10.2025</a:t>
             </a:fld>
             <a:endParaRPr lang="de-DE"/>
           </a:p>
@@ -4310,7 +4311,7 @@
           <a:p>
             <a:fld id="{16D9CC38-588B-4693-A1BC-177D03113154}" type="datetimeFigureOut">
               <a:rPr lang="de-DE" smtClean="0"/>
-              <a:t>06.10.2025</a:t>
+              <a:t>07.10.2025</a:t>
             </a:fld>
             <a:endParaRPr lang="de-DE"/>
           </a:p>
@@ -4573,7 +4574,7 @@
           <a:p>
             <a:fld id="{16D9CC38-588B-4693-A1BC-177D03113154}" type="datetimeFigureOut">
               <a:rPr lang="de-DE" smtClean="0"/>
-              <a:t>06.10.2025</a:t>
+              <a:t>07.10.2025</a:t>
             </a:fld>
             <a:endParaRPr lang="de-DE"/>
           </a:p>
@@ -5316,7 +5317,7 @@
           <a:p>
             <a:fld id="{16D9CC38-588B-4693-A1BC-177D03113154}" type="datetimeFigureOut">
               <a:rPr lang="de-DE" smtClean="0"/>
-              <a:t>06.10.2025</a:t>
+              <a:t>07.10.2025</a:t>
             </a:fld>
             <a:endParaRPr lang="de-DE"/>
           </a:p>
@@ -5928,6 +5929,201 @@
           <p:cNvPr id="2" name="Titel 1">
             <a:extLst>
               <a:ext uri="{FF2B5EF4-FFF2-40B4-BE49-F238E27FC236}">
+                <a16:creationId xmlns:a16="http://schemas.microsoft.com/office/drawing/2014/main" id="{766F07D0-FF27-49DA-938E-C47ACC01A3AD}"/>
+              </a:ext>
+            </a:extLst>
+          </p:cNvPr>
+          <p:cNvSpPr>
+            <a:spLocks noGrp="1"/>
+          </p:cNvSpPr>
+          <p:nvPr>
+            <p:ph type="title"/>
+          </p:nvPr>
+        </p:nvSpPr>
+        <p:spPr/>
+        <p:txBody>
+          <a:bodyPr/>
+          <a:lstStyle/>
+          <a:p>
+            <a:r>
+              <a:rPr lang="de-DE" dirty="0"/>
+              <a:t>Funktionen und </a:t>
+            </a:r>
+            <a:r>
+              <a:rPr lang="de-DE" dirty="0" err="1"/>
+              <a:t>Keypad</a:t>
+            </a:r>
+            <a:r>
+              <a:rPr lang="de-DE" dirty="0"/>
+              <a:t> Objekt</a:t>
+            </a:r>
+          </a:p>
+        </p:txBody>
+      </p:sp>
+      <p:sp>
+        <p:nvSpPr>
+          <p:cNvPr id="3" name="Inhaltsplatzhalter 2">
+            <a:extLst>
+              <a:ext uri="{FF2B5EF4-FFF2-40B4-BE49-F238E27FC236}">
+                <a16:creationId xmlns:a16="http://schemas.microsoft.com/office/drawing/2014/main" id="{C0371D30-E068-4D9E-A429-08001113A0F0}"/>
+              </a:ext>
+            </a:extLst>
+          </p:cNvPr>
+          <p:cNvSpPr>
+            <a:spLocks noGrp="1"/>
+          </p:cNvSpPr>
+          <p:nvPr>
+            <p:ph idx="1"/>
+          </p:nvPr>
+        </p:nvSpPr>
+        <p:spPr>
+          <a:xfrm>
+            <a:off x="677334" y="2160589"/>
+            <a:ext cx="2611298" cy="1103311"/>
+          </a:xfrm>
+        </p:spPr>
+        <p:txBody>
+          <a:bodyPr/>
+          <a:lstStyle/>
+          <a:p>
+            <a:r>
+              <a:rPr lang="de-DE" dirty="0"/>
+              <a:t>Text</a:t>
+            </a:r>
+          </a:p>
+        </p:txBody>
+      </p:sp>
+      <p:pic>
+        <p:nvPicPr>
+          <p:cNvPr id="6" name="Grafik 5">
+            <a:extLst>
+              <a:ext uri="{FF2B5EF4-FFF2-40B4-BE49-F238E27FC236}">
+                <a16:creationId xmlns:a16="http://schemas.microsoft.com/office/drawing/2014/main" id="{69702F54-5706-4A8A-BF3F-1949225C5682}"/>
+              </a:ext>
+            </a:extLst>
+          </p:cNvPr>
+          <p:cNvPicPr>
+            <a:picLocks noChangeAspect="1"/>
+          </p:cNvPicPr>
+          <p:nvPr/>
+        </p:nvPicPr>
+        <p:blipFill>
+          <a:blip r:embed="rId2"/>
+          <a:stretch>
+            <a:fillRect/>
+          </a:stretch>
+        </p:blipFill>
+        <p:spPr>
+          <a:xfrm>
+            <a:off x="3288632" y="2385179"/>
+            <a:ext cx="7249537" cy="4344006"/>
+          </a:xfrm>
+          <a:prstGeom prst="rect">
+            <a:avLst/>
+          </a:prstGeom>
+        </p:spPr>
+      </p:pic>
+      <p:pic>
+        <p:nvPicPr>
+          <p:cNvPr id="7" name="Grafik 6">
+            <a:extLst>
+              <a:ext uri="{FF2B5EF4-FFF2-40B4-BE49-F238E27FC236}">
+                <a16:creationId xmlns:a16="http://schemas.microsoft.com/office/drawing/2014/main" id="{4ED95429-795F-4192-87F7-A8E9FC97CB01}"/>
+              </a:ext>
+            </a:extLst>
+          </p:cNvPr>
+          <p:cNvPicPr>
+            <a:picLocks noChangeAspect="1"/>
+          </p:cNvPicPr>
+          <p:nvPr/>
+        </p:nvPicPr>
+        <p:blipFill>
+          <a:blip r:embed="rId3"/>
+          <a:stretch>
+            <a:fillRect/>
+          </a:stretch>
+        </p:blipFill>
+        <p:spPr>
+          <a:xfrm>
+            <a:off x="3288632" y="2024421"/>
+            <a:ext cx="3229426" cy="266737"/>
+          </a:xfrm>
+          <a:prstGeom prst="rect">
+            <a:avLst/>
+          </a:prstGeom>
+        </p:spPr>
+      </p:pic>
+      <p:pic>
+        <p:nvPicPr>
+          <p:cNvPr id="8" name="Grafik 7">
+            <a:extLst>
+              <a:ext uri="{FF2B5EF4-FFF2-40B4-BE49-F238E27FC236}">
+                <a16:creationId xmlns:a16="http://schemas.microsoft.com/office/drawing/2014/main" id="{3FF9E657-FE57-4C1F-BA6D-8CCBE0FC5726}"/>
+              </a:ext>
+            </a:extLst>
+          </p:cNvPr>
+          <p:cNvPicPr>
+            <a:picLocks noChangeAspect="1"/>
+          </p:cNvPicPr>
+          <p:nvPr/>
+        </p:nvPicPr>
+        <p:blipFill>
+          <a:blip r:embed="rId4">
+            <a:extLst>
+              <a:ext uri="{28A0092B-C50C-407E-A947-70E740481C1C}">
+                <a14:useLocalDpi xmlns:a14="http://schemas.microsoft.com/office/drawing/2010/main" val="0"/>
+              </a:ext>
+            </a:extLst>
+          </a:blip>
+          <a:stretch>
+            <a:fillRect/>
+          </a:stretch>
+        </p:blipFill>
+        <p:spPr>
+          <a:xfrm>
+            <a:off x="820662" y="3973285"/>
+            <a:ext cx="2467970" cy="2755900"/>
+          </a:xfrm>
+          <a:prstGeom prst="rect">
+            <a:avLst/>
+          </a:prstGeom>
+        </p:spPr>
+      </p:pic>
+    </p:spTree>
+    <p:extLst>
+      <p:ext uri="{BB962C8B-B14F-4D97-AF65-F5344CB8AC3E}">
+        <p14:creationId xmlns:p14="http://schemas.microsoft.com/office/powerpoint/2010/main" val="3334004912"/>
+      </p:ext>
+    </p:extLst>
+  </p:cSld>
+  <p:clrMapOvr>
+    <a:masterClrMapping/>
+  </p:clrMapOvr>
+</p:sld>
+</file>
+
+<file path=ppt/slides/slide11.xml><?xml version="1.0" encoding="utf-8"?>
+<p:sld xmlns:a="http://schemas.openxmlformats.org/drawingml/2006/main" xmlns:r="http://schemas.openxmlformats.org/officeDocument/2006/relationships" xmlns:p="http://schemas.openxmlformats.org/presentationml/2006/main">
+  <p:cSld>
+    <p:spTree>
+      <p:nvGrpSpPr>
+        <p:cNvPr id="1" name=""/>
+        <p:cNvGrpSpPr/>
+        <p:nvPr/>
+      </p:nvGrpSpPr>
+      <p:grpSpPr>
+        <a:xfrm>
+          <a:off x="0" y="0"/>
+          <a:ext cx="0" cy="0"/>
+          <a:chOff x="0" y="0"/>
+          <a:chExt cx="0" cy="0"/>
+        </a:xfrm>
+      </p:grpSpPr>
+      <p:sp>
+        <p:nvSpPr>
+          <p:cNvPr id="2" name="Titel 1">
+            <a:extLst>
+              <a:ext uri="{FF2B5EF4-FFF2-40B4-BE49-F238E27FC236}">
                 <a16:creationId xmlns:a16="http://schemas.microsoft.com/office/drawing/2014/main" id="{5E21D545-2A2B-4618-AF42-ADEB14645CBD}"/>
               </a:ext>
             </a:extLst>
@@ -6000,7 +6196,7 @@
 </p:sld>
 </file>
 
-<file path=ppt/slides/slide11.xml><?xml version="1.0" encoding="utf-8"?>
+<file path=ppt/slides/slide12.xml><?xml version="1.0" encoding="utf-8"?>
 <p:sld xmlns:a="http://schemas.openxmlformats.org/drawingml/2006/main" xmlns:r="http://schemas.openxmlformats.org/officeDocument/2006/relationships" xmlns:p="http://schemas.openxmlformats.org/presentationml/2006/main">
   <p:cSld>
     <p:spTree>
@@ -6094,7 +6290,7 @@
 </p:sld>
 </file>
 
-<file path=ppt/slides/slide12.xml><?xml version="1.0" encoding="utf-8"?>
+<file path=ppt/slides/slide13.xml><?xml version="1.0" encoding="utf-8"?>
 <p:sld xmlns:a="http://schemas.openxmlformats.org/drawingml/2006/main" xmlns:r="http://schemas.openxmlformats.org/officeDocument/2006/relationships" xmlns:p="http://schemas.openxmlformats.org/presentationml/2006/main">
   <p:cSld>
     <p:spTree>
@@ -10423,6 +10619,321 @@
           <p:cNvPr id="2" name="Titel 1">
             <a:extLst>
               <a:ext uri="{FF2B5EF4-FFF2-40B4-BE49-F238E27FC236}">
+                <a16:creationId xmlns:a16="http://schemas.microsoft.com/office/drawing/2014/main" id="{C75C3390-F0FA-4046-863C-2E56846CFD22}"/>
+              </a:ext>
+            </a:extLst>
+          </p:cNvPr>
+          <p:cNvSpPr>
+            <a:spLocks noGrp="1"/>
+          </p:cNvSpPr>
+          <p:nvPr>
+            <p:ph type="title"/>
+          </p:nvPr>
+        </p:nvSpPr>
+        <p:spPr/>
+        <p:txBody>
+          <a:bodyPr/>
+          <a:lstStyle/>
+          <a:p>
+            <a:r>
+              <a:rPr lang="de-DE" dirty="0"/>
+              <a:t>LED Legende</a:t>
+            </a:r>
+          </a:p>
+        </p:txBody>
+      </p:sp>
+      <p:graphicFrame>
+        <p:nvGraphicFramePr>
+          <p:cNvPr id="4" name="Inhaltsplatzhalter 3">
+            <a:extLst>
+              <a:ext uri="{FF2B5EF4-FFF2-40B4-BE49-F238E27FC236}">
+                <a16:creationId xmlns:a16="http://schemas.microsoft.com/office/drawing/2014/main" id="{6B0AE3F8-D995-404F-8F8D-157CF5E05489}"/>
+              </a:ext>
+            </a:extLst>
+          </p:cNvPr>
+          <p:cNvGraphicFramePr>
+            <a:graphicFrameLocks noGrp="1"/>
+          </p:cNvGraphicFramePr>
+          <p:nvPr>
+            <p:ph idx="1"/>
+            <p:extLst>
+              <p:ext uri="{D42A27DB-BD31-4B8C-83A1-F6EECF244321}">
+                <p14:modId xmlns:p14="http://schemas.microsoft.com/office/powerpoint/2010/main" val="2572824032"/>
+              </p:ext>
+            </p:extLst>
+          </p:nvPr>
+        </p:nvGraphicFramePr>
+        <p:xfrm>
+          <a:off x="677863" y="2160588"/>
+          <a:ext cx="8596312" cy="3845560"/>
+        </p:xfrm>
+        <a:graphic>
+          <a:graphicData uri="http://schemas.openxmlformats.org/drawingml/2006/table">
+            <a:tbl>
+              <a:tblPr firstRow="1" bandRow="1">
+                <a:tableStyleId>{5C22544A-7EE6-4342-B048-85BDC9FD1C3A}</a:tableStyleId>
+              </a:tblPr>
+              <a:tblGrid>
+                <a:gridCol w="4298156">
+                  <a:extLst>
+                    <a:ext uri="{9D8B030D-6E8A-4147-A177-3AD203B41FA5}">
+                      <a16:colId xmlns:a16="http://schemas.microsoft.com/office/drawing/2014/main" val="3736056789"/>
+                    </a:ext>
+                  </a:extLst>
+                </a:gridCol>
+                <a:gridCol w="4298156">
+                  <a:extLst>
+                    <a:ext uri="{9D8B030D-6E8A-4147-A177-3AD203B41FA5}">
+                      <a16:colId xmlns:a16="http://schemas.microsoft.com/office/drawing/2014/main" val="663032416"/>
+                    </a:ext>
+                  </a:extLst>
+                </a:gridCol>
+              </a:tblGrid>
+              <a:tr h="370840">
+                <a:tc>
+                  <a:txBody>
+                    <a:bodyPr/>
+                    <a:lstStyle/>
+                    <a:p>
+                      <a:r>
+                        <a:rPr lang="de-DE" dirty="0"/>
+                        <a:t>LED Zustand</a:t>
+                      </a:r>
+                    </a:p>
+                  </a:txBody>
+                  <a:tcPr/>
+                </a:tc>
+                <a:tc>
+                  <a:txBody>
+                    <a:bodyPr/>
+                    <a:lstStyle/>
+                    <a:p>
+                      <a:r>
+                        <a:rPr lang="de-DE" dirty="0"/>
+                        <a:t>Bedeutung</a:t>
+                      </a:r>
+                    </a:p>
+                  </a:txBody>
+                  <a:tcPr/>
+                </a:tc>
+                <a:extLst>
+                  <a:ext uri="{0D108BD9-81ED-4DB2-BD59-A6C34878D82A}">
+                    <a16:rowId xmlns:a16="http://schemas.microsoft.com/office/drawing/2014/main" val="2256068974"/>
+                  </a:ext>
+                </a:extLst>
+              </a:tr>
+              <a:tr h="370840">
+                <a:tc>
+                  <a:txBody>
+                    <a:bodyPr/>
+                    <a:lstStyle/>
+                    <a:p>
+                      <a:r>
+                        <a:rPr lang="de-DE" dirty="0"/>
+                        <a:t>Alle roten LEDs und keine anderen LEDs leuchten, Blaue LED ist inaktiv</a:t>
+                      </a:r>
+                    </a:p>
+                  </a:txBody>
+                  <a:tcPr/>
+                </a:tc>
+                <a:tc>
+                  <a:txBody>
+                    <a:bodyPr/>
+                    <a:lstStyle/>
+                    <a:p>
+                      <a:r>
+                        <a:rPr lang="de-DE" dirty="0"/>
+                        <a:t>Gerät verbindet sich gerade mit WLAN</a:t>
+                      </a:r>
+                    </a:p>
+                  </a:txBody>
+                  <a:tcPr/>
+                </a:tc>
+                <a:extLst>
+                  <a:ext uri="{0D108BD9-81ED-4DB2-BD59-A6C34878D82A}">
+                    <a16:rowId xmlns:a16="http://schemas.microsoft.com/office/drawing/2014/main" val="3196868485"/>
+                  </a:ext>
+                </a:extLst>
+              </a:tr>
+              <a:tr h="370840">
+                <a:tc>
+                  <a:txBody>
+                    <a:bodyPr/>
+                    <a:lstStyle/>
+                    <a:p>
+                      <a:r>
+                        <a:rPr lang="de-DE" dirty="0"/>
+                        <a:t>Alle roten LEDs und alle grünen LEDs leuchten, Blaue LED ist inaktiv</a:t>
+                      </a:r>
+                    </a:p>
+                  </a:txBody>
+                  <a:tcPr/>
+                </a:tc>
+                <a:tc>
+                  <a:txBody>
+                    <a:bodyPr/>
+                    <a:lstStyle/>
+                    <a:p>
+                      <a:r>
+                        <a:rPr lang="de-DE" dirty="0"/>
+                        <a:t>Verbindung mit WLAN hergestellt</a:t>
+                      </a:r>
+                    </a:p>
+                  </a:txBody>
+                  <a:tcPr/>
+                </a:tc>
+                <a:extLst>
+                  <a:ext uri="{0D108BD9-81ED-4DB2-BD59-A6C34878D82A}">
+                    <a16:rowId xmlns:a16="http://schemas.microsoft.com/office/drawing/2014/main" val="1314191190"/>
+                  </a:ext>
+                </a:extLst>
+              </a:tr>
+              <a:tr h="370840">
+                <a:tc>
+                  <a:txBody>
+                    <a:bodyPr/>
+                    <a:lstStyle/>
+                    <a:p>
+                      <a:r>
+                        <a:rPr lang="de-DE" dirty="0"/>
+                        <a:t>Alle roten LEDs und alle grünen LEDs leuchten, Blaue LED ist aktiv</a:t>
+                      </a:r>
+                    </a:p>
+                  </a:txBody>
+                  <a:tcPr/>
+                </a:tc>
+                <a:tc>
+                  <a:txBody>
+                    <a:bodyPr/>
+                    <a:lstStyle/>
+                    <a:p>
+                      <a:r>
+                        <a:rPr lang="de-DE" dirty="0"/>
+                        <a:t>Edit Mode Aktiv, Warte auf IP Selektion</a:t>
+                      </a:r>
+                    </a:p>
+                  </a:txBody>
+                  <a:tcPr/>
+                </a:tc>
+                <a:extLst>
+                  <a:ext uri="{0D108BD9-81ED-4DB2-BD59-A6C34878D82A}">
+                    <a16:rowId xmlns:a16="http://schemas.microsoft.com/office/drawing/2014/main" val="571116461"/>
+                  </a:ext>
+                </a:extLst>
+              </a:tr>
+              <a:tr h="370840">
+                <a:tc>
+                  <a:txBody>
+                    <a:bodyPr/>
+                    <a:lstStyle/>
+                    <a:p>
+                      <a:r>
+                        <a:rPr lang="de-DE" dirty="0"/>
+                        <a:t>Eine rote LED Aktiv, Eine grüne LED Aktiv, Blaue LED aktiv</a:t>
+                      </a:r>
+                    </a:p>
+                  </a:txBody>
+                  <a:tcPr/>
+                </a:tc>
+                <a:tc>
+                  <a:txBody>
+                    <a:bodyPr/>
+                    <a:lstStyle/>
+                    <a:p>
+                      <a:r>
+                        <a:rPr lang="de-DE" dirty="0"/>
+                        <a:t>Edit Mode Aktiv, IP Selektiert, warte auf IP Input</a:t>
+                      </a:r>
+                    </a:p>
+                  </a:txBody>
+                  <a:tcPr/>
+                </a:tc>
+                <a:extLst>
+                  <a:ext uri="{0D108BD9-81ED-4DB2-BD59-A6C34878D82A}">
+                    <a16:rowId xmlns:a16="http://schemas.microsoft.com/office/drawing/2014/main" val="3832865677"/>
+                  </a:ext>
+                </a:extLst>
+              </a:tr>
+              <a:tr h="370840">
+                <a:tc>
+                  <a:txBody>
+                    <a:bodyPr/>
+                    <a:lstStyle/>
+                    <a:p>
+                      <a:r>
+                        <a:rPr lang="de-DE" dirty="0"/>
+                        <a:t>Beliebige rote LEDs Aktiv, Beliebige grüne LEDs Aktiv, Blaue LED blinkt</a:t>
+                      </a:r>
+                    </a:p>
+                  </a:txBody>
+                  <a:tcPr/>
+                </a:tc>
+                <a:tc>
+                  <a:txBody>
+                    <a:bodyPr/>
+                    <a:lstStyle/>
+                    <a:p>
+                      <a:r>
+                        <a:rPr lang="de-DE" dirty="0"/>
+                        <a:t>Ping </a:t>
+                      </a:r>
+                      <a:r>
+                        <a:rPr lang="de-DE"/>
+                        <a:t>Programm läuft. </a:t>
+                      </a:r>
+                      <a:r>
+                        <a:rPr lang="de-DE" dirty="0"/>
+                        <a:t>Rote LED = IP nicht erreichbar, Grüne LED = IP erreichbar</a:t>
+                      </a:r>
+                    </a:p>
+                  </a:txBody>
+                  <a:tcPr/>
+                </a:tc>
+                <a:extLst>
+                  <a:ext uri="{0D108BD9-81ED-4DB2-BD59-A6C34878D82A}">
+                    <a16:rowId xmlns:a16="http://schemas.microsoft.com/office/drawing/2014/main" val="1330175056"/>
+                  </a:ext>
+                </a:extLst>
+              </a:tr>
+            </a:tbl>
+          </a:graphicData>
+        </a:graphic>
+      </p:graphicFrame>
+    </p:spTree>
+    <p:extLst>
+      <p:ext uri="{BB962C8B-B14F-4D97-AF65-F5344CB8AC3E}">
+        <p14:creationId xmlns:p14="http://schemas.microsoft.com/office/powerpoint/2010/main" val="1369015099"/>
+      </p:ext>
+    </p:extLst>
+  </p:cSld>
+  <p:clrMapOvr>
+    <a:masterClrMapping/>
+  </p:clrMapOvr>
+</p:sld>
+</file>
+
+<file path=ppt/slides/slide7.xml><?xml version="1.0" encoding="utf-8"?>
+<p:sld xmlns:a="http://schemas.openxmlformats.org/drawingml/2006/main" xmlns:r="http://schemas.openxmlformats.org/officeDocument/2006/relationships" xmlns:p="http://schemas.openxmlformats.org/presentationml/2006/main">
+  <p:cSld>
+    <p:spTree>
+      <p:nvGrpSpPr>
+        <p:cNvPr id="1" name=""/>
+        <p:cNvGrpSpPr/>
+        <p:nvPr/>
+      </p:nvGrpSpPr>
+      <p:grpSpPr>
+        <a:xfrm>
+          <a:off x="0" y="0"/>
+          <a:ext cx="0" cy="0"/>
+          <a:chOff x="0" y="0"/>
+          <a:chExt cx="0" cy="0"/>
+        </a:xfrm>
+      </p:grpSpPr>
+      <p:sp>
+        <p:nvSpPr>
+          <p:cNvPr id="2" name="Titel 1">
+            <a:extLst>
+              <a:ext uri="{FF2B5EF4-FFF2-40B4-BE49-F238E27FC236}">
                 <a16:creationId xmlns:a16="http://schemas.microsoft.com/office/drawing/2014/main" id="{77E27746-950A-4085-B134-7DD72C36A7C8}"/>
               </a:ext>
             </a:extLst>
@@ -10531,7 +11042,7 @@
 </p:sld>
 </file>
 
-<file path=ppt/slides/slide7.xml><?xml version="1.0" encoding="utf-8"?>
+<file path=ppt/slides/slide8.xml><?xml version="1.0" encoding="utf-8"?>
 <p:sld xmlns:a="http://schemas.openxmlformats.org/drawingml/2006/main" xmlns:r="http://schemas.openxmlformats.org/officeDocument/2006/relationships" xmlns:p="http://schemas.openxmlformats.org/presentationml/2006/main">
   <p:cSld>
     <p:spTree>
@@ -10626,7 +11137,7 @@
 </p:sld>
 </file>
 
-<file path=ppt/slides/slide8.xml><?xml version="1.0" encoding="utf-8"?>
+<file path=ppt/slides/slide9.xml><?xml version="1.0" encoding="utf-8"?>
 <p:sld xmlns:a="http://schemas.openxmlformats.org/drawingml/2006/main" xmlns:r="http://schemas.openxmlformats.org/officeDocument/2006/relationships" xmlns:p="http://schemas.openxmlformats.org/presentationml/2006/main">
   <p:cSld>
     <p:spTree>
@@ -10705,201 +11216,6 @@
     <p:extLst>
       <p:ext uri="{BB962C8B-B14F-4D97-AF65-F5344CB8AC3E}">
         <p14:creationId xmlns:p14="http://schemas.microsoft.com/office/powerpoint/2010/main" val="1873986880"/>
-      </p:ext>
-    </p:extLst>
-  </p:cSld>
-  <p:clrMapOvr>
-    <a:masterClrMapping/>
-  </p:clrMapOvr>
-</p:sld>
-</file>
-
-<file path=ppt/slides/slide9.xml><?xml version="1.0" encoding="utf-8"?>
-<p:sld xmlns:a="http://schemas.openxmlformats.org/drawingml/2006/main" xmlns:r="http://schemas.openxmlformats.org/officeDocument/2006/relationships" xmlns:p="http://schemas.openxmlformats.org/presentationml/2006/main">
-  <p:cSld>
-    <p:spTree>
-      <p:nvGrpSpPr>
-        <p:cNvPr id="1" name=""/>
-        <p:cNvGrpSpPr/>
-        <p:nvPr/>
-      </p:nvGrpSpPr>
-      <p:grpSpPr>
-        <a:xfrm>
-          <a:off x="0" y="0"/>
-          <a:ext cx="0" cy="0"/>
-          <a:chOff x="0" y="0"/>
-          <a:chExt cx="0" cy="0"/>
-        </a:xfrm>
-      </p:grpSpPr>
-      <p:sp>
-        <p:nvSpPr>
-          <p:cNvPr id="2" name="Titel 1">
-            <a:extLst>
-              <a:ext uri="{FF2B5EF4-FFF2-40B4-BE49-F238E27FC236}">
-                <a16:creationId xmlns:a16="http://schemas.microsoft.com/office/drawing/2014/main" id="{766F07D0-FF27-49DA-938E-C47ACC01A3AD}"/>
-              </a:ext>
-            </a:extLst>
-          </p:cNvPr>
-          <p:cNvSpPr>
-            <a:spLocks noGrp="1"/>
-          </p:cNvSpPr>
-          <p:nvPr>
-            <p:ph type="title"/>
-          </p:nvPr>
-        </p:nvSpPr>
-        <p:spPr/>
-        <p:txBody>
-          <a:bodyPr/>
-          <a:lstStyle/>
-          <a:p>
-            <a:r>
-              <a:rPr lang="de-DE" dirty="0"/>
-              <a:t>Funktionen und </a:t>
-            </a:r>
-            <a:r>
-              <a:rPr lang="de-DE" dirty="0" err="1"/>
-              <a:t>Keypad</a:t>
-            </a:r>
-            <a:r>
-              <a:rPr lang="de-DE" dirty="0"/>
-              <a:t> Objekt</a:t>
-            </a:r>
-          </a:p>
-        </p:txBody>
-      </p:sp>
-      <p:sp>
-        <p:nvSpPr>
-          <p:cNvPr id="3" name="Inhaltsplatzhalter 2">
-            <a:extLst>
-              <a:ext uri="{FF2B5EF4-FFF2-40B4-BE49-F238E27FC236}">
-                <a16:creationId xmlns:a16="http://schemas.microsoft.com/office/drawing/2014/main" id="{C0371D30-E068-4D9E-A429-08001113A0F0}"/>
-              </a:ext>
-            </a:extLst>
-          </p:cNvPr>
-          <p:cNvSpPr>
-            <a:spLocks noGrp="1"/>
-          </p:cNvSpPr>
-          <p:nvPr>
-            <p:ph idx="1"/>
-          </p:nvPr>
-        </p:nvSpPr>
-        <p:spPr>
-          <a:xfrm>
-            <a:off x="677334" y="2160589"/>
-            <a:ext cx="2611298" cy="1103311"/>
-          </a:xfrm>
-        </p:spPr>
-        <p:txBody>
-          <a:bodyPr/>
-          <a:lstStyle/>
-          <a:p>
-            <a:r>
-              <a:rPr lang="de-DE" dirty="0"/>
-              <a:t>Text</a:t>
-            </a:r>
-          </a:p>
-        </p:txBody>
-      </p:sp>
-      <p:pic>
-        <p:nvPicPr>
-          <p:cNvPr id="6" name="Grafik 5">
-            <a:extLst>
-              <a:ext uri="{FF2B5EF4-FFF2-40B4-BE49-F238E27FC236}">
-                <a16:creationId xmlns:a16="http://schemas.microsoft.com/office/drawing/2014/main" id="{69702F54-5706-4A8A-BF3F-1949225C5682}"/>
-              </a:ext>
-            </a:extLst>
-          </p:cNvPr>
-          <p:cNvPicPr>
-            <a:picLocks noChangeAspect="1"/>
-          </p:cNvPicPr>
-          <p:nvPr/>
-        </p:nvPicPr>
-        <p:blipFill>
-          <a:blip r:embed="rId2"/>
-          <a:stretch>
-            <a:fillRect/>
-          </a:stretch>
-        </p:blipFill>
-        <p:spPr>
-          <a:xfrm>
-            <a:off x="3288632" y="2385179"/>
-            <a:ext cx="7249537" cy="4344006"/>
-          </a:xfrm>
-          <a:prstGeom prst="rect">
-            <a:avLst/>
-          </a:prstGeom>
-        </p:spPr>
-      </p:pic>
-      <p:pic>
-        <p:nvPicPr>
-          <p:cNvPr id="7" name="Grafik 6">
-            <a:extLst>
-              <a:ext uri="{FF2B5EF4-FFF2-40B4-BE49-F238E27FC236}">
-                <a16:creationId xmlns:a16="http://schemas.microsoft.com/office/drawing/2014/main" id="{4ED95429-795F-4192-87F7-A8E9FC97CB01}"/>
-              </a:ext>
-            </a:extLst>
-          </p:cNvPr>
-          <p:cNvPicPr>
-            <a:picLocks noChangeAspect="1"/>
-          </p:cNvPicPr>
-          <p:nvPr/>
-        </p:nvPicPr>
-        <p:blipFill>
-          <a:blip r:embed="rId3"/>
-          <a:stretch>
-            <a:fillRect/>
-          </a:stretch>
-        </p:blipFill>
-        <p:spPr>
-          <a:xfrm>
-            <a:off x="3288632" y="2024421"/>
-            <a:ext cx="3229426" cy="266737"/>
-          </a:xfrm>
-          <a:prstGeom prst="rect">
-            <a:avLst/>
-          </a:prstGeom>
-        </p:spPr>
-      </p:pic>
-      <p:pic>
-        <p:nvPicPr>
-          <p:cNvPr id="8" name="Grafik 7">
-            <a:extLst>
-              <a:ext uri="{FF2B5EF4-FFF2-40B4-BE49-F238E27FC236}">
-                <a16:creationId xmlns:a16="http://schemas.microsoft.com/office/drawing/2014/main" id="{3FF9E657-FE57-4C1F-BA6D-8CCBE0FC5726}"/>
-              </a:ext>
-            </a:extLst>
-          </p:cNvPr>
-          <p:cNvPicPr>
-            <a:picLocks noChangeAspect="1"/>
-          </p:cNvPicPr>
-          <p:nvPr/>
-        </p:nvPicPr>
-        <p:blipFill>
-          <a:blip r:embed="rId4">
-            <a:extLst>
-              <a:ext uri="{28A0092B-C50C-407E-A947-70E740481C1C}">
-                <a14:useLocalDpi xmlns:a14="http://schemas.microsoft.com/office/drawing/2010/main" val="0"/>
-              </a:ext>
-            </a:extLst>
-          </a:blip>
-          <a:stretch>
-            <a:fillRect/>
-          </a:stretch>
-        </p:blipFill>
-        <p:spPr>
-          <a:xfrm>
-            <a:off x="820662" y="3973285"/>
-            <a:ext cx="2467970" cy="2755900"/>
-          </a:xfrm>
-          <a:prstGeom prst="rect">
-            <a:avLst/>
-          </a:prstGeom>
-        </p:spPr>
-      </p:pic>
-    </p:spTree>
-    <p:extLst>
-      <p:ext uri="{BB962C8B-B14F-4D97-AF65-F5344CB8AC3E}">
-        <p14:creationId xmlns:p14="http://schemas.microsoft.com/office/powerpoint/2010/main" val="3334004912"/>
       </p:ext>
     </p:extLst>
   </p:cSld>

--- a/CodeDoku/NetworkFaultTester_CodeOverview.pptx
+++ b/CodeDoku/NetworkFaultTester_CodeOverview.pptx
@@ -7,17 +7,18 @@
   <p:sldIdLst>
     <p:sldId id="256" r:id="rId2"/>
     <p:sldId id="263" r:id="rId3"/>
-    <p:sldId id="257" r:id="rId4"/>
-    <p:sldId id="264" r:id="rId5"/>
-    <p:sldId id="265" r:id="rId6"/>
+    <p:sldId id="264" r:id="rId4"/>
+    <p:sldId id="265" r:id="rId5"/>
+    <p:sldId id="257" r:id="rId6"/>
     <p:sldId id="268" r:id="rId7"/>
-    <p:sldId id="267" r:id="rId8"/>
-    <p:sldId id="258" r:id="rId9"/>
+    <p:sldId id="258" r:id="rId8"/>
+    <p:sldId id="267" r:id="rId9"/>
     <p:sldId id="260" r:id="rId10"/>
     <p:sldId id="261" r:id="rId11"/>
     <p:sldId id="266" r:id="rId12"/>
     <p:sldId id="259" r:id="rId13"/>
-    <p:sldId id="262" r:id="rId14"/>
+    <p:sldId id="269" r:id="rId14"/>
+    <p:sldId id="262" r:id="rId15"/>
   </p:sldIdLst>
   <p:sldSz cx="12192000" cy="6858000"/>
   <p:notesSz cx="6858000" cy="9144000"/>
@@ -291,6 +292,13 @@
               <a:schemeClr val="lt1"/>
             </a:fontRef>
           </p:style>
+          <p:txBody>
+            <a:bodyPr/>
+            <a:lstStyle/>
+            <a:p>
+              <a:endParaRPr lang="de-DE"/>
+            </a:p>
+          </p:txBody>
         </p:sp>
         <p:sp>
           <p:nvSpPr>
@@ -354,6 +362,13 @@
               <a:schemeClr val="lt1"/>
             </a:fontRef>
           </p:style>
+          <p:txBody>
+            <a:bodyPr/>
+            <a:lstStyle/>
+            <a:p>
+              <a:endParaRPr lang="de-DE"/>
+            </a:p>
+          </p:txBody>
         </p:sp>
         <p:sp>
           <p:nvSpPr>
@@ -395,6 +410,13 @@
               <a:schemeClr val="lt1"/>
             </a:fontRef>
           </p:style>
+          <p:txBody>
+            <a:bodyPr/>
+            <a:lstStyle/>
+            <a:p>
+              <a:endParaRPr lang="de-DE"/>
+            </a:p>
+          </p:txBody>
         </p:sp>
         <p:sp>
           <p:nvSpPr>
@@ -459,6 +481,13 @@
               <a:schemeClr val="lt1"/>
             </a:fontRef>
           </p:style>
+          <p:txBody>
+            <a:bodyPr/>
+            <a:lstStyle/>
+            <a:p>
+              <a:endParaRPr lang="de-DE"/>
+            </a:p>
+          </p:txBody>
         </p:sp>
         <p:sp>
           <p:nvSpPr>
@@ -524,6 +553,13 @@
               <a:schemeClr val="lt1"/>
             </a:fontRef>
           </p:style>
+          <p:txBody>
+            <a:bodyPr/>
+            <a:lstStyle/>
+            <a:p>
+              <a:endParaRPr lang="de-DE"/>
+            </a:p>
+          </p:txBody>
         </p:sp>
         <p:sp>
           <p:nvSpPr>
@@ -587,6 +623,13 @@
               <a:schemeClr val="lt1"/>
             </a:fontRef>
           </p:style>
+          <p:txBody>
+            <a:bodyPr/>
+            <a:lstStyle/>
+            <a:p>
+              <a:endParaRPr lang="de-DE"/>
+            </a:p>
+          </p:txBody>
         </p:sp>
         <p:sp>
           <p:nvSpPr>
@@ -628,6 +671,13 @@
               <a:schemeClr val="lt1"/>
             </a:fontRef>
           </p:style>
+          <p:txBody>
+            <a:bodyPr/>
+            <a:lstStyle/>
+            <a:p>
+              <a:endParaRPr lang="de-DE"/>
+            </a:p>
+          </p:txBody>
         </p:sp>
         <p:sp>
           <p:nvSpPr>
@@ -669,6 +719,13 @@
               <a:schemeClr val="lt1"/>
             </a:fontRef>
           </p:style>
+          <p:txBody>
+            <a:bodyPr/>
+            <a:lstStyle/>
+            <a:p>
+              <a:endParaRPr lang="de-DE"/>
+            </a:p>
+          </p:txBody>
         </p:sp>
       </p:grpSp>
       <p:sp>
@@ -4807,6 +4864,13 @@
               <a:schemeClr val="lt1"/>
             </a:fontRef>
           </p:style>
+          <p:txBody>
+            <a:bodyPr/>
+            <a:lstStyle/>
+            <a:p>
+              <a:endParaRPr lang="de-DE"/>
+            </a:p>
+          </p:txBody>
         </p:sp>
         <p:sp>
           <p:nvSpPr>
@@ -4870,6 +4934,13 @@
               <a:schemeClr val="lt1"/>
             </a:fontRef>
           </p:style>
+          <p:txBody>
+            <a:bodyPr/>
+            <a:lstStyle/>
+            <a:p>
+              <a:endParaRPr lang="de-DE"/>
+            </a:p>
+          </p:txBody>
         </p:sp>
         <p:sp>
           <p:nvSpPr>
@@ -4911,6 +4982,13 @@
               <a:schemeClr val="lt1"/>
             </a:fontRef>
           </p:style>
+          <p:txBody>
+            <a:bodyPr/>
+            <a:lstStyle/>
+            <a:p>
+              <a:endParaRPr lang="de-DE"/>
+            </a:p>
+          </p:txBody>
         </p:sp>
         <p:sp>
           <p:nvSpPr>
@@ -4975,6 +5053,13 @@
               <a:schemeClr val="lt1"/>
             </a:fontRef>
           </p:style>
+          <p:txBody>
+            <a:bodyPr/>
+            <a:lstStyle/>
+            <a:p>
+              <a:endParaRPr lang="de-DE"/>
+            </a:p>
+          </p:txBody>
         </p:sp>
         <p:sp>
           <p:nvSpPr>
@@ -5040,6 +5125,13 @@
               <a:schemeClr val="lt1"/>
             </a:fontRef>
           </p:style>
+          <p:txBody>
+            <a:bodyPr/>
+            <a:lstStyle/>
+            <a:p>
+              <a:endParaRPr lang="de-DE"/>
+            </a:p>
+          </p:txBody>
         </p:sp>
         <p:sp>
           <p:nvSpPr>
@@ -5103,6 +5195,13 @@
               <a:schemeClr val="lt1"/>
             </a:fontRef>
           </p:style>
+          <p:txBody>
+            <a:bodyPr/>
+            <a:lstStyle/>
+            <a:p>
+              <a:endParaRPr lang="de-DE"/>
+            </a:p>
+          </p:txBody>
         </p:sp>
         <p:sp>
           <p:nvSpPr>
@@ -5144,6 +5243,13 @@
               <a:schemeClr val="lt1"/>
             </a:fontRef>
           </p:style>
+          <p:txBody>
+            <a:bodyPr/>
+            <a:lstStyle/>
+            <a:p>
+              <a:endParaRPr lang="de-DE"/>
+            </a:p>
+          </p:txBody>
         </p:sp>
         <p:sp>
           <p:nvSpPr>
@@ -5185,6 +5291,13 @@
               <a:schemeClr val="lt1"/>
             </a:fontRef>
           </p:style>
+          <p:txBody>
+            <a:bodyPr/>
+            <a:lstStyle/>
+            <a:p>
+              <a:endParaRPr lang="de-DE"/>
+            </a:p>
+          </p:txBody>
         </p:sp>
       </p:grpSp>
       <p:sp>
@@ -6277,6 +6390,251 @@
           </a:prstGeom>
         </p:spPr>
       </p:pic>
+      <p:sp>
+        <p:nvSpPr>
+          <p:cNvPr id="2" name="Textfeld 1">
+            <a:extLst>
+              <a:ext uri="{FF2B5EF4-FFF2-40B4-BE49-F238E27FC236}">
+                <a16:creationId xmlns:a16="http://schemas.microsoft.com/office/drawing/2014/main" id="{20289444-496B-527D-877E-0962DD71EDD5}"/>
+              </a:ext>
+            </a:extLst>
+          </p:cNvPr>
+          <p:cNvSpPr txBox="1"/>
+          <p:nvPr/>
+        </p:nvSpPr>
+        <p:spPr>
+          <a:xfrm>
+            <a:off x="4575833" y="5879068"/>
+            <a:ext cx="2207941" cy="369332"/>
+          </a:xfrm>
+          <a:prstGeom prst="rect">
+            <a:avLst/>
+          </a:prstGeom>
+          <a:noFill/>
+        </p:spPr>
+        <p:txBody>
+          <a:bodyPr wrap="square" rtlCol="0">
+            <a:spAutoFit/>
+          </a:bodyPr>
+          <a:lstStyle/>
+          <a:p>
+            <a:r>
+              <a:rPr lang="de-DE" dirty="0"/>
+              <a:t>    .     .   .   </a:t>
+            </a:r>
+          </a:p>
+        </p:txBody>
+      </p:sp>
+      <p:sp>
+        <p:nvSpPr>
+          <p:cNvPr id="4" name="Textfeld 3">
+            <a:extLst>
+              <a:ext uri="{FF2B5EF4-FFF2-40B4-BE49-F238E27FC236}">
+                <a16:creationId xmlns:a16="http://schemas.microsoft.com/office/drawing/2014/main" id="{83FB83A2-006A-6A49-EE2B-6992DBCE997B}"/>
+              </a:ext>
+            </a:extLst>
+          </p:cNvPr>
+          <p:cNvSpPr txBox="1"/>
+          <p:nvPr/>
+        </p:nvSpPr>
+        <p:spPr>
+          <a:xfrm>
+            <a:off x="4563719" y="5879068"/>
+            <a:ext cx="306494" cy="369332"/>
+          </a:xfrm>
+          <a:prstGeom prst="rect">
+            <a:avLst/>
+          </a:prstGeom>
+          <a:noFill/>
+        </p:spPr>
+        <p:txBody>
+          <a:bodyPr wrap="none" rtlCol="0">
+            <a:spAutoFit/>
+          </a:bodyPr>
+          <a:lstStyle/>
+          <a:p>
+            <a:r>
+              <a:rPr lang="de-DE" dirty="0"/>
+              <a:t>1</a:t>
+            </a:r>
+          </a:p>
+        </p:txBody>
+      </p:sp>
+      <p:sp>
+        <p:nvSpPr>
+          <p:cNvPr id="5" name="Textfeld 4">
+            <a:extLst>
+              <a:ext uri="{FF2B5EF4-FFF2-40B4-BE49-F238E27FC236}">
+                <a16:creationId xmlns:a16="http://schemas.microsoft.com/office/drawing/2014/main" id="{263F28D1-B38D-6C9E-E7CF-67C1B28AEDEA}"/>
+              </a:ext>
+            </a:extLst>
+          </p:cNvPr>
+          <p:cNvSpPr txBox="1"/>
+          <p:nvPr/>
+        </p:nvSpPr>
+        <p:spPr>
+          <a:xfrm>
+            <a:off x="4704852" y="5879068"/>
+            <a:ext cx="306494" cy="369332"/>
+          </a:xfrm>
+          <a:prstGeom prst="rect">
+            <a:avLst/>
+          </a:prstGeom>
+          <a:noFill/>
+        </p:spPr>
+        <p:txBody>
+          <a:bodyPr wrap="none" rtlCol="0">
+            <a:spAutoFit/>
+          </a:bodyPr>
+          <a:lstStyle/>
+          <a:p>
+            <a:r>
+              <a:rPr lang="de-DE" dirty="0"/>
+              <a:t>1</a:t>
+            </a:r>
+          </a:p>
+        </p:txBody>
+      </p:sp>
+      <p:sp>
+        <p:nvSpPr>
+          <p:cNvPr id="6" name="Textfeld 5">
+            <a:extLst>
+              <a:ext uri="{FF2B5EF4-FFF2-40B4-BE49-F238E27FC236}">
+                <a16:creationId xmlns:a16="http://schemas.microsoft.com/office/drawing/2014/main" id="{C0CA3EB5-A443-2E60-44EB-0D900670FFB3}"/>
+              </a:ext>
+            </a:extLst>
+          </p:cNvPr>
+          <p:cNvSpPr txBox="1"/>
+          <p:nvPr/>
+        </p:nvSpPr>
+        <p:spPr>
+          <a:xfrm>
+            <a:off x="4422586" y="5879068"/>
+            <a:ext cx="306494" cy="369332"/>
+          </a:xfrm>
+          <a:prstGeom prst="rect">
+            <a:avLst/>
+          </a:prstGeom>
+          <a:noFill/>
+        </p:spPr>
+        <p:txBody>
+          <a:bodyPr wrap="none" rtlCol="0">
+            <a:spAutoFit/>
+          </a:bodyPr>
+          <a:lstStyle/>
+          <a:p>
+            <a:r>
+              <a:rPr lang="de-DE" dirty="0"/>
+              <a:t>1</a:t>
+            </a:r>
+          </a:p>
+        </p:txBody>
+      </p:sp>
+      <p:sp>
+        <p:nvSpPr>
+          <p:cNvPr id="7" name="Textfeld 6">
+            <a:extLst>
+              <a:ext uri="{FF2B5EF4-FFF2-40B4-BE49-F238E27FC236}">
+                <a16:creationId xmlns:a16="http://schemas.microsoft.com/office/drawing/2014/main" id="{9721F899-A710-15AC-C6BB-599D6E837E21}"/>
+              </a:ext>
+            </a:extLst>
+          </p:cNvPr>
+          <p:cNvSpPr txBox="1"/>
+          <p:nvPr/>
+        </p:nvSpPr>
+        <p:spPr>
+          <a:xfrm>
+            <a:off x="4941407" y="5879068"/>
+            <a:ext cx="306494" cy="369332"/>
+          </a:xfrm>
+          <a:prstGeom prst="rect">
+            <a:avLst/>
+          </a:prstGeom>
+          <a:noFill/>
+        </p:spPr>
+        <p:txBody>
+          <a:bodyPr wrap="none" rtlCol="0">
+            <a:spAutoFit/>
+          </a:bodyPr>
+          <a:lstStyle/>
+          <a:p>
+            <a:r>
+              <a:rPr lang="de-DE" dirty="0"/>
+              <a:t>0</a:t>
+            </a:r>
+          </a:p>
+        </p:txBody>
+      </p:sp>
+      <p:sp>
+        <p:nvSpPr>
+          <p:cNvPr id="8" name="Textfeld 7">
+            <a:extLst>
+              <a:ext uri="{FF2B5EF4-FFF2-40B4-BE49-F238E27FC236}">
+                <a16:creationId xmlns:a16="http://schemas.microsoft.com/office/drawing/2014/main" id="{2288D2BD-F5EE-4B9F-A550-CD20986C4E00}"/>
+              </a:ext>
+            </a:extLst>
+          </p:cNvPr>
+          <p:cNvSpPr txBox="1"/>
+          <p:nvPr/>
+        </p:nvSpPr>
+        <p:spPr>
+          <a:xfrm>
+            <a:off x="4928186" y="5879068"/>
+            <a:ext cx="306494" cy="369332"/>
+          </a:xfrm>
+          <a:prstGeom prst="rect">
+            <a:avLst/>
+          </a:prstGeom>
+          <a:noFill/>
+        </p:spPr>
+        <p:txBody>
+          <a:bodyPr wrap="none" rtlCol="0">
+            <a:spAutoFit/>
+          </a:bodyPr>
+          <a:lstStyle/>
+          <a:p>
+            <a:r>
+              <a:rPr lang="de-DE" dirty="0"/>
+              <a:t>0</a:t>
+            </a:r>
+          </a:p>
+        </p:txBody>
+      </p:sp>
+      <p:sp>
+        <p:nvSpPr>
+          <p:cNvPr id="10" name="Textfeld 9">
+            <a:extLst>
+              <a:ext uri="{FF2B5EF4-FFF2-40B4-BE49-F238E27FC236}">
+                <a16:creationId xmlns:a16="http://schemas.microsoft.com/office/drawing/2014/main" id="{81A0B34F-4669-345B-2B3C-B0F07C731F58}"/>
+              </a:ext>
+            </a:extLst>
+          </p:cNvPr>
+          <p:cNvSpPr txBox="1"/>
+          <p:nvPr/>
+        </p:nvSpPr>
+        <p:spPr>
+          <a:xfrm>
+            <a:off x="5088044" y="5879068"/>
+            <a:ext cx="306494" cy="369332"/>
+          </a:xfrm>
+          <a:prstGeom prst="rect">
+            <a:avLst/>
+          </a:prstGeom>
+          <a:noFill/>
+        </p:spPr>
+        <p:txBody>
+          <a:bodyPr wrap="none" rtlCol="0">
+            <a:spAutoFit/>
+          </a:bodyPr>
+          <a:lstStyle/>
+          <a:p>
+            <a:r>
+              <a:rPr lang="de-DE" dirty="0"/>
+              <a:t>1</a:t>
+            </a:r>
+          </a:p>
+        </p:txBody>
+      </p:sp>
     </p:spTree>
     <p:extLst>
       <p:ext uri="{BB962C8B-B14F-4D97-AF65-F5344CB8AC3E}">
@@ -6287,10 +6645,752 @@
   <p:clrMapOvr>
     <a:masterClrMapping/>
   </p:clrMapOvr>
+  <p:timing>
+    <p:tnLst>
+      <p:par>
+        <p:cTn id="1" dur="indefinite" restart="never" nodeType="tmRoot">
+          <p:childTnLst>
+            <p:seq concurrent="1" nextAc="seek">
+              <p:cTn id="2" dur="indefinite" nodeType="mainSeq">
+                <p:childTnLst>
+                  <p:par>
+                    <p:cTn id="3" fill="hold">
+                      <p:stCondLst>
+                        <p:cond delay="indefinite"/>
+                      </p:stCondLst>
+                      <p:childTnLst>
+                        <p:par>
+                          <p:cTn id="4" fill="hold">
+                            <p:stCondLst>
+                              <p:cond delay="0"/>
+                            </p:stCondLst>
+                            <p:childTnLst>
+                              <p:par>
+                                <p:cTn id="5" presetID="1" presetClass="entr" presetSubtype="0" fill="hold" grpId="0" nodeType="clickEffect">
+                                  <p:stCondLst>
+                                    <p:cond delay="0"/>
+                                  </p:stCondLst>
+                                  <p:childTnLst>
+                                    <p:set>
+                                      <p:cBhvr>
+                                        <p:cTn id="6" dur="1" fill="hold">
+                                          <p:stCondLst>
+                                            <p:cond delay="0"/>
+                                          </p:stCondLst>
+                                        </p:cTn>
+                                        <p:tgtEl>
+                                          <p:spTgt spid="2"/>
+                                        </p:tgtEl>
+                                        <p:attrNameLst>
+                                          <p:attrName>style.visibility</p:attrName>
+                                        </p:attrNameLst>
+                                      </p:cBhvr>
+                                      <p:to>
+                                        <p:strVal val="visible"/>
+                                      </p:to>
+                                    </p:set>
+                                  </p:childTnLst>
+                                </p:cTn>
+                              </p:par>
+                            </p:childTnLst>
+                          </p:cTn>
+                        </p:par>
+                      </p:childTnLst>
+                    </p:cTn>
+                  </p:par>
+                  <p:par>
+                    <p:cTn id="7" fill="hold">
+                      <p:stCondLst>
+                        <p:cond delay="indefinite"/>
+                      </p:stCondLst>
+                      <p:childTnLst>
+                        <p:par>
+                          <p:cTn id="8" fill="hold">
+                            <p:stCondLst>
+                              <p:cond delay="0"/>
+                            </p:stCondLst>
+                            <p:childTnLst>
+                              <p:par>
+                                <p:cTn id="9" presetID="1" presetClass="entr" presetSubtype="0" fill="hold" grpId="0" nodeType="clickEffect">
+                                  <p:stCondLst>
+                                    <p:cond delay="0"/>
+                                  </p:stCondLst>
+                                  <p:childTnLst>
+                                    <p:set>
+                                      <p:cBhvr>
+                                        <p:cTn id="10" dur="1" fill="hold">
+                                          <p:stCondLst>
+                                            <p:cond delay="0"/>
+                                          </p:stCondLst>
+                                        </p:cTn>
+                                        <p:tgtEl>
+                                          <p:spTgt spid="6"/>
+                                        </p:tgtEl>
+                                        <p:attrNameLst>
+                                          <p:attrName>style.visibility</p:attrName>
+                                        </p:attrNameLst>
+                                      </p:cBhvr>
+                                      <p:to>
+                                        <p:strVal val="visible"/>
+                                      </p:to>
+                                    </p:set>
+                                  </p:childTnLst>
+                                </p:cTn>
+                              </p:par>
+                            </p:childTnLst>
+                          </p:cTn>
+                        </p:par>
+                      </p:childTnLst>
+                    </p:cTn>
+                  </p:par>
+                  <p:par>
+                    <p:cTn id="11" fill="hold">
+                      <p:stCondLst>
+                        <p:cond delay="indefinite"/>
+                      </p:stCondLst>
+                      <p:childTnLst>
+                        <p:par>
+                          <p:cTn id="12" fill="hold">
+                            <p:stCondLst>
+                              <p:cond delay="0"/>
+                            </p:stCondLst>
+                            <p:childTnLst>
+                              <p:par>
+                                <p:cTn id="13" presetID="1" presetClass="entr" presetSubtype="0" fill="hold" grpId="0" nodeType="clickEffect">
+                                  <p:stCondLst>
+                                    <p:cond delay="0"/>
+                                  </p:stCondLst>
+                                  <p:childTnLst>
+                                    <p:set>
+                                      <p:cBhvr>
+                                        <p:cTn id="14" dur="1" fill="hold">
+                                          <p:stCondLst>
+                                            <p:cond delay="0"/>
+                                          </p:stCondLst>
+                                        </p:cTn>
+                                        <p:tgtEl>
+                                          <p:spTgt spid="4"/>
+                                        </p:tgtEl>
+                                        <p:attrNameLst>
+                                          <p:attrName>style.visibility</p:attrName>
+                                        </p:attrNameLst>
+                                      </p:cBhvr>
+                                      <p:to>
+                                        <p:strVal val="visible"/>
+                                      </p:to>
+                                    </p:set>
+                                  </p:childTnLst>
+                                </p:cTn>
+                              </p:par>
+                            </p:childTnLst>
+                          </p:cTn>
+                        </p:par>
+                      </p:childTnLst>
+                    </p:cTn>
+                  </p:par>
+                  <p:par>
+                    <p:cTn id="15" fill="hold">
+                      <p:stCondLst>
+                        <p:cond delay="indefinite"/>
+                      </p:stCondLst>
+                      <p:childTnLst>
+                        <p:par>
+                          <p:cTn id="16" fill="hold">
+                            <p:stCondLst>
+                              <p:cond delay="0"/>
+                            </p:stCondLst>
+                            <p:childTnLst>
+                              <p:par>
+                                <p:cTn id="17" presetID="1" presetClass="entr" presetSubtype="0" fill="hold" grpId="0" nodeType="clickEffect">
+                                  <p:stCondLst>
+                                    <p:cond delay="0"/>
+                                  </p:stCondLst>
+                                  <p:childTnLst>
+                                    <p:set>
+                                      <p:cBhvr>
+                                        <p:cTn id="18" dur="1" fill="hold">
+                                          <p:stCondLst>
+                                            <p:cond delay="0"/>
+                                          </p:stCondLst>
+                                        </p:cTn>
+                                        <p:tgtEl>
+                                          <p:spTgt spid="5"/>
+                                        </p:tgtEl>
+                                        <p:attrNameLst>
+                                          <p:attrName>style.visibility</p:attrName>
+                                        </p:attrNameLst>
+                                      </p:cBhvr>
+                                      <p:to>
+                                        <p:strVal val="visible"/>
+                                      </p:to>
+                                    </p:set>
+                                  </p:childTnLst>
+                                </p:cTn>
+                              </p:par>
+                            </p:childTnLst>
+                          </p:cTn>
+                        </p:par>
+                      </p:childTnLst>
+                    </p:cTn>
+                  </p:par>
+                  <p:par>
+                    <p:cTn id="19" fill="hold">
+                      <p:stCondLst>
+                        <p:cond delay="indefinite"/>
+                      </p:stCondLst>
+                      <p:childTnLst>
+                        <p:par>
+                          <p:cTn id="20" fill="hold">
+                            <p:stCondLst>
+                              <p:cond delay="0"/>
+                            </p:stCondLst>
+                            <p:childTnLst>
+                              <p:par>
+                                <p:cTn id="21" presetID="1" presetClass="entr" presetSubtype="0" fill="hold" grpId="0" nodeType="clickEffect">
+                                  <p:stCondLst>
+                                    <p:cond delay="0"/>
+                                  </p:stCondLst>
+                                  <p:childTnLst>
+                                    <p:set>
+                                      <p:cBhvr>
+                                        <p:cTn id="22" dur="1" fill="hold">
+                                          <p:stCondLst>
+                                            <p:cond delay="0"/>
+                                          </p:stCondLst>
+                                        </p:cTn>
+                                        <p:tgtEl>
+                                          <p:spTgt spid="7"/>
+                                        </p:tgtEl>
+                                        <p:attrNameLst>
+                                          <p:attrName>style.visibility</p:attrName>
+                                        </p:attrNameLst>
+                                      </p:cBhvr>
+                                      <p:to>
+                                        <p:strVal val="visible"/>
+                                      </p:to>
+                                    </p:set>
+                                  </p:childTnLst>
+                                </p:cTn>
+                              </p:par>
+                            </p:childTnLst>
+                          </p:cTn>
+                        </p:par>
+                      </p:childTnLst>
+                    </p:cTn>
+                  </p:par>
+                  <p:par>
+                    <p:cTn id="23" fill="hold">
+                      <p:stCondLst>
+                        <p:cond delay="indefinite"/>
+                      </p:stCondLst>
+                      <p:childTnLst>
+                        <p:par>
+                          <p:cTn id="24" fill="hold">
+                            <p:stCondLst>
+                              <p:cond delay="0"/>
+                            </p:stCondLst>
+                            <p:childTnLst>
+                              <p:par>
+                                <p:cTn id="25" presetID="1" presetClass="entr" presetSubtype="0" fill="hold" grpId="0" nodeType="clickEffect">
+                                  <p:stCondLst>
+                                    <p:cond delay="0"/>
+                                  </p:stCondLst>
+                                  <p:childTnLst>
+                                    <p:set>
+                                      <p:cBhvr>
+                                        <p:cTn id="26" dur="1" fill="hold">
+                                          <p:stCondLst>
+                                            <p:cond delay="0"/>
+                                          </p:stCondLst>
+                                        </p:cTn>
+                                        <p:tgtEl>
+                                          <p:spTgt spid="8"/>
+                                        </p:tgtEl>
+                                        <p:attrNameLst>
+                                          <p:attrName>style.visibility</p:attrName>
+                                        </p:attrNameLst>
+                                      </p:cBhvr>
+                                      <p:to>
+                                        <p:strVal val="visible"/>
+                                      </p:to>
+                                    </p:set>
+                                  </p:childTnLst>
+                                </p:cTn>
+                              </p:par>
+                            </p:childTnLst>
+                          </p:cTn>
+                        </p:par>
+                      </p:childTnLst>
+                    </p:cTn>
+                  </p:par>
+                  <p:par>
+                    <p:cTn id="27" fill="hold">
+                      <p:stCondLst>
+                        <p:cond delay="indefinite"/>
+                      </p:stCondLst>
+                      <p:childTnLst>
+                        <p:par>
+                          <p:cTn id="28" fill="hold">
+                            <p:stCondLst>
+                              <p:cond delay="0"/>
+                            </p:stCondLst>
+                            <p:childTnLst>
+                              <p:par>
+                                <p:cTn id="29" presetID="1" presetClass="entr" presetSubtype="0" fill="hold" grpId="0" nodeType="clickEffect">
+                                  <p:stCondLst>
+                                    <p:cond delay="0"/>
+                                  </p:stCondLst>
+                                  <p:childTnLst>
+                                    <p:set>
+                                      <p:cBhvr>
+                                        <p:cTn id="30" dur="1" fill="hold">
+                                          <p:stCondLst>
+                                            <p:cond delay="0"/>
+                                          </p:stCondLst>
+                                        </p:cTn>
+                                        <p:tgtEl>
+                                          <p:spTgt spid="10"/>
+                                        </p:tgtEl>
+                                        <p:attrNameLst>
+                                          <p:attrName>style.visibility</p:attrName>
+                                        </p:attrNameLst>
+                                      </p:cBhvr>
+                                      <p:to>
+                                        <p:strVal val="visible"/>
+                                      </p:to>
+                                    </p:set>
+                                  </p:childTnLst>
+                                </p:cTn>
+                              </p:par>
+                            </p:childTnLst>
+                          </p:cTn>
+                        </p:par>
+                      </p:childTnLst>
+                    </p:cTn>
+                  </p:par>
+                </p:childTnLst>
+              </p:cTn>
+              <p:prevCondLst>
+                <p:cond evt="onPrev" delay="0">
+                  <p:tgtEl>
+                    <p:sldTgt/>
+                  </p:tgtEl>
+                </p:cond>
+              </p:prevCondLst>
+              <p:nextCondLst>
+                <p:cond evt="onNext" delay="0">
+                  <p:tgtEl>
+                    <p:sldTgt/>
+                  </p:tgtEl>
+                </p:cond>
+              </p:nextCondLst>
+            </p:seq>
+          </p:childTnLst>
+        </p:cTn>
+      </p:par>
+    </p:tnLst>
+    <p:bldLst>
+      <p:bldP spid="2" grpId="0"/>
+      <p:bldP spid="4" grpId="0"/>
+      <p:bldP spid="5" grpId="0"/>
+      <p:bldP spid="6" grpId="0"/>
+      <p:bldP spid="7" grpId="0"/>
+      <p:bldP spid="8" grpId="0"/>
+      <p:bldP spid="10" grpId="0"/>
+    </p:bldLst>
+  </p:timing>
 </p:sld>
 </file>
 
 <file path=ppt/slides/slide13.xml><?xml version="1.0" encoding="utf-8"?>
+<p:sld xmlns:a="http://schemas.openxmlformats.org/drawingml/2006/main" xmlns:r="http://schemas.openxmlformats.org/officeDocument/2006/relationships" xmlns:p="http://schemas.openxmlformats.org/presentationml/2006/main">
+  <p:cSld>
+    <p:spTree>
+      <p:nvGrpSpPr>
+        <p:cNvPr id="1" name=""/>
+        <p:cNvGrpSpPr/>
+        <p:nvPr/>
+      </p:nvGrpSpPr>
+      <p:grpSpPr>
+        <a:xfrm>
+          <a:off x="0" y="0"/>
+          <a:ext cx="0" cy="0"/>
+          <a:chOff x="0" y="0"/>
+          <a:chExt cx="0" cy="0"/>
+        </a:xfrm>
+      </p:grpSpPr>
+      <p:sp>
+        <p:nvSpPr>
+          <p:cNvPr id="2" name="Titel 1">
+            <a:extLst>
+              <a:ext uri="{FF2B5EF4-FFF2-40B4-BE49-F238E27FC236}">
+                <a16:creationId xmlns:a16="http://schemas.microsoft.com/office/drawing/2014/main" id="{17AD6A62-72FA-9E69-E180-244AAEB260B8}"/>
+              </a:ext>
+            </a:extLst>
+          </p:cNvPr>
+          <p:cNvSpPr>
+            <a:spLocks noGrp="1"/>
+          </p:cNvSpPr>
+          <p:nvPr>
+            <p:ph type="title"/>
+          </p:nvPr>
+        </p:nvSpPr>
+        <p:spPr/>
+        <p:txBody>
+          <a:bodyPr/>
+          <a:lstStyle/>
+          <a:p>
+            <a:r>
+              <a:rPr lang="de-DE" dirty="0"/>
+              <a:t>Fazit</a:t>
+            </a:r>
+          </a:p>
+        </p:txBody>
+      </p:sp>
+      <p:sp>
+        <p:nvSpPr>
+          <p:cNvPr id="3" name="Inhaltsplatzhalter 2">
+            <a:extLst>
+              <a:ext uri="{FF2B5EF4-FFF2-40B4-BE49-F238E27FC236}">
+                <a16:creationId xmlns:a16="http://schemas.microsoft.com/office/drawing/2014/main" id="{BA6DB483-7BCB-CD59-B003-4C8E542BDD7D}"/>
+              </a:ext>
+            </a:extLst>
+          </p:cNvPr>
+          <p:cNvSpPr>
+            <a:spLocks noGrp="1"/>
+          </p:cNvSpPr>
+          <p:nvPr>
+            <p:ph idx="1"/>
+          </p:nvPr>
+        </p:nvSpPr>
+        <p:spPr/>
+        <p:txBody>
+          <a:bodyPr/>
+          <a:lstStyle/>
+          <a:p>
+            <a:r>
+              <a:rPr lang="de-DE" dirty="0"/>
+              <a:t>Geht auch ohne KI</a:t>
+            </a:r>
+          </a:p>
+          <a:p>
+            <a:r>
+              <a:rPr lang="de-DE" dirty="0"/>
+              <a:t>ESP32 hat nicht genug Pins</a:t>
+            </a:r>
+          </a:p>
+          <a:p>
+            <a:r>
+              <a:rPr lang="de-DE" dirty="0"/>
+              <a:t>Arbeitsunfälle sind nicht hilfreich für die Zeitplanung</a:t>
+            </a:r>
+          </a:p>
+          <a:p>
+            <a:r>
+              <a:rPr lang="de-DE" dirty="0"/>
+              <a:t>Libraries haben nicht genug Dokumentation</a:t>
+            </a:r>
+          </a:p>
+          <a:p>
+            <a:r>
+              <a:rPr lang="de-DE" dirty="0"/>
+              <a:t>Hintergrund Prozesse nicht möglich</a:t>
+            </a:r>
+          </a:p>
+        </p:txBody>
+      </p:sp>
+    </p:spTree>
+    <p:extLst>
+      <p:ext uri="{BB962C8B-B14F-4D97-AF65-F5344CB8AC3E}">
+        <p14:creationId xmlns:p14="http://schemas.microsoft.com/office/powerpoint/2010/main" val="1628347595"/>
+      </p:ext>
+    </p:extLst>
+  </p:cSld>
+  <p:clrMapOvr>
+    <a:masterClrMapping/>
+  </p:clrMapOvr>
+  <p:timing>
+    <p:tnLst>
+      <p:par>
+        <p:cTn id="1" dur="indefinite" restart="never" nodeType="tmRoot">
+          <p:childTnLst>
+            <p:seq concurrent="1" nextAc="seek">
+              <p:cTn id="2" dur="indefinite" nodeType="mainSeq">
+                <p:childTnLst>
+                  <p:par>
+                    <p:cTn id="3" fill="hold">
+                      <p:stCondLst>
+                        <p:cond delay="indefinite"/>
+                      </p:stCondLst>
+                      <p:childTnLst>
+                        <p:par>
+                          <p:cTn id="4" fill="hold">
+                            <p:stCondLst>
+                              <p:cond delay="0"/>
+                            </p:stCondLst>
+                            <p:childTnLst>
+                              <p:par>
+                                <p:cTn id="5" presetID="1" presetClass="entr" presetSubtype="0" fill="hold" grpId="0" nodeType="clickEffect">
+                                  <p:stCondLst>
+                                    <p:cond delay="0"/>
+                                  </p:stCondLst>
+                                  <p:childTnLst>
+                                    <p:set>
+                                      <p:cBhvr>
+                                        <p:cTn id="6" dur="1" fill="hold">
+                                          <p:stCondLst>
+                                            <p:cond delay="0"/>
+                                          </p:stCondLst>
+                                        </p:cTn>
+                                        <p:tgtEl>
+                                          <p:spTgt spid="3">
+                                            <p:txEl>
+                                              <p:pRg st="0" end="0"/>
+                                            </p:txEl>
+                                          </p:spTgt>
+                                        </p:tgtEl>
+                                        <p:attrNameLst>
+                                          <p:attrName>style.visibility</p:attrName>
+                                        </p:attrNameLst>
+                                      </p:cBhvr>
+                                      <p:to>
+                                        <p:strVal val="visible"/>
+                                      </p:to>
+                                    </p:set>
+                                  </p:childTnLst>
+                                </p:cTn>
+                              </p:par>
+                            </p:childTnLst>
+                          </p:cTn>
+                        </p:par>
+                      </p:childTnLst>
+                    </p:cTn>
+                  </p:par>
+                  <p:par>
+                    <p:cTn id="7" fill="hold">
+                      <p:stCondLst>
+                        <p:cond delay="indefinite"/>
+                      </p:stCondLst>
+                      <p:childTnLst>
+                        <p:par>
+                          <p:cTn id="8" fill="hold">
+                            <p:stCondLst>
+                              <p:cond delay="0"/>
+                            </p:stCondLst>
+                            <p:childTnLst>
+                              <p:par>
+                                <p:cTn id="9" presetID="1" presetClass="entr" presetSubtype="0" fill="hold" grpId="0" nodeType="clickEffect">
+                                  <p:stCondLst>
+                                    <p:cond delay="0"/>
+                                  </p:stCondLst>
+                                  <p:childTnLst>
+                                    <p:set>
+                                      <p:cBhvr>
+                                        <p:cTn id="10" dur="1" fill="hold">
+                                          <p:stCondLst>
+                                            <p:cond delay="0"/>
+                                          </p:stCondLst>
+                                        </p:cTn>
+                                        <p:tgtEl>
+                                          <p:spTgt spid="3">
+                                            <p:txEl>
+                                              <p:pRg st="1" end="1"/>
+                                            </p:txEl>
+                                          </p:spTgt>
+                                        </p:tgtEl>
+                                        <p:attrNameLst>
+                                          <p:attrName>style.visibility</p:attrName>
+                                        </p:attrNameLst>
+                                      </p:cBhvr>
+                                      <p:to>
+                                        <p:strVal val="visible"/>
+                                      </p:to>
+                                    </p:set>
+                                  </p:childTnLst>
+                                </p:cTn>
+                              </p:par>
+                            </p:childTnLst>
+                          </p:cTn>
+                        </p:par>
+                      </p:childTnLst>
+                    </p:cTn>
+                  </p:par>
+                  <p:par>
+                    <p:cTn id="11" fill="hold">
+                      <p:stCondLst>
+                        <p:cond delay="indefinite"/>
+                      </p:stCondLst>
+                      <p:childTnLst>
+                        <p:par>
+                          <p:cTn id="12" fill="hold">
+                            <p:stCondLst>
+                              <p:cond delay="0"/>
+                            </p:stCondLst>
+                            <p:childTnLst>
+                              <p:par>
+                                <p:cTn id="13" presetID="1" presetClass="entr" presetSubtype="0" fill="hold" grpId="0" nodeType="clickEffect">
+                                  <p:stCondLst>
+                                    <p:cond delay="0"/>
+                                  </p:stCondLst>
+                                  <p:childTnLst>
+                                    <p:set>
+                                      <p:cBhvr>
+                                        <p:cTn id="14" dur="1" fill="hold">
+                                          <p:stCondLst>
+                                            <p:cond delay="0"/>
+                                          </p:stCondLst>
+                                        </p:cTn>
+                                        <p:tgtEl>
+                                          <p:spTgt spid="3">
+                                            <p:txEl>
+                                              <p:pRg st="2" end="2"/>
+                                            </p:txEl>
+                                          </p:spTgt>
+                                        </p:tgtEl>
+                                        <p:attrNameLst>
+                                          <p:attrName>style.visibility</p:attrName>
+                                        </p:attrNameLst>
+                                      </p:cBhvr>
+                                      <p:to>
+                                        <p:strVal val="visible"/>
+                                      </p:to>
+                                    </p:set>
+                                  </p:childTnLst>
+                                </p:cTn>
+                              </p:par>
+                            </p:childTnLst>
+                          </p:cTn>
+                        </p:par>
+                      </p:childTnLst>
+                    </p:cTn>
+                  </p:par>
+                  <p:par>
+                    <p:cTn id="15" fill="hold">
+                      <p:stCondLst>
+                        <p:cond delay="indefinite"/>
+                      </p:stCondLst>
+                      <p:childTnLst>
+                        <p:par>
+                          <p:cTn id="16" fill="hold">
+                            <p:stCondLst>
+                              <p:cond delay="0"/>
+                            </p:stCondLst>
+                            <p:childTnLst>
+                              <p:par>
+                                <p:cTn id="17" presetID="1" presetClass="entr" presetSubtype="0" fill="hold" grpId="0" nodeType="clickEffect">
+                                  <p:stCondLst>
+                                    <p:cond delay="0"/>
+                                  </p:stCondLst>
+                                  <p:childTnLst>
+                                    <p:set>
+                                      <p:cBhvr>
+                                        <p:cTn id="18" dur="1" fill="hold">
+                                          <p:stCondLst>
+                                            <p:cond delay="0"/>
+                                          </p:stCondLst>
+                                        </p:cTn>
+                                        <p:tgtEl>
+                                          <p:spTgt spid="3">
+                                            <p:txEl>
+                                              <p:pRg st="3" end="3"/>
+                                            </p:txEl>
+                                          </p:spTgt>
+                                        </p:tgtEl>
+                                        <p:attrNameLst>
+                                          <p:attrName>style.visibility</p:attrName>
+                                        </p:attrNameLst>
+                                      </p:cBhvr>
+                                      <p:to>
+                                        <p:strVal val="visible"/>
+                                      </p:to>
+                                    </p:set>
+                                  </p:childTnLst>
+                                </p:cTn>
+                              </p:par>
+                            </p:childTnLst>
+                          </p:cTn>
+                        </p:par>
+                      </p:childTnLst>
+                    </p:cTn>
+                  </p:par>
+                  <p:par>
+                    <p:cTn id="19" fill="hold">
+                      <p:stCondLst>
+                        <p:cond delay="indefinite"/>
+                      </p:stCondLst>
+                      <p:childTnLst>
+                        <p:par>
+                          <p:cTn id="20" fill="hold">
+                            <p:stCondLst>
+                              <p:cond delay="0"/>
+                            </p:stCondLst>
+                            <p:childTnLst>
+                              <p:par>
+                                <p:cTn id="21" presetID="1" presetClass="entr" presetSubtype="0" fill="hold" grpId="0" nodeType="clickEffect">
+                                  <p:stCondLst>
+                                    <p:cond delay="0"/>
+                                  </p:stCondLst>
+                                  <p:childTnLst>
+                                    <p:set>
+                                      <p:cBhvr>
+                                        <p:cTn id="22" dur="1" fill="hold">
+                                          <p:stCondLst>
+                                            <p:cond delay="0"/>
+                                          </p:stCondLst>
+                                        </p:cTn>
+                                        <p:tgtEl>
+                                          <p:spTgt spid="3">
+                                            <p:txEl>
+                                              <p:pRg st="4" end="4"/>
+                                            </p:txEl>
+                                          </p:spTgt>
+                                        </p:tgtEl>
+                                        <p:attrNameLst>
+                                          <p:attrName>style.visibility</p:attrName>
+                                        </p:attrNameLst>
+                                      </p:cBhvr>
+                                      <p:to>
+                                        <p:strVal val="visible"/>
+                                      </p:to>
+                                    </p:set>
+                                  </p:childTnLst>
+                                </p:cTn>
+                              </p:par>
+                            </p:childTnLst>
+                          </p:cTn>
+                        </p:par>
+                      </p:childTnLst>
+                    </p:cTn>
+                  </p:par>
+                </p:childTnLst>
+              </p:cTn>
+              <p:prevCondLst>
+                <p:cond evt="onPrev" delay="0">
+                  <p:tgtEl>
+                    <p:sldTgt/>
+                  </p:tgtEl>
+                </p:cond>
+              </p:prevCondLst>
+              <p:nextCondLst>
+                <p:cond evt="onNext" delay="0">
+                  <p:tgtEl>
+                    <p:sldTgt/>
+                  </p:tgtEl>
+                </p:cond>
+              </p:nextCondLst>
+            </p:seq>
+          </p:childTnLst>
+        </p:cTn>
+      </p:par>
+    </p:tnLst>
+    <p:bldLst>
+      <p:bldP spid="3" grpId="0" build="p"/>
+    </p:bldLst>
+  </p:timing>
+</p:sld>
+</file>
+
+<file path=ppt/slides/slide14.xml><?xml version="1.0" encoding="utf-8"?>
 <p:sld xmlns:a="http://schemas.openxmlformats.org/drawingml/2006/main" xmlns:r="http://schemas.openxmlformats.org/officeDocument/2006/relationships" xmlns:p="http://schemas.openxmlformats.org/presentationml/2006/main">
   <p:cSld>
     <p:spTree>
@@ -6499,2692 +7599,6 @@
 </file>
 
 <file path=ppt/slides/slide3.xml><?xml version="1.0" encoding="utf-8"?>
-<p:sld xmlns:a="http://schemas.openxmlformats.org/drawingml/2006/main" xmlns:r="http://schemas.openxmlformats.org/officeDocument/2006/relationships" xmlns:p="http://schemas.openxmlformats.org/presentationml/2006/main">
-  <p:cSld>
-    <p:spTree>
-      <p:nvGrpSpPr>
-        <p:cNvPr id="1" name=""/>
-        <p:cNvGrpSpPr/>
-        <p:nvPr/>
-      </p:nvGrpSpPr>
-      <p:grpSpPr>
-        <a:xfrm>
-          <a:off x="0" y="0"/>
-          <a:ext cx="0" cy="0"/>
-          <a:chOff x="0" y="0"/>
-          <a:chExt cx="0" cy="0"/>
-        </a:xfrm>
-      </p:grpSpPr>
-      <p:sp>
-        <p:nvSpPr>
-          <p:cNvPr id="2" name="Titel 1">
-            <a:extLst>
-              <a:ext uri="{FF2B5EF4-FFF2-40B4-BE49-F238E27FC236}">
-                <a16:creationId xmlns:a16="http://schemas.microsoft.com/office/drawing/2014/main" id="{9A8E9DC1-FAD7-4A57-B08E-12CEB63C2EE7}"/>
-              </a:ext>
-            </a:extLst>
-          </p:cNvPr>
-          <p:cNvSpPr>
-            <a:spLocks noGrp="1"/>
-          </p:cNvSpPr>
-          <p:nvPr>
-            <p:ph type="title"/>
-          </p:nvPr>
-        </p:nvSpPr>
-        <p:spPr>
-          <a:xfrm>
-            <a:off x="843409" y="2119170"/>
-            <a:ext cx="2701183" cy="4320474"/>
-          </a:xfrm>
-        </p:spPr>
-        <p:txBody>
-          <a:bodyPr/>
-          <a:lstStyle/>
-          <a:p>
-            <a:r>
-              <a:rPr lang="de-DE" dirty="0"/>
-              <a:t>Text</a:t>
-            </a:r>
-          </a:p>
-        </p:txBody>
-      </p:sp>
-      <p:sp>
-        <p:nvSpPr>
-          <p:cNvPr id="41" name="Rechteck 40">
-            <a:extLst>
-              <a:ext uri="{FF2B5EF4-FFF2-40B4-BE49-F238E27FC236}">
-                <a16:creationId xmlns:a16="http://schemas.microsoft.com/office/drawing/2014/main" id="{DEF410D0-894B-4712-AB19-28FCB32DC078}"/>
-              </a:ext>
-            </a:extLst>
-          </p:cNvPr>
-          <p:cNvSpPr/>
-          <p:nvPr/>
-        </p:nvSpPr>
-        <p:spPr>
-          <a:xfrm>
-            <a:off x="3687009" y="2087701"/>
-            <a:ext cx="3994681" cy="3600000"/>
-          </a:xfrm>
-          <a:prstGeom prst="rect">
-            <a:avLst/>
-          </a:prstGeom>
-        </p:spPr>
-        <p:style>
-          <a:lnRef idx="2">
-            <a:schemeClr val="accent6">
-              <a:shade val="50000"/>
-            </a:schemeClr>
-          </a:lnRef>
-          <a:fillRef idx="1">
-            <a:schemeClr val="accent6"/>
-          </a:fillRef>
-          <a:effectRef idx="0">
-            <a:schemeClr val="accent6"/>
-          </a:effectRef>
-          <a:fontRef idx="minor">
-            <a:schemeClr val="lt1"/>
-          </a:fontRef>
-        </p:style>
-        <p:txBody>
-          <a:bodyPr rtlCol="0" anchor="ctr"/>
-          <a:lstStyle/>
-          <a:p>
-            <a:pPr algn="ctr"/>
-            <a:endParaRPr lang="de-DE"/>
-          </a:p>
-        </p:txBody>
-      </p:sp>
-      <p:sp>
-        <p:nvSpPr>
-          <p:cNvPr id="42" name="Rechteck 41">
-            <a:extLst>
-              <a:ext uri="{FF2B5EF4-FFF2-40B4-BE49-F238E27FC236}">
-                <a16:creationId xmlns:a16="http://schemas.microsoft.com/office/drawing/2014/main" id="{C92362A1-7C19-4BD4-A36B-4993DBF32676}"/>
-              </a:ext>
-            </a:extLst>
-          </p:cNvPr>
-          <p:cNvSpPr/>
-          <p:nvPr/>
-        </p:nvSpPr>
-        <p:spPr>
-          <a:xfrm>
-            <a:off x="3881744" y="2305801"/>
-            <a:ext cx="720000" cy="1440000"/>
-          </a:xfrm>
-          <a:prstGeom prst="rect">
-            <a:avLst/>
-          </a:prstGeom>
-        </p:spPr>
-        <p:style>
-          <a:lnRef idx="2">
-            <a:schemeClr val="accent1">
-              <a:shade val="50000"/>
-            </a:schemeClr>
-          </a:lnRef>
-          <a:fillRef idx="1">
-            <a:schemeClr val="accent1"/>
-          </a:fillRef>
-          <a:effectRef idx="0">
-            <a:schemeClr val="accent1"/>
-          </a:effectRef>
-          <a:fontRef idx="minor">
-            <a:schemeClr val="lt1"/>
-          </a:fontRef>
-        </p:style>
-        <p:txBody>
-          <a:bodyPr rtlCol="0" anchor="ctr"/>
-          <a:lstStyle/>
-          <a:p>
-            <a:pPr algn="ctr"/>
-            <a:endParaRPr lang="de-DE"/>
-          </a:p>
-        </p:txBody>
-      </p:sp>
-      <p:sp>
-        <p:nvSpPr>
-          <p:cNvPr id="43" name="Ellipse 42">
-            <a:extLst>
-              <a:ext uri="{FF2B5EF4-FFF2-40B4-BE49-F238E27FC236}">
-                <a16:creationId xmlns:a16="http://schemas.microsoft.com/office/drawing/2014/main" id="{ECC67D1A-34C6-4210-AF88-797BACB029C3}"/>
-              </a:ext>
-            </a:extLst>
-          </p:cNvPr>
-          <p:cNvSpPr/>
-          <p:nvPr/>
-        </p:nvSpPr>
-        <p:spPr>
-          <a:xfrm>
-            <a:off x="3984611" y="2439235"/>
-            <a:ext cx="180000" cy="180000"/>
-          </a:xfrm>
-          <a:prstGeom prst="ellipse">
-            <a:avLst/>
-          </a:prstGeom>
-        </p:spPr>
-        <p:style>
-          <a:lnRef idx="2">
-            <a:schemeClr val="accent2">
-              <a:shade val="50000"/>
-            </a:schemeClr>
-          </a:lnRef>
-          <a:fillRef idx="1">
-            <a:schemeClr val="accent2"/>
-          </a:fillRef>
-          <a:effectRef idx="0">
-            <a:schemeClr val="accent2"/>
-          </a:effectRef>
-          <a:fontRef idx="minor">
-            <a:schemeClr val="lt1"/>
-          </a:fontRef>
-        </p:style>
-        <p:txBody>
-          <a:bodyPr rtlCol="0" anchor="ctr"/>
-          <a:lstStyle/>
-          <a:p>
-            <a:pPr algn="ctr"/>
-            <a:endParaRPr lang="de-DE"/>
-          </a:p>
-        </p:txBody>
-      </p:sp>
-      <p:sp>
-        <p:nvSpPr>
-          <p:cNvPr id="44" name="Ellipse 43">
-            <a:extLst>
-              <a:ext uri="{FF2B5EF4-FFF2-40B4-BE49-F238E27FC236}">
-                <a16:creationId xmlns:a16="http://schemas.microsoft.com/office/drawing/2014/main" id="{DC6312E3-15BF-4CE1-B981-A1DCF3B7EEC0}"/>
-              </a:ext>
-            </a:extLst>
-          </p:cNvPr>
-          <p:cNvSpPr/>
-          <p:nvPr/>
-        </p:nvSpPr>
-        <p:spPr>
-          <a:xfrm>
-            <a:off x="3984611" y="2752669"/>
-            <a:ext cx="180000" cy="180000"/>
-          </a:xfrm>
-          <a:prstGeom prst="ellipse">
-            <a:avLst/>
-          </a:prstGeom>
-        </p:spPr>
-        <p:style>
-          <a:lnRef idx="2">
-            <a:schemeClr val="accent2">
-              <a:shade val="50000"/>
-            </a:schemeClr>
-          </a:lnRef>
-          <a:fillRef idx="1">
-            <a:schemeClr val="accent2"/>
-          </a:fillRef>
-          <a:effectRef idx="0">
-            <a:schemeClr val="accent2"/>
-          </a:effectRef>
-          <a:fontRef idx="minor">
-            <a:schemeClr val="lt1"/>
-          </a:fontRef>
-        </p:style>
-        <p:txBody>
-          <a:bodyPr rtlCol="0" anchor="ctr"/>
-          <a:lstStyle/>
-          <a:p>
-            <a:pPr algn="ctr"/>
-            <a:endParaRPr lang="de-DE"/>
-          </a:p>
-        </p:txBody>
-      </p:sp>
-      <p:sp>
-        <p:nvSpPr>
-          <p:cNvPr id="45" name="Ellipse 44">
-            <a:extLst>
-              <a:ext uri="{FF2B5EF4-FFF2-40B4-BE49-F238E27FC236}">
-                <a16:creationId xmlns:a16="http://schemas.microsoft.com/office/drawing/2014/main" id="{5A3E013D-E153-49CA-813A-5D46738463A0}"/>
-              </a:ext>
-            </a:extLst>
-          </p:cNvPr>
-          <p:cNvSpPr/>
-          <p:nvPr/>
-        </p:nvSpPr>
-        <p:spPr>
-          <a:xfrm>
-            <a:off x="3984611" y="3069235"/>
-            <a:ext cx="180000" cy="180000"/>
-          </a:xfrm>
-          <a:prstGeom prst="ellipse">
-            <a:avLst/>
-          </a:prstGeom>
-        </p:spPr>
-        <p:style>
-          <a:lnRef idx="2">
-            <a:schemeClr val="accent2">
-              <a:shade val="50000"/>
-            </a:schemeClr>
-          </a:lnRef>
-          <a:fillRef idx="1">
-            <a:schemeClr val="accent2"/>
-          </a:fillRef>
-          <a:effectRef idx="0">
-            <a:schemeClr val="accent2"/>
-          </a:effectRef>
-          <a:fontRef idx="minor">
-            <a:schemeClr val="lt1"/>
-          </a:fontRef>
-        </p:style>
-        <p:txBody>
-          <a:bodyPr rtlCol="0" anchor="ctr"/>
-          <a:lstStyle/>
-          <a:p>
-            <a:pPr algn="ctr"/>
-            <a:endParaRPr lang="de-DE"/>
-          </a:p>
-        </p:txBody>
-      </p:sp>
-      <p:sp>
-        <p:nvSpPr>
-          <p:cNvPr id="46" name="Ellipse 45">
-            <a:extLst>
-              <a:ext uri="{FF2B5EF4-FFF2-40B4-BE49-F238E27FC236}">
-                <a16:creationId xmlns:a16="http://schemas.microsoft.com/office/drawing/2014/main" id="{A398EDBE-452E-46F3-9808-4D811196B676}"/>
-              </a:ext>
-            </a:extLst>
-          </p:cNvPr>
-          <p:cNvSpPr/>
-          <p:nvPr/>
-        </p:nvSpPr>
-        <p:spPr>
-          <a:xfrm>
-            <a:off x="3984611" y="3388501"/>
-            <a:ext cx="180000" cy="180000"/>
-          </a:xfrm>
-          <a:prstGeom prst="ellipse">
-            <a:avLst/>
-          </a:prstGeom>
-        </p:spPr>
-        <p:style>
-          <a:lnRef idx="2">
-            <a:schemeClr val="accent2">
-              <a:shade val="50000"/>
-            </a:schemeClr>
-          </a:lnRef>
-          <a:fillRef idx="1">
-            <a:schemeClr val="accent2"/>
-          </a:fillRef>
-          <a:effectRef idx="0">
-            <a:schemeClr val="accent2"/>
-          </a:effectRef>
-          <a:fontRef idx="minor">
-            <a:schemeClr val="lt1"/>
-          </a:fontRef>
-        </p:style>
-        <p:txBody>
-          <a:bodyPr rtlCol="0" anchor="ctr"/>
-          <a:lstStyle/>
-          <a:p>
-            <a:pPr algn="ctr"/>
-            <a:endParaRPr lang="de-DE"/>
-          </a:p>
-        </p:txBody>
-      </p:sp>
-      <p:sp>
-        <p:nvSpPr>
-          <p:cNvPr id="47" name="Ellipse 46">
-            <a:extLst>
-              <a:ext uri="{FF2B5EF4-FFF2-40B4-BE49-F238E27FC236}">
-                <a16:creationId xmlns:a16="http://schemas.microsoft.com/office/drawing/2014/main" id="{E8BDFE20-6699-4577-95D1-AFC2F866301A}"/>
-              </a:ext>
-            </a:extLst>
-          </p:cNvPr>
-          <p:cNvSpPr/>
-          <p:nvPr/>
-        </p:nvSpPr>
-        <p:spPr>
-          <a:xfrm>
-            <a:off x="4293177" y="2439235"/>
-            <a:ext cx="180000" cy="180000"/>
-          </a:xfrm>
-          <a:prstGeom prst="ellipse">
-            <a:avLst/>
-          </a:prstGeom>
-        </p:spPr>
-        <p:style>
-          <a:lnRef idx="2">
-            <a:schemeClr val="accent5">
-              <a:shade val="50000"/>
-            </a:schemeClr>
-          </a:lnRef>
-          <a:fillRef idx="1">
-            <a:schemeClr val="accent5"/>
-          </a:fillRef>
-          <a:effectRef idx="0">
-            <a:schemeClr val="accent5"/>
-          </a:effectRef>
-          <a:fontRef idx="minor">
-            <a:schemeClr val="lt1"/>
-          </a:fontRef>
-        </p:style>
-        <p:txBody>
-          <a:bodyPr rtlCol="0" anchor="ctr"/>
-          <a:lstStyle/>
-          <a:p>
-            <a:pPr algn="ctr"/>
-            <a:endParaRPr lang="de-DE"/>
-          </a:p>
-        </p:txBody>
-      </p:sp>
-      <p:sp>
-        <p:nvSpPr>
-          <p:cNvPr id="48" name="Ellipse 47">
-            <a:extLst>
-              <a:ext uri="{FF2B5EF4-FFF2-40B4-BE49-F238E27FC236}">
-                <a16:creationId xmlns:a16="http://schemas.microsoft.com/office/drawing/2014/main" id="{5C06FCBC-5CDE-433F-944B-AAB55962E6B0}"/>
-              </a:ext>
-            </a:extLst>
-          </p:cNvPr>
-          <p:cNvSpPr/>
-          <p:nvPr/>
-        </p:nvSpPr>
-        <p:spPr>
-          <a:xfrm>
-            <a:off x="4293177" y="2752669"/>
-            <a:ext cx="180000" cy="180000"/>
-          </a:xfrm>
-          <a:prstGeom prst="ellipse">
-            <a:avLst/>
-          </a:prstGeom>
-        </p:spPr>
-        <p:style>
-          <a:lnRef idx="2">
-            <a:schemeClr val="accent5">
-              <a:shade val="50000"/>
-            </a:schemeClr>
-          </a:lnRef>
-          <a:fillRef idx="1">
-            <a:schemeClr val="accent5"/>
-          </a:fillRef>
-          <a:effectRef idx="0">
-            <a:schemeClr val="accent5"/>
-          </a:effectRef>
-          <a:fontRef idx="minor">
-            <a:schemeClr val="lt1"/>
-          </a:fontRef>
-        </p:style>
-        <p:txBody>
-          <a:bodyPr rtlCol="0" anchor="ctr"/>
-          <a:lstStyle/>
-          <a:p>
-            <a:pPr algn="ctr"/>
-            <a:endParaRPr lang="de-DE"/>
-          </a:p>
-        </p:txBody>
-      </p:sp>
-      <p:sp>
-        <p:nvSpPr>
-          <p:cNvPr id="49" name="Ellipse 48">
-            <a:extLst>
-              <a:ext uri="{FF2B5EF4-FFF2-40B4-BE49-F238E27FC236}">
-                <a16:creationId xmlns:a16="http://schemas.microsoft.com/office/drawing/2014/main" id="{02A67D67-66BB-427C-AE79-DBFA36350DD4}"/>
-              </a:ext>
-            </a:extLst>
-          </p:cNvPr>
-          <p:cNvSpPr/>
-          <p:nvPr/>
-        </p:nvSpPr>
-        <p:spPr>
-          <a:xfrm>
-            <a:off x="4293177" y="3069235"/>
-            <a:ext cx="180000" cy="180000"/>
-          </a:xfrm>
-          <a:prstGeom prst="ellipse">
-            <a:avLst/>
-          </a:prstGeom>
-        </p:spPr>
-        <p:style>
-          <a:lnRef idx="2">
-            <a:schemeClr val="accent5">
-              <a:shade val="50000"/>
-            </a:schemeClr>
-          </a:lnRef>
-          <a:fillRef idx="1">
-            <a:schemeClr val="accent5"/>
-          </a:fillRef>
-          <a:effectRef idx="0">
-            <a:schemeClr val="accent5"/>
-          </a:effectRef>
-          <a:fontRef idx="minor">
-            <a:schemeClr val="lt1"/>
-          </a:fontRef>
-        </p:style>
-        <p:txBody>
-          <a:bodyPr rtlCol="0" anchor="ctr"/>
-          <a:lstStyle/>
-          <a:p>
-            <a:pPr algn="ctr"/>
-            <a:endParaRPr lang="de-DE"/>
-          </a:p>
-        </p:txBody>
-      </p:sp>
-      <p:sp>
-        <p:nvSpPr>
-          <p:cNvPr id="50" name="Ellipse 49">
-            <a:extLst>
-              <a:ext uri="{FF2B5EF4-FFF2-40B4-BE49-F238E27FC236}">
-                <a16:creationId xmlns:a16="http://schemas.microsoft.com/office/drawing/2014/main" id="{385068D5-4CBD-40D9-8DBC-AF0C46C374ED}"/>
-              </a:ext>
-            </a:extLst>
-          </p:cNvPr>
-          <p:cNvSpPr/>
-          <p:nvPr/>
-        </p:nvSpPr>
-        <p:spPr>
-          <a:xfrm>
-            <a:off x="4293177" y="3388501"/>
-            <a:ext cx="180000" cy="180000"/>
-          </a:xfrm>
-          <a:prstGeom prst="ellipse">
-            <a:avLst/>
-          </a:prstGeom>
-        </p:spPr>
-        <p:style>
-          <a:lnRef idx="2">
-            <a:schemeClr val="accent5">
-              <a:shade val="50000"/>
-            </a:schemeClr>
-          </a:lnRef>
-          <a:fillRef idx="1">
-            <a:schemeClr val="accent5"/>
-          </a:fillRef>
-          <a:effectRef idx="0">
-            <a:schemeClr val="accent5"/>
-          </a:effectRef>
-          <a:fontRef idx="minor">
-            <a:schemeClr val="lt1"/>
-          </a:fontRef>
-        </p:style>
-        <p:txBody>
-          <a:bodyPr rtlCol="0" anchor="ctr"/>
-          <a:lstStyle/>
-          <a:p>
-            <a:pPr algn="ctr"/>
-            <a:endParaRPr lang="de-DE"/>
-          </a:p>
-        </p:txBody>
-      </p:sp>
-      <p:sp>
-        <p:nvSpPr>
-          <p:cNvPr id="51" name="Rechteck 50">
-            <a:extLst>
-              <a:ext uri="{FF2B5EF4-FFF2-40B4-BE49-F238E27FC236}">
-                <a16:creationId xmlns:a16="http://schemas.microsoft.com/office/drawing/2014/main" id="{FE9360A2-D312-4DE7-AF23-2113BEB1A2C7}"/>
-              </a:ext>
-            </a:extLst>
-          </p:cNvPr>
-          <p:cNvSpPr/>
-          <p:nvPr/>
-        </p:nvSpPr>
-        <p:spPr>
-          <a:xfrm>
-            <a:off x="4601743" y="2304742"/>
-            <a:ext cx="2880000" cy="360000"/>
-          </a:xfrm>
-          <a:prstGeom prst="rect">
-            <a:avLst/>
-          </a:prstGeom>
-        </p:spPr>
-        <p:style>
-          <a:lnRef idx="2">
-            <a:schemeClr val="accent1">
-              <a:shade val="50000"/>
-            </a:schemeClr>
-          </a:lnRef>
-          <a:fillRef idx="1">
-            <a:schemeClr val="accent1"/>
-          </a:fillRef>
-          <a:effectRef idx="0">
-            <a:schemeClr val="accent1"/>
-          </a:effectRef>
-          <a:fontRef idx="minor">
-            <a:schemeClr val="lt1"/>
-          </a:fontRef>
-        </p:style>
-        <p:txBody>
-          <a:bodyPr rtlCol="0" anchor="ctr"/>
-          <a:lstStyle/>
-          <a:p>
-            <a:pPr algn="ctr"/>
-            <a:r>
-              <a:rPr lang="de-DE" dirty="0"/>
-              <a:t>IP#1: 10.10.1.8</a:t>
-            </a:r>
-          </a:p>
-        </p:txBody>
-      </p:sp>
-      <p:sp>
-        <p:nvSpPr>
-          <p:cNvPr id="52" name="Rechteck 51">
-            <a:extLst>
-              <a:ext uri="{FF2B5EF4-FFF2-40B4-BE49-F238E27FC236}">
-                <a16:creationId xmlns:a16="http://schemas.microsoft.com/office/drawing/2014/main" id="{C6180199-3643-4C91-B705-E9BF0B88D269}"/>
-              </a:ext>
-            </a:extLst>
-          </p:cNvPr>
-          <p:cNvSpPr/>
-          <p:nvPr/>
-        </p:nvSpPr>
-        <p:spPr>
-          <a:xfrm>
-            <a:off x="4601743" y="2666373"/>
-            <a:ext cx="2880000" cy="360000"/>
-          </a:xfrm>
-          <a:prstGeom prst="rect">
-            <a:avLst/>
-          </a:prstGeom>
-        </p:spPr>
-        <p:style>
-          <a:lnRef idx="2">
-            <a:schemeClr val="accent1">
-              <a:shade val="50000"/>
-            </a:schemeClr>
-          </a:lnRef>
-          <a:fillRef idx="1">
-            <a:schemeClr val="accent1"/>
-          </a:fillRef>
-          <a:effectRef idx="0">
-            <a:schemeClr val="accent1"/>
-          </a:effectRef>
-          <a:fontRef idx="minor">
-            <a:schemeClr val="lt1"/>
-          </a:fontRef>
-        </p:style>
-        <p:txBody>
-          <a:bodyPr rtlCol="0" anchor="ctr"/>
-          <a:lstStyle/>
-          <a:p>
-            <a:pPr algn="ctr"/>
-            <a:r>
-              <a:rPr lang="de-DE" dirty="0"/>
-              <a:t>IP#2: 10.10.0.1</a:t>
-            </a:r>
-          </a:p>
-        </p:txBody>
-      </p:sp>
-      <p:sp>
-        <p:nvSpPr>
-          <p:cNvPr id="53" name="Rechteck 52">
-            <a:extLst>
-              <a:ext uri="{FF2B5EF4-FFF2-40B4-BE49-F238E27FC236}">
-                <a16:creationId xmlns:a16="http://schemas.microsoft.com/office/drawing/2014/main" id="{6D948699-64CD-4947-8C31-580668986D2E}"/>
-              </a:ext>
-            </a:extLst>
-          </p:cNvPr>
-          <p:cNvSpPr/>
-          <p:nvPr/>
-        </p:nvSpPr>
-        <p:spPr>
-          <a:xfrm>
-            <a:off x="4601743" y="3023738"/>
-            <a:ext cx="2880000" cy="360000"/>
-          </a:xfrm>
-          <a:prstGeom prst="rect">
-            <a:avLst/>
-          </a:prstGeom>
-        </p:spPr>
-        <p:style>
-          <a:lnRef idx="2">
-            <a:schemeClr val="accent1">
-              <a:shade val="50000"/>
-            </a:schemeClr>
-          </a:lnRef>
-          <a:fillRef idx="1">
-            <a:schemeClr val="accent1"/>
-          </a:fillRef>
-          <a:effectRef idx="0">
-            <a:schemeClr val="accent1"/>
-          </a:effectRef>
-          <a:fontRef idx="minor">
-            <a:schemeClr val="lt1"/>
-          </a:fontRef>
-        </p:style>
-        <p:txBody>
-          <a:bodyPr rtlCol="0" anchor="ctr"/>
-          <a:lstStyle/>
-          <a:p>
-            <a:pPr algn="ctr"/>
-            <a:r>
-              <a:rPr lang="de-DE" dirty="0"/>
-              <a:t>IP#3:10.10.0.254</a:t>
-            </a:r>
-          </a:p>
-        </p:txBody>
-      </p:sp>
-      <p:sp>
-        <p:nvSpPr>
-          <p:cNvPr id="54" name="Rechteck 53">
-            <a:extLst>
-              <a:ext uri="{FF2B5EF4-FFF2-40B4-BE49-F238E27FC236}">
-                <a16:creationId xmlns:a16="http://schemas.microsoft.com/office/drawing/2014/main" id="{F3088A07-1741-4A78-BEBE-A677500E0493}"/>
-              </a:ext>
-            </a:extLst>
-          </p:cNvPr>
-          <p:cNvSpPr/>
-          <p:nvPr/>
-        </p:nvSpPr>
-        <p:spPr>
-          <a:xfrm>
-            <a:off x="4601743" y="3386622"/>
-            <a:ext cx="2880000" cy="360000"/>
-          </a:xfrm>
-          <a:prstGeom prst="rect">
-            <a:avLst/>
-          </a:prstGeom>
-        </p:spPr>
-        <p:style>
-          <a:lnRef idx="2">
-            <a:schemeClr val="accent1">
-              <a:shade val="50000"/>
-            </a:schemeClr>
-          </a:lnRef>
-          <a:fillRef idx="1">
-            <a:schemeClr val="accent1"/>
-          </a:fillRef>
-          <a:effectRef idx="0">
-            <a:schemeClr val="accent1"/>
-          </a:effectRef>
-          <a:fontRef idx="minor">
-            <a:schemeClr val="lt1"/>
-          </a:fontRef>
-        </p:style>
-        <p:txBody>
-          <a:bodyPr rtlCol="0" anchor="ctr"/>
-          <a:lstStyle/>
-          <a:p>
-            <a:pPr algn="ctr"/>
-            <a:r>
-              <a:rPr lang="de-DE" dirty="0"/>
-              <a:t>IP#4: 1.1.1.1</a:t>
-            </a:r>
-          </a:p>
-        </p:txBody>
-      </p:sp>
-      <p:sp>
-        <p:nvSpPr>
-          <p:cNvPr id="55" name="Rechteck 54">
-            <a:extLst>
-              <a:ext uri="{FF2B5EF4-FFF2-40B4-BE49-F238E27FC236}">
-                <a16:creationId xmlns:a16="http://schemas.microsoft.com/office/drawing/2014/main" id="{6E23D18C-4D62-4133-8838-A3161CE7E9CC}"/>
-              </a:ext>
-            </a:extLst>
-          </p:cNvPr>
-          <p:cNvSpPr/>
-          <p:nvPr/>
-        </p:nvSpPr>
-        <p:spPr>
-          <a:xfrm>
-            <a:off x="3881744" y="3745800"/>
-            <a:ext cx="1440000" cy="1800000"/>
-          </a:xfrm>
-          <a:prstGeom prst="rect">
-            <a:avLst/>
-          </a:prstGeom>
-        </p:spPr>
-        <p:style>
-          <a:lnRef idx="2">
-            <a:schemeClr val="accent1">
-              <a:shade val="50000"/>
-            </a:schemeClr>
-          </a:lnRef>
-          <a:fillRef idx="1">
-            <a:schemeClr val="accent1"/>
-          </a:fillRef>
-          <a:effectRef idx="0">
-            <a:schemeClr val="accent1"/>
-          </a:effectRef>
-          <a:fontRef idx="minor">
-            <a:schemeClr val="lt1"/>
-          </a:fontRef>
-        </p:style>
-        <p:txBody>
-          <a:bodyPr rtlCol="0" anchor="ctr"/>
-          <a:lstStyle/>
-          <a:p>
-            <a:pPr algn="ctr"/>
-            <a:endParaRPr lang="de-DE"/>
-          </a:p>
-        </p:txBody>
-      </p:sp>
-      <p:sp>
-        <p:nvSpPr>
-          <p:cNvPr id="56" name="Rechteck 55">
-            <a:extLst>
-              <a:ext uri="{FF2B5EF4-FFF2-40B4-BE49-F238E27FC236}">
-                <a16:creationId xmlns:a16="http://schemas.microsoft.com/office/drawing/2014/main" id="{D75863B0-FDC4-4B89-A9C7-85128CEB66A7}"/>
-              </a:ext>
-            </a:extLst>
-          </p:cNvPr>
-          <p:cNvSpPr/>
-          <p:nvPr/>
-        </p:nvSpPr>
-        <p:spPr>
-          <a:xfrm>
-            <a:off x="4061743" y="3927340"/>
-            <a:ext cx="360000" cy="360000"/>
-          </a:xfrm>
-          <a:prstGeom prst="rect">
-            <a:avLst/>
-          </a:prstGeom>
-        </p:spPr>
-        <p:style>
-          <a:lnRef idx="3">
-            <a:schemeClr val="lt1"/>
-          </a:lnRef>
-          <a:fillRef idx="1">
-            <a:schemeClr val="accent6"/>
-          </a:fillRef>
-          <a:effectRef idx="1">
-            <a:schemeClr val="accent6"/>
-          </a:effectRef>
-          <a:fontRef idx="minor">
-            <a:schemeClr val="lt1"/>
-          </a:fontRef>
-        </p:style>
-        <p:txBody>
-          <a:bodyPr rtlCol="0" anchor="ctr"/>
-          <a:lstStyle/>
-          <a:p>
-            <a:pPr algn="ctr"/>
-            <a:r>
-              <a:rPr lang="de-DE" dirty="0"/>
-              <a:t>1</a:t>
-            </a:r>
-          </a:p>
-        </p:txBody>
-      </p:sp>
-      <p:sp>
-        <p:nvSpPr>
-          <p:cNvPr id="57" name="Rechteck 56">
-            <a:extLst>
-              <a:ext uri="{FF2B5EF4-FFF2-40B4-BE49-F238E27FC236}">
-                <a16:creationId xmlns:a16="http://schemas.microsoft.com/office/drawing/2014/main" id="{560DC5B1-C89D-4860-89F0-6E0B2E4F03E7}"/>
-              </a:ext>
-            </a:extLst>
-          </p:cNvPr>
-          <p:cNvSpPr/>
-          <p:nvPr/>
-        </p:nvSpPr>
-        <p:spPr>
-          <a:xfrm>
-            <a:off x="4421743" y="3927340"/>
-            <a:ext cx="360000" cy="360000"/>
-          </a:xfrm>
-          <a:prstGeom prst="rect">
-            <a:avLst/>
-          </a:prstGeom>
-        </p:spPr>
-        <p:style>
-          <a:lnRef idx="3">
-            <a:schemeClr val="lt1"/>
-          </a:lnRef>
-          <a:fillRef idx="1">
-            <a:schemeClr val="accent6"/>
-          </a:fillRef>
-          <a:effectRef idx="1">
-            <a:schemeClr val="accent6"/>
-          </a:effectRef>
-          <a:fontRef idx="minor">
-            <a:schemeClr val="lt1"/>
-          </a:fontRef>
-        </p:style>
-        <p:txBody>
-          <a:bodyPr rtlCol="0" anchor="ctr"/>
-          <a:lstStyle/>
-          <a:p>
-            <a:pPr algn="ctr"/>
-            <a:r>
-              <a:rPr lang="de-DE" dirty="0"/>
-              <a:t>2</a:t>
-            </a:r>
-          </a:p>
-        </p:txBody>
-      </p:sp>
-      <p:sp>
-        <p:nvSpPr>
-          <p:cNvPr id="58" name="Rechteck 57">
-            <a:extLst>
-              <a:ext uri="{FF2B5EF4-FFF2-40B4-BE49-F238E27FC236}">
-                <a16:creationId xmlns:a16="http://schemas.microsoft.com/office/drawing/2014/main" id="{7002B078-91CB-42B7-923A-0CF1A69287A8}"/>
-              </a:ext>
-            </a:extLst>
-          </p:cNvPr>
-          <p:cNvSpPr/>
-          <p:nvPr/>
-        </p:nvSpPr>
-        <p:spPr>
-          <a:xfrm>
-            <a:off x="4781743" y="3927340"/>
-            <a:ext cx="360000" cy="360000"/>
-          </a:xfrm>
-          <a:prstGeom prst="rect">
-            <a:avLst/>
-          </a:prstGeom>
-        </p:spPr>
-        <p:style>
-          <a:lnRef idx="3">
-            <a:schemeClr val="lt1"/>
-          </a:lnRef>
-          <a:fillRef idx="1">
-            <a:schemeClr val="accent6"/>
-          </a:fillRef>
-          <a:effectRef idx="1">
-            <a:schemeClr val="accent6"/>
-          </a:effectRef>
-          <a:fontRef idx="minor">
-            <a:schemeClr val="lt1"/>
-          </a:fontRef>
-        </p:style>
-        <p:txBody>
-          <a:bodyPr rtlCol="0" anchor="ctr"/>
-          <a:lstStyle/>
-          <a:p>
-            <a:pPr algn="ctr"/>
-            <a:r>
-              <a:rPr lang="de-DE" dirty="0"/>
-              <a:t>3</a:t>
-            </a:r>
-          </a:p>
-        </p:txBody>
-      </p:sp>
-      <p:sp>
-        <p:nvSpPr>
-          <p:cNvPr id="59" name="Rechteck 58">
-            <a:extLst>
-              <a:ext uri="{FF2B5EF4-FFF2-40B4-BE49-F238E27FC236}">
-                <a16:creationId xmlns:a16="http://schemas.microsoft.com/office/drawing/2014/main" id="{60829A2A-EB6B-4E2B-9AEA-3CDA6EDA19AF}"/>
-              </a:ext>
-            </a:extLst>
-          </p:cNvPr>
-          <p:cNvSpPr/>
-          <p:nvPr/>
-        </p:nvSpPr>
-        <p:spPr>
-          <a:xfrm>
-            <a:off x="4061743" y="4287340"/>
-            <a:ext cx="360000" cy="360000"/>
-          </a:xfrm>
-          <a:prstGeom prst="rect">
-            <a:avLst/>
-          </a:prstGeom>
-        </p:spPr>
-        <p:style>
-          <a:lnRef idx="3">
-            <a:schemeClr val="lt1"/>
-          </a:lnRef>
-          <a:fillRef idx="1">
-            <a:schemeClr val="accent6"/>
-          </a:fillRef>
-          <a:effectRef idx="1">
-            <a:schemeClr val="accent6"/>
-          </a:effectRef>
-          <a:fontRef idx="minor">
-            <a:schemeClr val="lt1"/>
-          </a:fontRef>
-        </p:style>
-        <p:txBody>
-          <a:bodyPr rtlCol="0" anchor="ctr"/>
-          <a:lstStyle/>
-          <a:p>
-            <a:pPr algn="ctr"/>
-            <a:r>
-              <a:rPr lang="de-DE" dirty="0"/>
-              <a:t>4</a:t>
-            </a:r>
-          </a:p>
-        </p:txBody>
-      </p:sp>
-      <p:sp>
-        <p:nvSpPr>
-          <p:cNvPr id="60" name="Rechteck 59">
-            <a:extLst>
-              <a:ext uri="{FF2B5EF4-FFF2-40B4-BE49-F238E27FC236}">
-                <a16:creationId xmlns:a16="http://schemas.microsoft.com/office/drawing/2014/main" id="{AFA49628-9824-44C2-8999-7BE0B5163FA4}"/>
-              </a:ext>
-            </a:extLst>
-          </p:cNvPr>
-          <p:cNvSpPr/>
-          <p:nvPr/>
-        </p:nvSpPr>
-        <p:spPr>
-          <a:xfrm>
-            <a:off x="4421743" y="4287340"/>
-            <a:ext cx="360000" cy="360000"/>
-          </a:xfrm>
-          <a:prstGeom prst="rect">
-            <a:avLst/>
-          </a:prstGeom>
-        </p:spPr>
-        <p:style>
-          <a:lnRef idx="3">
-            <a:schemeClr val="lt1"/>
-          </a:lnRef>
-          <a:fillRef idx="1">
-            <a:schemeClr val="accent6"/>
-          </a:fillRef>
-          <a:effectRef idx="1">
-            <a:schemeClr val="accent6"/>
-          </a:effectRef>
-          <a:fontRef idx="minor">
-            <a:schemeClr val="lt1"/>
-          </a:fontRef>
-        </p:style>
-        <p:txBody>
-          <a:bodyPr rtlCol="0" anchor="ctr"/>
-          <a:lstStyle/>
-          <a:p>
-            <a:pPr algn="ctr"/>
-            <a:r>
-              <a:rPr lang="de-DE" dirty="0"/>
-              <a:t>5</a:t>
-            </a:r>
-          </a:p>
-        </p:txBody>
-      </p:sp>
-      <p:sp>
-        <p:nvSpPr>
-          <p:cNvPr id="61" name="Rechteck 60">
-            <a:extLst>
-              <a:ext uri="{FF2B5EF4-FFF2-40B4-BE49-F238E27FC236}">
-                <a16:creationId xmlns:a16="http://schemas.microsoft.com/office/drawing/2014/main" id="{AF146341-7308-446B-B2B2-820DF37E5FA0}"/>
-              </a:ext>
-            </a:extLst>
-          </p:cNvPr>
-          <p:cNvSpPr/>
-          <p:nvPr/>
-        </p:nvSpPr>
-        <p:spPr>
-          <a:xfrm>
-            <a:off x="4781743" y="4287340"/>
-            <a:ext cx="360000" cy="360000"/>
-          </a:xfrm>
-          <a:prstGeom prst="rect">
-            <a:avLst/>
-          </a:prstGeom>
-        </p:spPr>
-        <p:style>
-          <a:lnRef idx="3">
-            <a:schemeClr val="lt1"/>
-          </a:lnRef>
-          <a:fillRef idx="1">
-            <a:schemeClr val="accent6"/>
-          </a:fillRef>
-          <a:effectRef idx="1">
-            <a:schemeClr val="accent6"/>
-          </a:effectRef>
-          <a:fontRef idx="minor">
-            <a:schemeClr val="lt1"/>
-          </a:fontRef>
-        </p:style>
-        <p:txBody>
-          <a:bodyPr rtlCol="0" anchor="ctr"/>
-          <a:lstStyle/>
-          <a:p>
-            <a:pPr algn="ctr"/>
-            <a:r>
-              <a:rPr lang="de-DE" dirty="0"/>
-              <a:t>6</a:t>
-            </a:r>
-          </a:p>
-        </p:txBody>
-      </p:sp>
-      <p:sp>
-        <p:nvSpPr>
-          <p:cNvPr id="62" name="Rechteck 61">
-            <a:extLst>
-              <a:ext uri="{FF2B5EF4-FFF2-40B4-BE49-F238E27FC236}">
-                <a16:creationId xmlns:a16="http://schemas.microsoft.com/office/drawing/2014/main" id="{725C3D55-2D30-4056-BC96-FA99A17AAB63}"/>
-              </a:ext>
-            </a:extLst>
-          </p:cNvPr>
-          <p:cNvSpPr/>
-          <p:nvPr/>
-        </p:nvSpPr>
-        <p:spPr>
-          <a:xfrm>
-            <a:off x="4061743" y="4645390"/>
-            <a:ext cx="360000" cy="360000"/>
-          </a:xfrm>
-          <a:prstGeom prst="rect">
-            <a:avLst/>
-          </a:prstGeom>
-        </p:spPr>
-        <p:style>
-          <a:lnRef idx="3">
-            <a:schemeClr val="lt1"/>
-          </a:lnRef>
-          <a:fillRef idx="1">
-            <a:schemeClr val="accent6"/>
-          </a:fillRef>
-          <a:effectRef idx="1">
-            <a:schemeClr val="accent6"/>
-          </a:effectRef>
-          <a:fontRef idx="minor">
-            <a:schemeClr val="lt1"/>
-          </a:fontRef>
-        </p:style>
-        <p:txBody>
-          <a:bodyPr rtlCol="0" anchor="ctr"/>
-          <a:lstStyle/>
-          <a:p>
-            <a:pPr algn="ctr"/>
-            <a:r>
-              <a:rPr lang="de-DE" dirty="0"/>
-              <a:t>7</a:t>
-            </a:r>
-          </a:p>
-        </p:txBody>
-      </p:sp>
-      <p:sp>
-        <p:nvSpPr>
-          <p:cNvPr id="63" name="Rechteck 62">
-            <a:extLst>
-              <a:ext uri="{FF2B5EF4-FFF2-40B4-BE49-F238E27FC236}">
-                <a16:creationId xmlns:a16="http://schemas.microsoft.com/office/drawing/2014/main" id="{90628AB2-AE9F-4F85-BDE8-FDF466EC7AD4}"/>
-              </a:ext>
-            </a:extLst>
-          </p:cNvPr>
-          <p:cNvSpPr/>
-          <p:nvPr/>
-        </p:nvSpPr>
-        <p:spPr>
-          <a:xfrm>
-            <a:off x="4421743" y="4645390"/>
-            <a:ext cx="360000" cy="360000"/>
-          </a:xfrm>
-          <a:prstGeom prst="rect">
-            <a:avLst/>
-          </a:prstGeom>
-        </p:spPr>
-        <p:style>
-          <a:lnRef idx="3">
-            <a:schemeClr val="lt1"/>
-          </a:lnRef>
-          <a:fillRef idx="1">
-            <a:schemeClr val="accent6"/>
-          </a:fillRef>
-          <a:effectRef idx="1">
-            <a:schemeClr val="accent6"/>
-          </a:effectRef>
-          <a:fontRef idx="minor">
-            <a:schemeClr val="lt1"/>
-          </a:fontRef>
-        </p:style>
-        <p:txBody>
-          <a:bodyPr rtlCol="0" anchor="ctr"/>
-          <a:lstStyle/>
-          <a:p>
-            <a:pPr algn="ctr"/>
-            <a:r>
-              <a:rPr lang="de-DE" dirty="0"/>
-              <a:t>8</a:t>
-            </a:r>
-          </a:p>
-        </p:txBody>
-      </p:sp>
-      <p:sp>
-        <p:nvSpPr>
-          <p:cNvPr id="64" name="Rechteck 63">
-            <a:extLst>
-              <a:ext uri="{FF2B5EF4-FFF2-40B4-BE49-F238E27FC236}">
-                <a16:creationId xmlns:a16="http://schemas.microsoft.com/office/drawing/2014/main" id="{DE09CD03-0622-4A3F-B337-D5FDDA558E1D}"/>
-              </a:ext>
-            </a:extLst>
-          </p:cNvPr>
-          <p:cNvSpPr/>
-          <p:nvPr/>
-        </p:nvSpPr>
-        <p:spPr>
-          <a:xfrm>
-            <a:off x="4781743" y="4645390"/>
-            <a:ext cx="360000" cy="360000"/>
-          </a:xfrm>
-          <a:prstGeom prst="rect">
-            <a:avLst/>
-          </a:prstGeom>
-        </p:spPr>
-        <p:style>
-          <a:lnRef idx="3">
-            <a:schemeClr val="lt1"/>
-          </a:lnRef>
-          <a:fillRef idx="1">
-            <a:schemeClr val="accent6"/>
-          </a:fillRef>
-          <a:effectRef idx="1">
-            <a:schemeClr val="accent6"/>
-          </a:effectRef>
-          <a:fontRef idx="minor">
-            <a:schemeClr val="lt1"/>
-          </a:fontRef>
-        </p:style>
-        <p:txBody>
-          <a:bodyPr rtlCol="0" anchor="ctr"/>
-          <a:lstStyle/>
-          <a:p>
-            <a:pPr algn="ctr"/>
-            <a:r>
-              <a:rPr lang="de-DE" dirty="0"/>
-              <a:t>9</a:t>
-            </a:r>
-          </a:p>
-        </p:txBody>
-      </p:sp>
-      <p:sp>
-        <p:nvSpPr>
-          <p:cNvPr id="65" name="Rechteck 64">
-            <a:extLst>
-              <a:ext uri="{FF2B5EF4-FFF2-40B4-BE49-F238E27FC236}">
-                <a16:creationId xmlns:a16="http://schemas.microsoft.com/office/drawing/2014/main" id="{E7A6BB30-24F4-46A3-8159-76E6A58ADF2F}"/>
-              </a:ext>
-            </a:extLst>
-          </p:cNvPr>
-          <p:cNvSpPr/>
-          <p:nvPr/>
-        </p:nvSpPr>
-        <p:spPr>
-          <a:xfrm>
-            <a:off x="4061743" y="5003440"/>
-            <a:ext cx="360000" cy="360000"/>
-          </a:xfrm>
-          <a:prstGeom prst="rect">
-            <a:avLst/>
-          </a:prstGeom>
-        </p:spPr>
-        <p:style>
-          <a:lnRef idx="3">
-            <a:schemeClr val="lt1"/>
-          </a:lnRef>
-          <a:fillRef idx="1">
-            <a:schemeClr val="accent6"/>
-          </a:fillRef>
-          <a:effectRef idx="1">
-            <a:schemeClr val="accent6"/>
-          </a:effectRef>
-          <a:fontRef idx="minor">
-            <a:schemeClr val="lt1"/>
-          </a:fontRef>
-        </p:style>
-        <p:txBody>
-          <a:bodyPr rtlCol="0" anchor="ctr"/>
-          <a:lstStyle/>
-          <a:p>
-            <a:pPr algn="ctr"/>
-            <a:r>
-              <a:rPr lang="de-DE" dirty="0"/>
-              <a:t>L</a:t>
-            </a:r>
-          </a:p>
-        </p:txBody>
-      </p:sp>
-      <p:sp>
-        <p:nvSpPr>
-          <p:cNvPr id="66" name="Rechteck 65">
-            <a:extLst>
-              <a:ext uri="{FF2B5EF4-FFF2-40B4-BE49-F238E27FC236}">
-                <a16:creationId xmlns:a16="http://schemas.microsoft.com/office/drawing/2014/main" id="{7414911E-4938-4B76-A928-CED91AB6BFEB}"/>
-              </a:ext>
-            </a:extLst>
-          </p:cNvPr>
-          <p:cNvSpPr/>
-          <p:nvPr/>
-        </p:nvSpPr>
-        <p:spPr>
-          <a:xfrm>
-            <a:off x="4421743" y="5003440"/>
-            <a:ext cx="360000" cy="360000"/>
-          </a:xfrm>
-          <a:prstGeom prst="rect">
-            <a:avLst/>
-          </a:prstGeom>
-        </p:spPr>
-        <p:style>
-          <a:lnRef idx="3">
-            <a:schemeClr val="lt1"/>
-          </a:lnRef>
-          <a:fillRef idx="1">
-            <a:schemeClr val="accent6"/>
-          </a:fillRef>
-          <a:effectRef idx="1">
-            <a:schemeClr val="accent6"/>
-          </a:effectRef>
-          <a:fontRef idx="minor">
-            <a:schemeClr val="lt1"/>
-          </a:fontRef>
-        </p:style>
-        <p:txBody>
-          <a:bodyPr rtlCol="0" anchor="ctr"/>
-          <a:lstStyle/>
-          <a:p>
-            <a:pPr algn="ctr"/>
-            <a:r>
-              <a:rPr lang="de-DE" dirty="0"/>
-              <a:t>0</a:t>
-            </a:r>
-          </a:p>
-        </p:txBody>
-      </p:sp>
-      <p:sp>
-        <p:nvSpPr>
-          <p:cNvPr id="67" name="Rechteck 66">
-            <a:extLst>
-              <a:ext uri="{FF2B5EF4-FFF2-40B4-BE49-F238E27FC236}">
-                <a16:creationId xmlns:a16="http://schemas.microsoft.com/office/drawing/2014/main" id="{B33007E0-7FB2-4C8A-AAB8-76C732200BBA}"/>
-              </a:ext>
-            </a:extLst>
-          </p:cNvPr>
-          <p:cNvSpPr/>
-          <p:nvPr/>
-        </p:nvSpPr>
-        <p:spPr>
-          <a:xfrm>
-            <a:off x="4781743" y="5003440"/>
-            <a:ext cx="360000" cy="360000"/>
-          </a:xfrm>
-          <a:prstGeom prst="rect">
-            <a:avLst/>
-          </a:prstGeom>
-        </p:spPr>
-        <p:style>
-          <a:lnRef idx="3">
-            <a:schemeClr val="lt1"/>
-          </a:lnRef>
-          <a:fillRef idx="1">
-            <a:schemeClr val="accent6"/>
-          </a:fillRef>
-          <a:effectRef idx="1">
-            <a:schemeClr val="accent6"/>
-          </a:effectRef>
-          <a:fontRef idx="minor">
-            <a:schemeClr val="lt1"/>
-          </a:fontRef>
-        </p:style>
-        <p:txBody>
-          <a:bodyPr rtlCol="0" anchor="ctr"/>
-          <a:lstStyle/>
-          <a:p>
-            <a:pPr algn="ctr"/>
-            <a:r>
-              <a:rPr lang="de-DE" dirty="0"/>
-              <a:t>R</a:t>
-            </a:r>
-          </a:p>
-        </p:txBody>
-      </p:sp>
-      <p:sp>
-        <p:nvSpPr>
-          <p:cNvPr id="68" name="Rechteck 67">
-            <a:extLst>
-              <a:ext uri="{FF2B5EF4-FFF2-40B4-BE49-F238E27FC236}">
-                <a16:creationId xmlns:a16="http://schemas.microsoft.com/office/drawing/2014/main" id="{E4D6FBE6-F927-482F-92C8-8ECC64369938}"/>
-              </a:ext>
-            </a:extLst>
-          </p:cNvPr>
-          <p:cNvSpPr/>
-          <p:nvPr/>
-        </p:nvSpPr>
-        <p:spPr>
-          <a:xfrm>
-            <a:off x="5321743" y="3749506"/>
-            <a:ext cx="2160000" cy="1080000"/>
-          </a:xfrm>
-          <a:prstGeom prst="rect">
-            <a:avLst/>
-          </a:prstGeom>
-        </p:spPr>
-        <p:style>
-          <a:lnRef idx="2">
-            <a:schemeClr val="accent1">
-              <a:shade val="50000"/>
-            </a:schemeClr>
-          </a:lnRef>
-          <a:fillRef idx="1">
-            <a:schemeClr val="accent1"/>
-          </a:fillRef>
-          <a:effectRef idx="0">
-            <a:schemeClr val="accent1"/>
-          </a:effectRef>
-          <a:fontRef idx="minor">
-            <a:schemeClr val="lt1"/>
-          </a:fontRef>
-        </p:style>
-        <p:txBody>
-          <a:bodyPr rtlCol="0" anchor="ctr"/>
-          <a:lstStyle/>
-          <a:p>
-            <a:pPr algn="ctr"/>
-            <a:endParaRPr lang="de-DE" dirty="0"/>
-          </a:p>
-        </p:txBody>
-      </p:sp>
-      <p:sp>
-        <p:nvSpPr>
-          <p:cNvPr id="69" name="Rechteck 68">
-            <a:extLst>
-              <a:ext uri="{FF2B5EF4-FFF2-40B4-BE49-F238E27FC236}">
-                <a16:creationId xmlns:a16="http://schemas.microsoft.com/office/drawing/2014/main" id="{998501F2-A219-4A78-80C3-35DD7C79475C}"/>
-              </a:ext>
-            </a:extLst>
-          </p:cNvPr>
-          <p:cNvSpPr/>
-          <p:nvPr/>
-        </p:nvSpPr>
-        <p:spPr>
-          <a:xfrm>
-            <a:off x="5411743" y="3835031"/>
-            <a:ext cx="1980000" cy="900000"/>
-          </a:xfrm>
-          <a:prstGeom prst="rect">
-            <a:avLst/>
-          </a:prstGeom>
-        </p:spPr>
-        <p:style>
-          <a:lnRef idx="2">
-            <a:schemeClr val="accent6">
-              <a:shade val="50000"/>
-            </a:schemeClr>
-          </a:lnRef>
-          <a:fillRef idx="1">
-            <a:schemeClr val="accent6"/>
-          </a:fillRef>
-          <a:effectRef idx="0">
-            <a:schemeClr val="accent6"/>
-          </a:effectRef>
-          <a:fontRef idx="minor">
-            <a:schemeClr val="lt1"/>
-          </a:fontRef>
-        </p:style>
-        <p:txBody>
-          <a:bodyPr rtlCol="0" anchor="ctr"/>
-          <a:lstStyle/>
-          <a:p>
-            <a:pPr algn="ctr"/>
-            <a:r>
-              <a:rPr lang="de-DE" dirty="0"/>
-              <a:t>LCD</a:t>
-            </a:r>
-          </a:p>
-        </p:txBody>
-      </p:sp>
-      <p:sp>
-        <p:nvSpPr>
-          <p:cNvPr id="70" name="Rechteck 69">
-            <a:extLst>
-              <a:ext uri="{FF2B5EF4-FFF2-40B4-BE49-F238E27FC236}">
-                <a16:creationId xmlns:a16="http://schemas.microsoft.com/office/drawing/2014/main" id="{5F351214-2868-44B5-AFCA-7CF239D51506}"/>
-              </a:ext>
-            </a:extLst>
-          </p:cNvPr>
-          <p:cNvSpPr/>
-          <p:nvPr/>
-        </p:nvSpPr>
-        <p:spPr>
-          <a:xfrm>
-            <a:off x="6041742" y="4823440"/>
-            <a:ext cx="1440000" cy="720000"/>
-          </a:xfrm>
-          <a:prstGeom prst="rect">
-            <a:avLst/>
-          </a:prstGeom>
-        </p:spPr>
-        <p:style>
-          <a:lnRef idx="2">
-            <a:schemeClr val="accent1">
-              <a:shade val="50000"/>
-            </a:schemeClr>
-          </a:lnRef>
-          <a:fillRef idx="1">
-            <a:schemeClr val="accent1"/>
-          </a:fillRef>
-          <a:effectRef idx="0">
-            <a:schemeClr val="accent1"/>
-          </a:effectRef>
-          <a:fontRef idx="minor">
-            <a:schemeClr val="lt1"/>
-          </a:fontRef>
-        </p:style>
-        <p:txBody>
-          <a:bodyPr rtlCol="0" anchor="ctr"/>
-          <a:lstStyle/>
-          <a:p>
-            <a:pPr algn="ctr"/>
-            <a:endParaRPr lang="de-DE" dirty="0"/>
-          </a:p>
-        </p:txBody>
-      </p:sp>
-      <p:sp>
-        <p:nvSpPr>
-          <p:cNvPr id="71" name="Rechteck 70">
-            <a:extLst>
-              <a:ext uri="{FF2B5EF4-FFF2-40B4-BE49-F238E27FC236}">
-                <a16:creationId xmlns:a16="http://schemas.microsoft.com/office/drawing/2014/main" id="{0339E1DE-EE45-47EE-BE16-9FDB873025E7}"/>
-              </a:ext>
-            </a:extLst>
-          </p:cNvPr>
-          <p:cNvSpPr/>
-          <p:nvPr/>
-        </p:nvSpPr>
-        <p:spPr>
-          <a:xfrm>
-            <a:off x="6131742" y="4913440"/>
-            <a:ext cx="1260000" cy="540000"/>
-          </a:xfrm>
-          <a:prstGeom prst="rect">
-            <a:avLst/>
-          </a:prstGeom>
-        </p:spPr>
-        <p:style>
-          <a:lnRef idx="2">
-            <a:schemeClr val="accent4">
-              <a:shade val="50000"/>
-            </a:schemeClr>
-          </a:lnRef>
-          <a:fillRef idx="1">
-            <a:schemeClr val="accent4"/>
-          </a:fillRef>
-          <a:effectRef idx="0">
-            <a:schemeClr val="accent4"/>
-          </a:effectRef>
-          <a:fontRef idx="minor">
-            <a:schemeClr val="lt1"/>
-          </a:fontRef>
-        </p:style>
-        <p:txBody>
-          <a:bodyPr rtlCol="0" anchor="ctr"/>
-          <a:lstStyle/>
-          <a:p>
-            <a:pPr algn="ctr"/>
-            <a:r>
-              <a:rPr lang="de-DE" dirty="0"/>
-              <a:t>Batterie</a:t>
-            </a:r>
-          </a:p>
-        </p:txBody>
-      </p:sp>
-      <p:sp>
-        <p:nvSpPr>
-          <p:cNvPr id="72" name="Rechteck 71">
-            <a:extLst>
-              <a:ext uri="{FF2B5EF4-FFF2-40B4-BE49-F238E27FC236}">
-                <a16:creationId xmlns:a16="http://schemas.microsoft.com/office/drawing/2014/main" id="{86CE1238-8EDF-4E13-B85E-0AF5571E85B6}"/>
-              </a:ext>
-            </a:extLst>
-          </p:cNvPr>
-          <p:cNvSpPr/>
-          <p:nvPr/>
-        </p:nvSpPr>
-        <p:spPr>
-          <a:xfrm>
-            <a:off x="5321744" y="4825319"/>
-            <a:ext cx="720000" cy="360000"/>
-          </a:xfrm>
-          <a:prstGeom prst="rect">
-            <a:avLst/>
-          </a:prstGeom>
-        </p:spPr>
-        <p:style>
-          <a:lnRef idx="2">
-            <a:schemeClr val="accent1">
-              <a:shade val="50000"/>
-            </a:schemeClr>
-          </a:lnRef>
-          <a:fillRef idx="1">
-            <a:schemeClr val="accent1"/>
-          </a:fillRef>
-          <a:effectRef idx="0">
-            <a:schemeClr val="accent1"/>
-          </a:effectRef>
-          <a:fontRef idx="minor">
-            <a:schemeClr val="lt1"/>
-          </a:fontRef>
-        </p:style>
-        <p:txBody>
-          <a:bodyPr rtlCol="0" anchor="ctr"/>
-          <a:lstStyle/>
-          <a:p>
-            <a:pPr algn="ctr"/>
-            <a:endParaRPr lang="de-DE" dirty="0"/>
-          </a:p>
-        </p:txBody>
-      </p:sp>
-      <p:sp>
-        <p:nvSpPr>
-          <p:cNvPr id="73" name="Rechteck 72">
-            <a:extLst>
-              <a:ext uri="{FF2B5EF4-FFF2-40B4-BE49-F238E27FC236}">
-                <a16:creationId xmlns:a16="http://schemas.microsoft.com/office/drawing/2014/main" id="{388A062E-4E3A-422F-A55C-7CABF3A34398}"/>
-              </a:ext>
-            </a:extLst>
-          </p:cNvPr>
-          <p:cNvSpPr/>
-          <p:nvPr/>
-        </p:nvSpPr>
-        <p:spPr>
-          <a:xfrm>
-            <a:off x="5321743" y="5183440"/>
-            <a:ext cx="720000" cy="360000"/>
-          </a:xfrm>
-          <a:prstGeom prst="rect">
-            <a:avLst/>
-          </a:prstGeom>
-        </p:spPr>
-        <p:style>
-          <a:lnRef idx="2">
-            <a:schemeClr val="accent1">
-              <a:shade val="50000"/>
-            </a:schemeClr>
-          </a:lnRef>
-          <a:fillRef idx="1">
-            <a:schemeClr val="accent1"/>
-          </a:fillRef>
-          <a:effectRef idx="0">
-            <a:schemeClr val="accent1"/>
-          </a:effectRef>
-          <a:fontRef idx="minor">
-            <a:schemeClr val="lt1"/>
-          </a:fontRef>
-        </p:style>
-        <p:txBody>
-          <a:bodyPr rtlCol="0" anchor="ctr"/>
-          <a:lstStyle/>
-          <a:p>
-            <a:pPr algn="ctr"/>
-            <a:endParaRPr lang="de-DE" dirty="0"/>
-          </a:p>
-        </p:txBody>
-      </p:sp>
-      <p:sp>
-        <p:nvSpPr>
-          <p:cNvPr id="74" name="Rechteck 73">
-            <a:extLst>
-              <a:ext uri="{FF2B5EF4-FFF2-40B4-BE49-F238E27FC236}">
-                <a16:creationId xmlns:a16="http://schemas.microsoft.com/office/drawing/2014/main" id="{AC46D2B2-2C3C-41C2-B2E5-25B9EA2E5697}"/>
-              </a:ext>
-            </a:extLst>
-          </p:cNvPr>
-          <p:cNvSpPr/>
-          <p:nvPr/>
-        </p:nvSpPr>
-        <p:spPr>
-          <a:xfrm>
-            <a:off x="5516479" y="4862587"/>
-            <a:ext cx="360000" cy="270000"/>
-          </a:xfrm>
-          <a:prstGeom prst="rect">
-            <a:avLst/>
-          </a:prstGeom>
-        </p:spPr>
-        <p:style>
-          <a:lnRef idx="2">
-            <a:schemeClr val="accent6">
-              <a:shade val="50000"/>
-            </a:schemeClr>
-          </a:lnRef>
-          <a:fillRef idx="1">
-            <a:schemeClr val="accent6"/>
-          </a:fillRef>
-          <a:effectRef idx="0">
-            <a:schemeClr val="accent6"/>
-          </a:effectRef>
-          <a:fontRef idx="minor">
-            <a:schemeClr val="lt1"/>
-          </a:fontRef>
-        </p:style>
-        <p:txBody>
-          <a:bodyPr rtlCol="0" anchor="ctr"/>
-          <a:lstStyle/>
-          <a:p>
-            <a:pPr algn="ctr"/>
-            <a:endParaRPr lang="de-DE" dirty="0"/>
-          </a:p>
-        </p:txBody>
-      </p:sp>
-      <p:sp>
-        <p:nvSpPr>
-          <p:cNvPr id="75" name="Ellipse 74">
-            <a:extLst>
-              <a:ext uri="{FF2B5EF4-FFF2-40B4-BE49-F238E27FC236}">
-                <a16:creationId xmlns:a16="http://schemas.microsoft.com/office/drawing/2014/main" id="{4CAFAEB6-1129-484C-98DD-DC431E697C79}"/>
-              </a:ext>
-            </a:extLst>
-          </p:cNvPr>
-          <p:cNvSpPr/>
-          <p:nvPr/>
-        </p:nvSpPr>
-        <p:spPr>
-          <a:xfrm>
-            <a:off x="5606479" y="4908965"/>
-            <a:ext cx="180000" cy="180000"/>
-          </a:xfrm>
-          <a:prstGeom prst="ellipse">
-            <a:avLst/>
-          </a:prstGeom>
-        </p:spPr>
-        <p:style>
-          <a:lnRef idx="2">
-            <a:schemeClr val="accent1">
-              <a:shade val="50000"/>
-            </a:schemeClr>
-          </a:lnRef>
-          <a:fillRef idx="1">
-            <a:schemeClr val="accent1"/>
-          </a:fillRef>
-          <a:effectRef idx="0">
-            <a:schemeClr val="accent1"/>
-          </a:effectRef>
-          <a:fontRef idx="minor">
-            <a:schemeClr val="lt1"/>
-          </a:fontRef>
-        </p:style>
-        <p:txBody>
-          <a:bodyPr rtlCol="0" anchor="ctr"/>
-          <a:lstStyle/>
-          <a:p>
-            <a:pPr algn="ctr"/>
-            <a:endParaRPr lang="de-DE"/>
-          </a:p>
-        </p:txBody>
-      </p:sp>
-      <p:sp>
-        <p:nvSpPr>
-          <p:cNvPr id="76" name="Rechteck 75">
-            <a:extLst>
-              <a:ext uri="{FF2B5EF4-FFF2-40B4-BE49-F238E27FC236}">
-                <a16:creationId xmlns:a16="http://schemas.microsoft.com/office/drawing/2014/main" id="{684D740A-DE05-4732-9054-1A4278FD27FF}"/>
-              </a:ext>
-            </a:extLst>
-          </p:cNvPr>
-          <p:cNvSpPr/>
-          <p:nvPr/>
-        </p:nvSpPr>
-        <p:spPr>
-          <a:xfrm>
-            <a:off x="5391537" y="5228440"/>
-            <a:ext cx="560205" cy="270000"/>
-          </a:xfrm>
-          <a:prstGeom prst="rect">
-            <a:avLst/>
-          </a:prstGeom>
-        </p:spPr>
-        <p:style>
-          <a:lnRef idx="2">
-            <a:schemeClr val="accent6">
-              <a:shade val="50000"/>
-            </a:schemeClr>
-          </a:lnRef>
-          <a:fillRef idx="1">
-            <a:schemeClr val="accent6"/>
-          </a:fillRef>
-          <a:effectRef idx="0">
-            <a:schemeClr val="accent6"/>
-          </a:effectRef>
-          <a:fontRef idx="minor">
-            <a:schemeClr val="lt1"/>
-          </a:fontRef>
-        </p:style>
-        <p:txBody>
-          <a:bodyPr rtlCol="0" anchor="ctr"/>
-          <a:lstStyle/>
-          <a:p>
-            <a:pPr algn="ctr"/>
-            <a:endParaRPr lang="de-DE" dirty="0"/>
-          </a:p>
-        </p:txBody>
-      </p:sp>
-      <p:sp>
-        <p:nvSpPr>
-          <p:cNvPr id="77" name="Rechteck 76">
-            <a:extLst>
-              <a:ext uri="{FF2B5EF4-FFF2-40B4-BE49-F238E27FC236}">
-                <a16:creationId xmlns:a16="http://schemas.microsoft.com/office/drawing/2014/main" id="{F8C69B6D-4A3A-408F-91D3-C5D2C6D22F5C}"/>
-              </a:ext>
-            </a:extLst>
-          </p:cNvPr>
-          <p:cNvSpPr/>
-          <p:nvPr/>
-        </p:nvSpPr>
-        <p:spPr>
-          <a:xfrm>
-            <a:off x="5645160" y="5261830"/>
-            <a:ext cx="102637" cy="181069"/>
-          </a:xfrm>
-          <a:prstGeom prst="rect">
-            <a:avLst/>
-          </a:prstGeom>
-        </p:spPr>
-        <p:style>
-          <a:lnRef idx="2">
-            <a:schemeClr val="dk1">
-              <a:shade val="50000"/>
-            </a:schemeClr>
-          </a:lnRef>
-          <a:fillRef idx="1">
-            <a:schemeClr val="dk1"/>
-          </a:fillRef>
-          <a:effectRef idx="0">
-            <a:schemeClr val="dk1"/>
-          </a:effectRef>
-          <a:fontRef idx="minor">
-            <a:schemeClr val="lt1"/>
-          </a:fontRef>
-        </p:style>
-        <p:txBody>
-          <a:bodyPr rtlCol="0" anchor="ctr"/>
-          <a:lstStyle/>
-          <a:p>
-            <a:pPr algn="ctr"/>
-            <a:endParaRPr lang="de-DE"/>
-          </a:p>
-        </p:txBody>
-      </p:sp>
-      <p:sp>
-        <p:nvSpPr>
-          <p:cNvPr id="78" name="Rechteck 77">
-            <a:extLst>
-              <a:ext uri="{FF2B5EF4-FFF2-40B4-BE49-F238E27FC236}">
-                <a16:creationId xmlns:a16="http://schemas.microsoft.com/office/drawing/2014/main" id="{0BF5D9AD-4FCF-4EE2-92F8-664D1821E23F}"/>
-              </a:ext>
-            </a:extLst>
-          </p:cNvPr>
-          <p:cNvSpPr/>
-          <p:nvPr/>
-        </p:nvSpPr>
-        <p:spPr>
-          <a:xfrm>
-            <a:off x="4678052" y="1065086"/>
-            <a:ext cx="1800000" cy="360000"/>
-          </a:xfrm>
-          <a:prstGeom prst="rect">
-            <a:avLst/>
-          </a:prstGeom>
-        </p:spPr>
-        <p:style>
-          <a:lnRef idx="2">
-            <a:schemeClr val="accent1">
-              <a:shade val="50000"/>
-            </a:schemeClr>
-          </a:lnRef>
-          <a:fillRef idx="1">
-            <a:schemeClr val="accent1"/>
-          </a:fillRef>
-          <a:effectRef idx="0">
-            <a:schemeClr val="accent1"/>
-          </a:effectRef>
-          <a:fontRef idx="minor">
-            <a:schemeClr val="lt1"/>
-          </a:fontRef>
-        </p:style>
-        <p:txBody>
-          <a:bodyPr rtlCol="0" anchor="ctr"/>
-          <a:lstStyle/>
-          <a:p>
-            <a:pPr algn="ctr"/>
-            <a:r>
-              <a:rPr lang="de-DE" dirty="0"/>
-              <a:t>Response LED</a:t>
-            </a:r>
-          </a:p>
-        </p:txBody>
-      </p:sp>
-      <p:sp>
-        <p:nvSpPr>
-          <p:cNvPr id="79" name="Rechteck 78">
-            <a:extLst>
-              <a:ext uri="{FF2B5EF4-FFF2-40B4-BE49-F238E27FC236}">
-                <a16:creationId xmlns:a16="http://schemas.microsoft.com/office/drawing/2014/main" id="{86CC4239-48E7-4B23-98FE-FDDC8A7A3B76}"/>
-              </a:ext>
-            </a:extLst>
-          </p:cNvPr>
-          <p:cNvSpPr/>
-          <p:nvPr/>
-        </p:nvSpPr>
-        <p:spPr>
-          <a:xfrm>
-            <a:off x="4678052" y="1430604"/>
-            <a:ext cx="1800000" cy="360000"/>
-          </a:xfrm>
-          <a:prstGeom prst="rect">
-            <a:avLst/>
-          </a:prstGeom>
-        </p:spPr>
-        <p:style>
-          <a:lnRef idx="2">
-            <a:schemeClr val="accent1">
-              <a:shade val="50000"/>
-            </a:schemeClr>
-          </a:lnRef>
-          <a:fillRef idx="1">
-            <a:schemeClr val="accent1"/>
-          </a:fillRef>
-          <a:effectRef idx="0">
-            <a:schemeClr val="accent1"/>
-          </a:effectRef>
-          <a:fontRef idx="minor">
-            <a:schemeClr val="lt1"/>
-          </a:fontRef>
-        </p:style>
-        <p:txBody>
-          <a:bodyPr rtlCol="0" anchor="ctr"/>
-          <a:lstStyle/>
-          <a:p>
-            <a:pPr algn="ctr"/>
-            <a:r>
-              <a:rPr lang="de-DE" sz="1600" dirty="0" err="1"/>
-              <a:t>No</a:t>
-            </a:r>
-            <a:r>
-              <a:rPr lang="de-DE" sz="1600" dirty="0"/>
-              <a:t> Response LED</a:t>
-            </a:r>
-          </a:p>
-        </p:txBody>
-      </p:sp>
-      <p:cxnSp>
-        <p:nvCxnSpPr>
-          <p:cNvPr id="80" name="Verbinder: gewinkelt 79">
-            <a:extLst>
-              <a:ext uri="{FF2B5EF4-FFF2-40B4-BE49-F238E27FC236}">
-                <a16:creationId xmlns:a16="http://schemas.microsoft.com/office/drawing/2014/main" id="{1E596B19-8C12-4103-A936-32031EE0BFB2}"/>
-              </a:ext>
-            </a:extLst>
-          </p:cNvPr>
-          <p:cNvCxnSpPr>
-            <a:stCxn id="79" idx="1"/>
-            <a:endCxn id="47" idx="0"/>
-          </p:cNvCxnSpPr>
-          <p:nvPr/>
-        </p:nvCxnSpPr>
-        <p:spPr>
-          <a:xfrm rot="10800000" flipV="1">
-            <a:off x="4383178" y="1610603"/>
-            <a:ext cx="294875" cy="828631"/>
-          </a:xfrm>
-          <a:prstGeom prst="bentConnector2">
-            <a:avLst/>
-          </a:prstGeom>
-          <a:ln w="25400">
-            <a:tailEnd type="triangle"/>
-          </a:ln>
-        </p:spPr>
-        <p:style>
-          <a:lnRef idx="1">
-            <a:schemeClr val="accent5"/>
-          </a:lnRef>
-          <a:fillRef idx="0">
-            <a:schemeClr val="accent5"/>
-          </a:fillRef>
-          <a:effectRef idx="0">
-            <a:schemeClr val="accent5"/>
-          </a:effectRef>
-          <a:fontRef idx="minor">
-            <a:schemeClr val="tx1"/>
-          </a:fontRef>
-        </p:style>
-      </p:cxnSp>
-      <p:cxnSp>
-        <p:nvCxnSpPr>
-          <p:cNvPr id="81" name="Verbinder: gewinkelt 80">
-            <a:extLst>
-              <a:ext uri="{FF2B5EF4-FFF2-40B4-BE49-F238E27FC236}">
-                <a16:creationId xmlns:a16="http://schemas.microsoft.com/office/drawing/2014/main" id="{E5D48EE0-1FFB-422F-9678-8E2B1514E390}"/>
-              </a:ext>
-            </a:extLst>
-          </p:cNvPr>
-          <p:cNvCxnSpPr>
-            <a:stCxn id="78" idx="1"/>
-            <a:endCxn id="43" idx="0"/>
-          </p:cNvCxnSpPr>
-          <p:nvPr/>
-        </p:nvCxnSpPr>
-        <p:spPr>
-          <a:xfrm rot="10800000" flipV="1">
-            <a:off x="4074612" y="1245085"/>
-            <a:ext cx="603441" cy="1194149"/>
-          </a:xfrm>
-          <a:prstGeom prst="bentConnector2">
-            <a:avLst/>
-          </a:prstGeom>
-          <a:ln w="25400">
-            <a:tailEnd type="triangle"/>
-          </a:ln>
-        </p:spPr>
-        <p:style>
-          <a:lnRef idx="1">
-            <a:schemeClr val="accent2"/>
-          </a:lnRef>
-          <a:fillRef idx="0">
-            <a:schemeClr val="accent2"/>
-          </a:fillRef>
-          <a:effectRef idx="0">
-            <a:schemeClr val="accent2"/>
-          </a:effectRef>
-          <a:fontRef idx="minor">
-            <a:schemeClr val="tx1"/>
-          </a:fontRef>
-        </p:style>
-      </p:cxnSp>
-      <p:sp>
-        <p:nvSpPr>
-          <p:cNvPr id="82" name="Rechteck 81">
-            <a:extLst>
-              <a:ext uri="{FF2B5EF4-FFF2-40B4-BE49-F238E27FC236}">
-                <a16:creationId xmlns:a16="http://schemas.microsoft.com/office/drawing/2014/main" id="{C71CF914-299B-4D91-95F0-5C778DCD2B7B}"/>
-              </a:ext>
-            </a:extLst>
-          </p:cNvPr>
-          <p:cNvSpPr/>
-          <p:nvPr/>
-        </p:nvSpPr>
-        <p:spPr>
-          <a:xfrm>
-            <a:off x="7492629" y="1196500"/>
-            <a:ext cx="1800000" cy="594103"/>
-          </a:xfrm>
-          <a:prstGeom prst="rect">
-            <a:avLst/>
-          </a:prstGeom>
-        </p:spPr>
-        <p:style>
-          <a:lnRef idx="2">
-            <a:schemeClr val="accent1">
-              <a:shade val="50000"/>
-            </a:schemeClr>
-          </a:lnRef>
-          <a:fillRef idx="1">
-            <a:schemeClr val="accent1"/>
-          </a:fillRef>
-          <a:effectRef idx="0">
-            <a:schemeClr val="accent1"/>
-          </a:effectRef>
-          <a:fontRef idx="minor">
-            <a:schemeClr val="lt1"/>
-          </a:fontRef>
-        </p:style>
-        <p:txBody>
-          <a:bodyPr rtlCol="0" anchor="ctr"/>
-          <a:lstStyle/>
-          <a:p>
-            <a:pPr algn="ctr"/>
-            <a:r>
-              <a:rPr lang="de-DE" dirty="0"/>
-              <a:t>Paper Insert IP List</a:t>
-            </a:r>
-          </a:p>
-        </p:txBody>
-      </p:sp>
-      <p:cxnSp>
-        <p:nvCxnSpPr>
-          <p:cNvPr id="83" name="Verbinder: gewinkelt 82">
-            <a:extLst>
-              <a:ext uri="{FF2B5EF4-FFF2-40B4-BE49-F238E27FC236}">
-                <a16:creationId xmlns:a16="http://schemas.microsoft.com/office/drawing/2014/main" id="{585014ED-CD97-4551-B880-CA71D0BBCE4D}"/>
-              </a:ext>
-            </a:extLst>
-          </p:cNvPr>
-          <p:cNvCxnSpPr>
-            <a:stCxn id="82" idx="2"/>
-            <a:endCxn id="51" idx="3"/>
-          </p:cNvCxnSpPr>
-          <p:nvPr/>
-        </p:nvCxnSpPr>
-        <p:spPr>
-          <a:xfrm rot="5400000">
-            <a:off x="7590117" y="1682229"/>
-            <a:ext cx="694139" cy="910886"/>
-          </a:xfrm>
-          <a:prstGeom prst="bentConnector2">
-            <a:avLst/>
-          </a:prstGeom>
-          <a:ln w="25400">
-            <a:tailEnd type="triangle"/>
-          </a:ln>
-        </p:spPr>
-        <p:style>
-          <a:lnRef idx="1">
-            <a:schemeClr val="accent1"/>
-          </a:lnRef>
-          <a:fillRef idx="0">
-            <a:schemeClr val="accent1"/>
-          </a:fillRef>
-          <a:effectRef idx="0">
-            <a:schemeClr val="accent1"/>
-          </a:effectRef>
-          <a:fontRef idx="minor">
-            <a:schemeClr val="tx1"/>
-          </a:fontRef>
-        </p:style>
-      </p:cxnSp>
-      <p:sp>
-        <p:nvSpPr>
-          <p:cNvPr id="84" name="Rechteck 83">
-            <a:extLst>
-              <a:ext uri="{FF2B5EF4-FFF2-40B4-BE49-F238E27FC236}">
-                <a16:creationId xmlns:a16="http://schemas.microsoft.com/office/drawing/2014/main" id="{07143F94-82ED-4EE6-972A-F53926EEAC0B}"/>
-              </a:ext>
-            </a:extLst>
-          </p:cNvPr>
-          <p:cNvSpPr/>
-          <p:nvPr/>
-        </p:nvSpPr>
-        <p:spPr>
-          <a:xfrm>
-            <a:off x="7937186" y="3835031"/>
-            <a:ext cx="1800000" cy="594103"/>
-          </a:xfrm>
-          <a:prstGeom prst="rect">
-            <a:avLst/>
-          </a:prstGeom>
-        </p:spPr>
-        <p:style>
-          <a:lnRef idx="2">
-            <a:schemeClr val="accent1">
-              <a:shade val="50000"/>
-            </a:schemeClr>
-          </a:lnRef>
-          <a:fillRef idx="1">
-            <a:schemeClr val="accent1"/>
-          </a:fillRef>
-          <a:effectRef idx="0">
-            <a:schemeClr val="accent1"/>
-          </a:effectRef>
-          <a:fontRef idx="minor">
-            <a:schemeClr val="lt1"/>
-          </a:fontRef>
-        </p:style>
-        <p:txBody>
-          <a:bodyPr rtlCol="0" anchor="ctr"/>
-          <a:lstStyle/>
-          <a:p>
-            <a:pPr algn="ctr"/>
-            <a:r>
-              <a:rPr lang="de-DE" dirty="0"/>
-              <a:t>LCD </a:t>
-            </a:r>
-            <a:r>
-              <a:rPr lang="de-DE" dirty="0" err="1"/>
-              <a:t>for</a:t>
-            </a:r>
-            <a:r>
-              <a:rPr lang="de-DE" dirty="0"/>
-              <a:t> Edit- </a:t>
-            </a:r>
-            <a:r>
-              <a:rPr lang="de-DE" dirty="0" err="1"/>
-              <a:t>mode</a:t>
-            </a:r>
-            <a:r>
-              <a:rPr lang="de-DE" dirty="0"/>
-              <a:t> Output</a:t>
-            </a:r>
-          </a:p>
-        </p:txBody>
-      </p:sp>
-      <p:cxnSp>
-        <p:nvCxnSpPr>
-          <p:cNvPr id="85" name="Gerade Verbindung mit Pfeil 84">
-            <a:extLst>
-              <a:ext uri="{FF2B5EF4-FFF2-40B4-BE49-F238E27FC236}">
-                <a16:creationId xmlns:a16="http://schemas.microsoft.com/office/drawing/2014/main" id="{9B8AEBDA-7B93-4CB4-A30E-9FDE3FCD3DB8}"/>
-              </a:ext>
-            </a:extLst>
-          </p:cNvPr>
-          <p:cNvCxnSpPr>
-            <a:stCxn id="84" idx="1"/>
-            <a:endCxn id="69" idx="3"/>
-          </p:cNvCxnSpPr>
-          <p:nvPr/>
-        </p:nvCxnSpPr>
-        <p:spPr>
-          <a:xfrm flipH="1">
-            <a:off x="7391743" y="4132083"/>
-            <a:ext cx="545443" cy="0"/>
-          </a:xfrm>
-          <a:prstGeom prst="straightConnector1">
-            <a:avLst/>
-          </a:prstGeom>
-          <a:ln w="25400">
-            <a:tailEnd type="triangle"/>
-          </a:ln>
-        </p:spPr>
-        <p:style>
-          <a:lnRef idx="1">
-            <a:schemeClr val="accent3"/>
-          </a:lnRef>
-          <a:fillRef idx="0">
-            <a:schemeClr val="accent3"/>
-          </a:fillRef>
-          <a:effectRef idx="0">
-            <a:schemeClr val="accent3"/>
-          </a:effectRef>
-          <a:fontRef idx="minor">
-            <a:schemeClr val="tx1"/>
-          </a:fontRef>
-        </p:style>
-      </p:cxnSp>
-      <p:sp>
-        <p:nvSpPr>
-          <p:cNvPr id="86" name="Rechteck 85">
-            <a:extLst>
-              <a:ext uri="{FF2B5EF4-FFF2-40B4-BE49-F238E27FC236}">
-                <a16:creationId xmlns:a16="http://schemas.microsoft.com/office/drawing/2014/main" id="{C62CE730-1317-4138-A9B4-36731017043F}"/>
-              </a:ext>
-            </a:extLst>
-          </p:cNvPr>
-          <p:cNvSpPr/>
-          <p:nvPr/>
-        </p:nvSpPr>
-        <p:spPr>
-          <a:xfrm>
-            <a:off x="3583274" y="5845541"/>
-            <a:ext cx="1800000" cy="594103"/>
-          </a:xfrm>
-          <a:prstGeom prst="rect">
-            <a:avLst/>
-          </a:prstGeom>
-        </p:spPr>
-        <p:style>
-          <a:lnRef idx="2">
-            <a:schemeClr val="accent1">
-              <a:shade val="50000"/>
-            </a:schemeClr>
-          </a:lnRef>
-          <a:fillRef idx="1">
-            <a:schemeClr val="accent1"/>
-          </a:fillRef>
-          <a:effectRef idx="0">
-            <a:schemeClr val="accent1"/>
-          </a:effectRef>
-          <a:fontRef idx="minor">
-            <a:schemeClr val="lt1"/>
-          </a:fontRef>
-        </p:style>
-        <p:txBody>
-          <a:bodyPr rtlCol="0" anchor="ctr"/>
-          <a:lstStyle/>
-          <a:p>
-            <a:pPr algn="ctr"/>
-            <a:r>
-              <a:rPr lang="de-DE" dirty="0" err="1"/>
-              <a:t>Keypad</a:t>
-            </a:r>
-            <a:r>
-              <a:rPr lang="de-DE" dirty="0"/>
-              <a:t> </a:t>
-            </a:r>
-            <a:r>
-              <a:rPr lang="de-DE" dirty="0" err="1"/>
-              <a:t>for</a:t>
-            </a:r>
-            <a:r>
-              <a:rPr lang="de-DE" dirty="0"/>
-              <a:t> </a:t>
-            </a:r>
-            <a:r>
-              <a:rPr lang="de-DE" dirty="0" err="1"/>
-              <a:t>Dataentry</a:t>
-            </a:r>
-            <a:endParaRPr lang="de-DE" dirty="0"/>
-          </a:p>
-        </p:txBody>
-      </p:sp>
-      <p:sp>
-        <p:nvSpPr>
-          <p:cNvPr id="87" name="Rechteck 86">
-            <a:extLst>
-              <a:ext uri="{FF2B5EF4-FFF2-40B4-BE49-F238E27FC236}">
-                <a16:creationId xmlns:a16="http://schemas.microsoft.com/office/drawing/2014/main" id="{22A04FB5-D501-49BB-B678-1C19256CCEE3}"/>
-              </a:ext>
-            </a:extLst>
-          </p:cNvPr>
-          <p:cNvSpPr/>
-          <p:nvPr/>
-        </p:nvSpPr>
-        <p:spPr>
-          <a:xfrm>
-            <a:off x="6478052" y="5782271"/>
-            <a:ext cx="1800000" cy="360000"/>
-          </a:xfrm>
-          <a:prstGeom prst="rect">
-            <a:avLst/>
-          </a:prstGeom>
-        </p:spPr>
-        <p:style>
-          <a:lnRef idx="2">
-            <a:schemeClr val="accent1">
-              <a:shade val="50000"/>
-            </a:schemeClr>
-          </a:lnRef>
-          <a:fillRef idx="1">
-            <a:schemeClr val="accent1"/>
-          </a:fillRef>
-          <a:effectRef idx="0">
-            <a:schemeClr val="accent1"/>
-          </a:effectRef>
-          <a:fontRef idx="minor">
-            <a:schemeClr val="lt1"/>
-          </a:fontRef>
-        </p:style>
-        <p:txBody>
-          <a:bodyPr rtlCol="0" anchor="ctr"/>
-          <a:lstStyle/>
-          <a:p>
-            <a:pPr algn="ctr"/>
-            <a:r>
-              <a:rPr lang="de-DE" dirty="0" err="1"/>
-              <a:t>Activity</a:t>
-            </a:r>
-            <a:r>
-              <a:rPr lang="de-DE" dirty="0"/>
-              <a:t> LED</a:t>
-            </a:r>
-          </a:p>
-        </p:txBody>
-      </p:sp>
-      <p:sp>
-        <p:nvSpPr>
-          <p:cNvPr id="88" name="Rechteck 87">
-            <a:extLst>
-              <a:ext uri="{FF2B5EF4-FFF2-40B4-BE49-F238E27FC236}">
-                <a16:creationId xmlns:a16="http://schemas.microsoft.com/office/drawing/2014/main" id="{662E13A2-F0CB-4B32-869F-E4EA96D76B96}"/>
-              </a:ext>
-            </a:extLst>
-          </p:cNvPr>
-          <p:cNvSpPr/>
-          <p:nvPr/>
-        </p:nvSpPr>
-        <p:spPr>
-          <a:xfrm>
-            <a:off x="6478052" y="6147789"/>
-            <a:ext cx="1800000" cy="360000"/>
-          </a:xfrm>
-          <a:prstGeom prst="rect">
-            <a:avLst/>
-          </a:prstGeom>
-        </p:spPr>
-        <p:style>
-          <a:lnRef idx="2">
-            <a:schemeClr val="accent1">
-              <a:shade val="50000"/>
-            </a:schemeClr>
-          </a:lnRef>
-          <a:fillRef idx="1">
-            <a:schemeClr val="accent1"/>
-          </a:fillRef>
-          <a:effectRef idx="0">
-            <a:schemeClr val="accent1"/>
-          </a:effectRef>
-          <a:fontRef idx="minor">
-            <a:schemeClr val="lt1"/>
-          </a:fontRef>
-        </p:style>
-        <p:txBody>
-          <a:bodyPr rtlCol="0" anchor="ctr"/>
-          <a:lstStyle/>
-          <a:p>
-            <a:pPr algn="ctr"/>
-            <a:r>
-              <a:rPr lang="de-DE" sz="1600" dirty="0"/>
-              <a:t>Edit Mode Button</a:t>
-            </a:r>
-          </a:p>
-        </p:txBody>
-      </p:sp>
-      <p:cxnSp>
-        <p:nvCxnSpPr>
-          <p:cNvPr id="89" name="Verbinder: gewinkelt 88">
-            <a:extLst>
-              <a:ext uri="{FF2B5EF4-FFF2-40B4-BE49-F238E27FC236}">
-                <a16:creationId xmlns:a16="http://schemas.microsoft.com/office/drawing/2014/main" id="{1F1B4DCC-7A5D-43B0-8E13-E6A8C6BFA6BF}"/>
-              </a:ext>
-            </a:extLst>
-          </p:cNvPr>
-          <p:cNvCxnSpPr>
-            <a:stCxn id="87" idx="1"/>
-            <a:endCxn id="75" idx="6"/>
-          </p:cNvCxnSpPr>
-          <p:nvPr/>
-        </p:nvCxnSpPr>
-        <p:spPr>
-          <a:xfrm rot="10800000">
-            <a:off x="5786480" y="4998965"/>
-            <a:ext cx="691573" cy="963306"/>
-          </a:xfrm>
-          <a:prstGeom prst="bentConnector3">
-            <a:avLst/>
-          </a:prstGeom>
-          <a:ln w="25400">
-            <a:tailEnd type="triangle"/>
-          </a:ln>
-        </p:spPr>
-        <p:style>
-          <a:lnRef idx="1">
-            <a:schemeClr val="dk1"/>
-          </a:lnRef>
-          <a:fillRef idx="0">
-            <a:schemeClr val="dk1"/>
-          </a:fillRef>
-          <a:effectRef idx="0">
-            <a:schemeClr val="dk1"/>
-          </a:effectRef>
-          <a:fontRef idx="minor">
-            <a:schemeClr val="tx1"/>
-          </a:fontRef>
-        </p:style>
-      </p:cxnSp>
-      <p:cxnSp>
-        <p:nvCxnSpPr>
-          <p:cNvPr id="90" name="Verbinder: gewinkelt 89">
-            <a:extLst>
-              <a:ext uri="{FF2B5EF4-FFF2-40B4-BE49-F238E27FC236}">
-                <a16:creationId xmlns:a16="http://schemas.microsoft.com/office/drawing/2014/main" id="{7BDCAA71-D8B4-46CF-A0CC-4D28BBECDAD9}"/>
-              </a:ext>
-            </a:extLst>
-          </p:cNvPr>
-          <p:cNvCxnSpPr>
-            <a:cxnSpLocks/>
-            <a:stCxn id="88" idx="1"/>
-            <a:endCxn id="76" idx="2"/>
-          </p:cNvCxnSpPr>
-          <p:nvPr/>
-        </p:nvCxnSpPr>
-        <p:spPr>
-          <a:xfrm rot="10800000">
-            <a:off x="5671640" y="5498441"/>
-            <a:ext cx="806412" cy="829349"/>
-          </a:xfrm>
-          <a:prstGeom prst="bentConnector2">
-            <a:avLst/>
-          </a:prstGeom>
-          <a:ln w="25400">
-            <a:tailEnd type="triangle"/>
-          </a:ln>
-        </p:spPr>
-        <p:style>
-          <a:lnRef idx="1">
-            <a:schemeClr val="dk1"/>
-          </a:lnRef>
-          <a:fillRef idx="0">
-            <a:schemeClr val="dk1"/>
-          </a:fillRef>
-          <a:effectRef idx="0">
-            <a:schemeClr val="dk1"/>
-          </a:effectRef>
-          <a:fontRef idx="minor">
-            <a:schemeClr val="tx1"/>
-          </a:fontRef>
-        </p:style>
-      </p:cxnSp>
-      <p:cxnSp>
-        <p:nvCxnSpPr>
-          <p:cNvPr id="91" name="Gerade Verbindung mit Pfeil 90">
-            <a:extLst>
-              <a:ext uri="{FF2B5EF4-FFF2-40B4-BE49-F238E27FC236}">
-                <a16:creationId xmlns:a16="http://schemas.microsoft.com/office/drawing/2014/main" id="{6E02D816-60DC-4A2D-B651-7FB5987ED0CB}"/>
-              </a:ext>
-            </a:extLst>
-          </p:cNvPr>
-          <p:cNvCxnSpPr>
-            <a:cxnSpLocks/>
-            <a:stCxn id="86" idx="0"/>
-            <a:endCxn id="66" idx="2"/>
-          </p:cNvCxnSpPr>
-          <p:nvPr/>
-        </p:nvCxnSpPr>
-        <p:spPr>
-          <a:xfrm flipV="1">
-            <a:off x="4483274" y="5363440"/>
-            <a:ext cx="0" cy="482101"/>
-          </a:xfrm>
-          <a:prstGeom prst="straightConnector1">
-            <a:avLst/>
-          </a:prstGeom>
-          <a:ln w="25400">
-            <a:tailEnd type="triangle"/>
-          </a:ln>
-        </p:spPr>
-        <p:style>
-          <a:lnRef idx="1">
-            <a:schemeClr val="dk1"/>
-          </a:lnRef>
-          <a:fillRef idx="0">
-            <a:schemeClr val="dk1"/>
-          </a:fillRef>
-          <a:effectRef idx="0">
-            <a:schemeClr val="dk1"/>
-          </a:effectRef>
-          <a:fontRef idx="minor">
-            <a:schemeClr val="tx1"/>
-          </a:fontRef>
-        </p:style>
-      </p:cxnSp>
-      <p:sp>
-        <p:nvSpPr>
-          <p:cNvPr id="92" name="Titel 1">
-            <a:extLst>
-              <a:ext uri="{FF2B5EF4-FFF2-40B4-BE49-F238E27FC236}">
-                <a16:creationId xmlns:a16="http://schemas.microsoft.com/office/drawing/2014/main" id="{D4C2B8BA-CDF9-416F-AFA4-229C70FC4BDA}"/>
-              </a:ext>
-            </a:extLst>
-          </p:cNvPr>
-          <p:cNvSpPr txBox="1">
-            <a:spLocks/>
-          </p:cNvSpPr>
-          <p:nvPr/>
-        </p:nvSpPr>
-        <p:spPr>
-          <a:xfrm>
-            <a:off x="240518" y="2494201"/>
-            <a:ext cx="8596668" cy="1320800"/>
-          </a:xfrm>
-          <a:prstGeom prst="rect">
-            <a:avLst/>
-          </a:prstGeom>
-        </p:spPr>
-        <p:txBody>
-          <a:bodyPr vert="horz" lIns="91440" tIns="45720" rIns="91440" bIns="45720" rtlCol="0" anchor="t">
-            <a:normAutofit/>
-          </a:bodyPr>
-          <a:lstStyle>
-            <a:lvl1pPr algn="l" defTabSz="457200" rtl="0" eaLnBrk="1" latinLnBrk="0" hangingPunct="1">
-              <a:spcBef>
-                <a:spcPct val="0"/>
-              </a:spcBef>
-              <a:buNone/>
-              <a:defRPr sz="3600" kern="1200">
-                <a:solidFill>
-                  <a:schemeClr val="accent1"/>
-                </a:solidFill>
-                <a:latin typeface="+mj-lt"/>
-                <a:ea typeface="+mj-ea"/>
-                <a:cs typeface="+mj-cs"/>
-              </a:defRPr>
-            </a:lvl1pPr>
-            <a:lvl2pPr eaLnBrk="1" hangingPunct="1">
-              <a:defRPr>
-                <a:solidFill>
-                  <a:schemeClr val="tx2"/>
-                </a:solidFill>
-              </a:defRPr>
-            </a:lvl2pPr>
-            <a:lvl3pPr eaLnBrk="1" hangingPunct="1">
-              <a:defRPr>
-                <a:solidFill>
-                  <a:schemeClr val="tx2"/>
-                </a:solidFill>
-              </a:defRPr>
-            </a:lvl3pPr>
-            <a:lvl4pPr eaLnBrk="1" hangingPunct="1">
-              <a:defRPr>
-                <a:solidFill>
-                  <a:schemeClr val="tx2"/>
-                </a:solidFill>
-              </a:defRPr>
-            </a:lvl4pPr>
-            <a:lvl5pPr eaLnBrk="1" hangingPunct="1">
-              <a:defRPr>
-                <a:solidFill>
-                  <a:schemeClr val="tx2"/>
-                </a:solidFill>
-              </a:defRPr>
-            </a:lvl5pPr>
-            <a:lvl6pPr eaLnBrk="1" hangingPunct="1">
-              <a:defRPr>
-                <a:solidFill>
-                  <a:schemeClr val="tx2"/>
-                </a:solidFill>
-              </a:defRPr>
-            </a:lvl6pPr>
-            <a:lvl7pPr eaLnBrk="1" hangingPunct="1">
-              <a:defRPr>
-                <a:solidFill>
-                  <a:schemeClr val="tx2"/>
-                </a:solidFill>
-              </a:defRPr>
-            </a:lvl7pPr>
-            <a:lvl8pPr eaLnBrk="1" hangingPunct="1">
-              <a:defRPr>
-                <a:solidFill>
-                  <a:schemeClr val="tx2"/>
-                </a:solidFill>
-              </a:defRPr>
-            </a:lvl8pPr>
-            <a:lvl9pPr eaLnBrk="1" hangingPunct="1">
-              <a:defRPr>
-                <a:solidFill>
-                  <a:schemeClr val="tx2"/>
-                </a:solidFill>
-              </a:defRPr>
-            </a:lvl9pPr>
-          </a:lstStyle>
-          <a:p>
-            <a:endParaRPr lang="de-DE" dirty="0"/>
-          </a:p>
-        </p:txBody>
-      </p:sp>
-      <p:sp>
-        <p:nvSpPr>
-          <p:cNvPr id="93" name="Titel 1">
-            <a:extLst>
-              <a:ext uri="{FF2B5EF4-FFF2-40B4-BE49-F238E27FC236}">
-                <a16:creationId xmlns:a16="http://schemas.microsoft.com/office/drawing/2014/main" id="{F840325E-BA50-4949-9805-B91E5034F294}"/>
-              </a:ext>
-            </a:extLst>
-          </p:cNvPr>
-          <p:cNvSpPr txBox="1">
-            <a:spLocks/>
-          </p:cNvSpPr>
-          <p:nvPr/>
-        </p:nvSpPr>
-        <p:spPr>
-          <a:xfrm>
-            <a:off x="829734" y="762000"/>
-            <a:ext cx="8596668" cy="1320800"/>
-          </a:xfrm>
-          <a:prstGeom prst="rect">
-            <a:avLst/>
-          </a:prstGeom>
-        </p:spPr>
-        <p:txBody>
-          <a:bodyPr vert="horz" lIns="91440" tIns="45720" rIns="91440" bIns="45720" rtlCol="0" anchor="t">
-            <a:normAutofit/>
-          </a:bodyPr>
-          <a:lstStyle>
-            <a:lvl1pPr algn="l" defTabSz="457200" rtl="0" eaLnBrk="1" latinLnBrk="0" hangingPunct="1">
-              <a:spcBef>
-                <a:spcPct val="0"/>
-              </a:spcBef>
-              <a:buNone/>
-              <a:defRPr sz="3600" kern="1200">
-                <a:solidFill>
-                  <a:schemeClr val="accent1"/>
-                </a:solidFill>
-                <a:latin typeface="+mj-lt"/>
-                <a:ea typeface="+mj-ea"/>
-                <a:cs typeface="+mj-cs"/>
-              </a:defRPr>
-            </a:lvl1pPr>
-            <a:lvl2pPr eaLnBrk="1" hangingPunct="1">
-              <a:defRPr>
-                <a:solidFill>
-                  <a:schemeClr val="tx2"/>
-                </a:solidFill>
-              </a:defRPr>
-            </a:lvl2pPr>
-            <a:lvl3pPr eaLnBrk="1" hangingPunct="1">
-              <a:defRPr>
-                <a:solidFill>
-                  <a:schemeClr val="tx2"/>
-                </a:solidFill>
-              </a:defRPr>
-            </a:lvl3pPr>
-            <a:lvl4pPr eaLnBrk="1" hangingPunct="1">
-              <a:defRPr>
-                <a:solidFill>
-                  <a:schemeClr val="tx2"/>
-                </a:solidFill>
-              </a:defRPr>
-            </a:lvl4pPr>
-            <a:lvl5pPr eaLnBrk="1" hangingPunct="1">
-              <a:defRPr>
-                <a:solidFill>
-                  <a:schemeClr val="tx2"/>
-                </a:solidFill>
-              </a:defRPr>
-            </a:lvl5pPr>
-            <a:lvl6pPr eaLnBrk="1" hangingPunct="1">
-              <a:defRPr>
-                <a:solidFill>
-                  <a:schemeClr val="tx2"/>
-                </a:solidFill>
-              </a:defRPr>
-            </a:lvl6pPr>
-            <a:lvl7pPr eaLnBrk="1" hangingPunct="1">
-              <a:defRPr>
-                <a:solidFill>
-                  <a:schemeClr val="tx2"/>
-                </a:solidFill>
-              </a:defRPr>
-            </a:lvl7pPr>
-            <a:lvl8pPr eaLnBrk="1" hangingPunct="1">
-              <a:defRPr>
-                <a:solidFill>
-                  <a:schemeClr val="tx2"/>
-                </a:solidFill>
-              </a:defRPr>
-            </a:lvl8pPr>
-            <a:lvl9pPr eaLnBrk="1" hangingPunct="1">
-              <a:defRPr>
-                <a:solidFill>
-                  <a:schemeClr val="tx2"/>
-                </a:solidFill>
-              </a:defRPr>
-            </a:lvl9pPr>
-          </a:lstStyle>
-          <a:p>
-            <a:r>
-              <a:rPr lang="de-DE" dirty="0"/>
-              <a:t>Interface </a:t>
-            </a:r>
-          </a:p>
-        </p:txBody>
-      </p:sp>
-    </p:spTree>
-    <p:extLst>
-      <p:ext uri="{BB962C8B-B14F-4D97-AF65-F5344CB8AC3E}">
-        <p14:creationId xmlns:p14="http://schemas.microsoft.com/office/powerpoint/2010/main" val="1311837510"/>
-      </p:ext>
-    </p:extLst>
-  </p:cSld>
-  <p:clrMapOvr>
-    <a:masterClrMapping/>
-  </p:clrMapOvr>
-</p:sld>
-</file>
-
-<file path=ppt/slides/slide4.xml><?xml version="1.0" encoding="utf-8"?>
 <p:sld xmlns:a="http://schemas.openxmlformats.org/drawingml/2006/main" xmlns:r="http://schemas.openxmlformats.org/officeDocument/2006/relationships" xmlns:p="http://schemas.openxmlformats.org/presentationml/2006/main">
   <p:cSld>
     <p:spTree>
@@ -10009,7 +8423,7 @@
 </p:sld>
 </file>
 
-<file path=ppt/slides/slide5.xml><?xml version="1.0" encoding="utf-8"?>
+<file path=ppt/slides/slide4.xml><?xml version="1.0" encoding="utf-8"?>
 <p:sld xmlns:a="http://schemas.openxmlformats.org/drawingml/2006/main" xmlns:r="http://schemas.openxmlformats.org/officeDocument/2006/relationships" xmlns:p="http://schemas.openxmlformats.org/presentationml/2006/main">
   <p:cSld>
     <p:spTree>
@@ -10102,14 +8516,14 @@
           <p:nvPr>
             <p:extLst>
               <p:ext uri="{D42A27DB-BD31-4B8C-83A1-F6EECF244321}">
-                <p14:modId xmlns:p14="http://schemas.microsoft.com/office/powerpoint/2010/main" val="645278223"/>
+                <p14:modId xmlns:p14="http://schemas.microsoft.com/office/powerpoint/2010/main" val="918721093"/>
               </p:ext>
             </p:extLst>
           </p:nvPr>
         </p:nvGraphicFramePr>
         <p:xfrm>
           <a:off x="2662989" y="1270000"/>
-          <a:ext cx="6611012" cy="2209800"/>
+          <a:ext cx="6611012" cy="1844040"/>
         </p:xfrm>
         <a:graphic>
           <a:graphicData uri="http://schemas.openxmlformats.org/drawingml/2006/table">
@@ -10479,7 +8893,7 @@
                     <a:p>
                       <a:r>
                         <a:rPr lang="de-DE" dirty="0"/>
-                        <a:t>8</a:t>
+                        <a:t>12</a:t>
                       </a:r>
                     </a:p>
                   </a:txBody>
@@ -10504,82 +8918,6 @@
                   </a:ext>
                 </a:extLst>
               </a:tr>
-              <a:tr h="247583">
-                <a:tc>
-                  <a:txBody>
-                    <a:bodyPr/>
-                    <a:lstStyle/>
-                    <a:p>
-                      <a:r>
-                        <a:rPr lang="de-DE" dirty="0"/>
-                        <a:t>5</a:t>
-                      </a:r>
-                    </a:p>
-                  </a:txBody>
-                  <a:tcPr/>
-                </a:tc>
-                <a:tc>
-                  <a:txBody>
-                    <a:bodyPr/>
-                    <a:lstStyle/>
-                    <a:p>
-                      <a:pPr marL="0" marR="0" lvl="0" indent="0" algn="l" defTabSz="457200" rtl="0" eaLnBrk="1" fontAlgn="auto" latinLnBrk="0" hangingPunct="1">
-                        <a:lnSpc>
-                          <a:spcPct val="100000"/>
-                        </a:lnSpc>
-                        <a:spcBef>
-                          <a:spcPts val="0"/>
-                        </a:spcBef>
-                        <a:spcAft>
-                          <a:spcPts val="0"/>
-                        </a:spcAft>
-                        <a:buClrTx/>
-                        <a:buSzTx/>
-                        <a:buFontTx/>
-                        <a:buNone/>
-                        <a:tabLst/>
-                        <a:defRPr/>
-                      </a:pPr>
-                      <a:r>
-                        <a:rPr lang="de-DE" dirty="0"/>
-                        <a:t>Dokumentation erstellen</a:t>
-                      </a:r>
-                    </a:p>
-                  </a:txBody>
-                  <a:tcPr/>
-                </a:tc>
-                <a:tc>
-                  <a:txBody>
-                    <a:bodyPr/>
-                    <a:lstStyle/>
-                    <a:p>
-                      <a:r>
-                        <a:rPr lang="de-DE" dirty="0"/>
-                        <a:t>4</a:t>
-                      </a:r>
-                    </a:p>
-                  </a:txBody>
-                  <a:tcPr/>
-                </a:tc>
-                <a:tc>
-                  <a:txBody>
-                    <a:bodyPr/>
-                    <a:lstStyle/>
-                    <a:p>
-                      <a:r>
-                        <a:rPr lang="de-DE" dirty="0"/>
-                        <a:t>3</a:t>
-                      </a:r>
-                    </a:p>
-                  </a:txBody>
-                  <a:tcPr/>
-                </a:tc>
-                <a:extLst>
-                  <a:ext uri="{0D108BD9-81ED-4DB2-BD59-A6C34878D82A}">
-                    <a16:rowId xmlns:a16="http://schemas.microsoft.com/office/drawing/2014/main" val="897205669"/>
-                  </a:ext>
-                </a:extLst>
-              </a:tr>
             </a:tbl>
           </a:graphicData>
         </a:graphic>
@@ -10588,6 +8926,2692 @@
     <p:extLst>
       <p:ext uri="{BB962C8B-B14F-4D97-AF65-F5344CB8AC3E}">
         <p14:creationId xmlns:p14="http://schemas.microsoft.com/office/powerpoint/2010/main" val="4289005883"/>
+      </p:ext>
+    </p:extLst>
+  </p:cSld>
+  <p:clrMapOvr>
+    <a:masterClrMapping/>
+  </p:clrMapOvr>
+</p:sld>
+</file>
+
+<file path=ppt/slides/slide5.xml><?xml version="1.0" encoding="utf-8"?>
+<p:sld xmlns:a="http://schemas.openxmlformats.org/drawingml/2006/main" xmlns:r="http://schemas.openxmlformats.org/officeDocument/2006/relationships" xmlns:p="http://schemas.openxmlformats.org/presentationml/2006/main">
+  <p:cSld>
+    <p:spTree>
+      <p:nvGrpSpPr>
+        <p:cNvPr id="1" name=""/>
+        <p:cNvGrpSpPr/>
+        <p:nvPr/>
+      </p:nvGrpSpPr>
+      <p:grpSpPr>
+        <a:xfrm>
+          <a:off x="0" y="0"/>
+          <a:ext cx="0" cy="0"/>
+          <a:chOff x="0" y="0"/>
+          <a:chExt cx="0" cy="0"/>
+        </a:xfrm>
+      </p:grpSpPr>
+      <p:sp>
+        <p:nvSpPr>
+          <p:cNvPr id="2" name="Titel 1">
+            <a:extLst>
+              <a:ext uri="{FF2B5EF4-FFF2-40B4-BE49-F238E27FC236}">
+                <a16:creationId xmlns:a16="http://schemas.microsoft.com/office/drawing/2014/main" id="{9A8E9DC1-FAD7-4A57-B08E-12CEB63C2EE7}"/>
+              </a:ext>
+            </a:extLst>
+          </p:cNvPr>
+          <p:cNvSpPr>
+            <a:spLocks noGrp="1"/>
+          </p:cNvSpPr>
+          <p:nvPr>
+            <p:ph type="title"/>
+          </p:nvPr>
+        </p:nvSpPr>
+        <p:spPr>
+          <a:xfrm>
+            <a:off x="843409" y="2119170"/>
+            <a:ext cx="2701183" cy="4320474"/>
+          </a:xfrm>
+        </p:spPr>
+        <p:txBody>
+          <a:bodyPr/>
+          <a:lstStyle/>
+          <a:p>
+            <a:r>
+              <a:rPr lang="de-DE" dirty="0"/>
+              <a:t>Text</a:t>
+            </a:r>
+          </a:p>
+        </p:txBody>
+      </p:sp>
+      <p:sp>
+        <p:nvSpPr>
+          <p:cNvPr id="41" name="Rechteck 40">
+            <a:extLst>
+              <a:ext uri="{FF2B5EF4-FFF2-40B4-BE49-F238E27FC236}">
+                <a16:creationId xmlns:a16="http://schemas.microsoft.com/office/drawing/2014/main" id="{DEF410D0-894B-4712-AB19-28FCB32DC078}"/>
+              </a:ext>
+            </a:extLst>
+          </p:cNvPr>
+          <p:cNvSpPr/>
+          <p:nvPr/>
+        </p:nvSpPr>
+        <p:spPr>
+          <a:xfrm>
+            <a:off x="3687009" y="2087701"/>
+            <a:ext cx="3994681" cy="3600000"/>
+          </a:xfrm>
+          <a:prstGeom prst="rect">
+            <a:avLst/>
+          </a:prstGeom>
+        </p:spPr>
+        <p:style>
+          <a:lnRef idx="2">
+            <a:schemeClr val="accent6">
+              <a:shade val="50000"/>
+            </a:schemeClr>
+          </a:lnRef>
+          <a:fillRef idx="1">
+            <a:schemeClr val="accent6"/>
+          </a:fillRef>
+          <a:effectRef idx="0">
+            <a:schemeClr val="accent6"/>
+          </a:effectRef>
+          <a:fontRef idx="minor">
+            <a:schemeClr val="lt1"/>
+          </a:fontRef>
+        </p:style>
+        <p:txBody>
+          <a:bodyPr rtlCol="0" anchor="ctr"/>
+          <a:lstStyle/>
+          <a:p>
+            <a:pPr algn="ctr"/>
+            <a:endParaRPr lang="de-DE"/>
+          </a:p>
+        </p:txBody>
+      </p:sp>
+      <p:sp>
+        <p:nvSpPr>
+          <p:cNvPr id="42" name="Rechteck 41">
+            <a:extLst>
+              <a:ext uri="{FF2B5EF4-FFF2-40B4-BE49-F238E27FC236}">
+                <a16:creationId xmlns:a16="http://schemas.microsoft.com/office/drawing/2014/main" id="{C92362A1-7C19-4BD4-A36B-4993DBF32676}"/>
+              </a:ext>
+            </a:extLst>
+          </p:cNvPr>
+          <p:cNvSpPr/>
+          <p:nvPr/>
+        </p:nvSpPr>
+        <p:spPr>
+          <a:xfrm>
+            <a:off x="3881744" y="2305801"/>
+            <a:ext cx="720000" cy="1440000"/>
+          </a:xfrm>
+          <a:prstGeom prst="rect">
+            <a:avLst/>
+          </a:prstGeom>
+        </p:spPr>
+        <p:style>
+          <a:lnRef idx="2">
+            <a:schemeClr val="accent1">
+              <a:shade val="50000"/>
+            </a:schemeClr>
+          </a:lnRef>
+          <a:fillRef idx="1">
+            <a:schemeClr val="accent1"/>
+          </a:fillRef>
+          <a:effectRef idx="0">
+            <a:schemeClr val="accent1"/>
+          </a:effectRef>
+          <a:fontRef idx="minor">
+            <a:schemeClr val="lt1"/>
+          </a:fontRef>
+        </p:style>
+        <p:txBody>
+          <a:bodyPr rtlCol="0" anchor="ctr"/>
+          <a:lstStyle/>
+          <a:p>
+            <a:pPr algn="ctr"/>
+            <a:endParaRPr lang="de-DE"/>
+          </a:p>
+        </p:txBody>
+      </p:sp>
+      <p:sp>
+        <p:nvSpPr>
+          <p:cNvPr id="43" name="Ellipse 42">
+            <a:extLst>
+              <a:ext uri="{FF2B5EF4-FFF2-40B4-BE49-F238E27FC236}">
+                <a16:creationId xmlns:a16="http://schemas.microsoft.com/office/drawing/2014/main" id="{ECC67D1A-34C6-4210-AF88-797BACB029C3}"/>
+              </a:ext>
+            </a:extLst>
+          </p:cNvPr>
+          <p:cNvSpPr/>
+          <p:nvPr/>
+        </p:nvSpPr>
+        <p:spPr>
+          <a:xfrm>
+            <a:off x="3984611" y="2439235"/>
+            <a:ext cx="180000" cy="180000"/>
+          </a:xfrm>
+          <a:prstGeom prst="ellipse">
+            <a:avLst/>
+          </a:prstGeom>
+        </p:spPr>
+        <p:style>
+          <a:lnRef idx="2">
+            <a:schemeClr val="accent2">
+              <a:shade val="50000"/>
+            </a:schemeClr>
+          </a:lnRef>
+          <a:fillRef idx="1">
+            <a:schemeClr val="accent2"/>
+          </a:fillRef>
+          <a:effectRef idx="0">
+            <a:schemeClr val="accent2"/>
+          </a:effectRef>
+          <a:fontRef idx="minor">
+            <a:schemeClr val="lt1"/>
+          </a:fontRef>
+        </p:style>
+        <p:txBody>
+          <a:bodyPr rtlCol="0" anchor="ctr"/>
+          <a:lstStyle/>
+          <a:p>
+            <a:pPr algn="ctr"/>
+            <a:endParaRPr lang="de-DE"/>
+          </a:p>
+        </p:txBody>
+      </p:sp>
+      <p:sp>
+        <p:nvSpPr>
+          <p:cNvPr id="44" name="Ellipse 43">
+            <a:extLst>
+              <a:ext uri="{FF2B5EF4-FFF2-40B4-BE49-F238E27FC236}">
+                <a16:creationId xmlns:a16="http://schemas.microsoft.com/office/drawing/2014/main" id="{DC6312E3-15BF-4CE1-B981-A1DCF3B7EEC0}"/>
+              </a:ext>
+            </a:extLst>
+          </p:cNvPr>
+          <p:cNvSpPr/>
+          <p:nvPr/>
+        </p:nvSpPr>
+        <p:spPr>
+          <a:xfrm>
+            <a:off x="3984611" y="2752669"/>
+            <a:ext cx="180000" cy="180000"/>
+          </a:xfrm>
+          <a:prstGeom prst="ellipse">
+            <a:avLst/>
+          </a:prstGeom>
+        </p:spPr>
+        <p:style>
+          <a:lnRef idx="2">
+            <a:schemeClr val="accent2">
+              <a:shade val="50000"/>
+            </a:schemeClr>
+          </a:lnRef>
+          <a:fillRef idx="1">
+            <a:schemeClr val="accent2"/>
+          </a:fillRef>
+          <a:effectRef idx="0">
+            <a:schemeClr val="accent2"/>
+          </a:effectRef>
+          <a:fontRef idx="minor">
+            <a:schemeClr val="lt1"/>
+          </a:fontRef>
+        </p:style>
+        <p:txBody>
+          <a:bodyPr rtlCol="0" anchor="ctr"/>
+          <a:lstStyle/>
+          <a:p>
+            <a:pPr algn="ctr"/>
+            <a:endParaRPr lang="de-DE"/>
+          </a:p>
+        </p:txBody>
+      </p:sp>
+      <p:sp>
+        <p:nvSpPr>
+          <p:cNvPr id="45" name="Ellipse 44">
+            <a:extLst>
+              <a:ext uri="{FF2B5EF4-FFF2-40B4-BE49-F238E27FC236}">
+                <a16:creationId xmlns:a16="http://schemas.microsoft.com/office/drawing/2014/main" id="{5A3E013D-E153-49CA-813A-5D46738463A0}"/>
+              </a:ext>
+            </a:extLst>
+          </p:cNvPr>
+          <p:cNvSpPr/>
+          <p:nvPr/>
+        </p:nvSpPr>
+        <p:spPr>
+          <a:xfrm>
+            <a:off x="3984611" y="3069235"/>
+            <a:ext cx="180000" cy="180000"/>
+          </a:xfrm>
+          <a:prstGeom prst="ellipse">
+            <a:avLst/>
+          </a:prstGeom>
+        </p:spPr>
+        <p:style>
+          <a:lnRef idx="2">
+            <a:schemeClr val="accent2">
+              <a:shade val="50000"/>
+            </a:schemeClr>
+          </a:lnRef>
+          <a:fillRef idx="1">
+            <a:schemeClr val="accent2"/>
+          </a:fillRef>
+          <a:effectRef idx="0">
+            <a:schemeClr val="accent2"/>
+          </a:effectRef>
+          <a:fontRef idx="minor">
+            <a:schemeClr val="lt1"/>
+          </a:fontRef>
+        </p:style>
+        <p:txBody>
+          <a:bodyPr rtlCol="0" anchor="ctr"/>
+          <a:lstStyle/>
+          <a:p>
+            <a:pPr algn="ctr"/>
+            <a:endParaRPr lang="de-DE"/>
+          </a:p>
+        </p:txBody>
+      </p:sp>
+      <p:sp>
+        <p:nvSpPr>
+          <p:cNvPr id="46" name="Ellipse 45">
+            <a:extLst>
+              <a:ext uri="{FF2B5EF4-FFF2-40B4-BE49-F238E27FC236}">
+                <a16:creationId xmlns:a16="http://schemas.microsoft.com/office/drawing/2014/main" id="{A398EDBE-452E-46F3-9808-4D811196B676}"/>
+              </a:ext>
+            </a:extLst>
+          </p:cNvPr>
+          <p:cNvSpPr/>
+          <p:nvPr/>
+        </p:nvSpPr>
+        <p:spPr>
+          <a:xfrm>
+            <a:off x="3984611" y="3388501"/>
+            <a:ext cx="180000" cy="180000"/>
+          </a:xfrm>
+          <a:prstGeom prst="ellipse">
+            <a:avLst/>
+          </a:prstGeom>
+        </p:spPr>
+        <p:style>
+          <a:lnRef idx="2">
+            <a:schemeClr val="accent2">
+              <a:shade val="50000"/>
+            </a:schemeClr>
+          </a:lnRef>
+          <a:fillRef idx="1">
+            <a:schemeClr val="accent2"/>
+          </a:fillRef>
+          <a:effectRef idx="0">
+            <a:schemeClr val="accent2"/>
+          </a:effectRef>
+          <a:fontRef idx="minor">
+            <a:schemeClr val="lt1"/>
+          </a:fontRef>
+        </p:style>
+        <p:txBody>
+          <a:bodyPr rtlCol="0" anchor="ctr"/>
+          <a:lstStyle/>
+          <a:p>
+            <a:pPr algn="ctr"/>
+            <a:endParaRPr lang="de-DE"/>
+          </a:p>
+        </p:txBody>
+      </p:sp>
+      <p:sp>
+        <p:nvSpPr>
+          <p:cNvPr id="47" name="Ellipse 46">
+            <a:extLst>
+              <a:ext uri="{FF2B5EF4-FFF2-40B4-BE49-F238E27FC236}">
+                <a16:creationId xmlns:a16="http://schemas.microsoft.com/office/drawing/2014/main" id="{E8BDFE20-6699-4577-95D1-AFC2F866301A}"/>
+              </a:ext>
+            </a:extLst>
+          </p:cNvPr>
+          <p:cNvSpPr/>
+          <p:nvPr/>
+        </p:nvSpPr>
+        <p:spPr>
+          <a:xfrm>
+            <a:off x="4293177" y="2439235"/>
+            <a:ext cx="180000" cy="180000"/>
+          </a:xfrm>
+          <a:prstGeom prst="ellipse">
+            <a:avLst/>
+          </a:prstGeom>
+        </p:spPr>
+        <p:style>
+          <a:lnRef idx="2">
+            <a:schemeClr val="accent5">
+              <a:shade val="50000"/>
+            </a:schemeClr>
+          </a:lnRef>
+          <a:fillRef idx="1">
+            <a:schemeClr val="accent5"/>
+          </a:fillRef>
+          <a:effectRef idx="0">
+            <a:schemeClr val="accent5"/>
+          </a:effectRef>
+          <a:fontRef idx="minor">
+            <a:schemeClr val="lt1"/>
+          </a:fontRef>
+        </p:style>
+        <p:txBody>
+          <a:bodyPr rtlCol="0" anchor="ctr"/>
+          <a:lstStyle/>
+          <a:p>
+            <a:pPr algn="ctr"/>
+            <a:endParaRPr lang="de-DE"/>
+          </a:p>
+        </p:txBody>
+      </p:sp>
+      <p:sp>
+        <p:nvSpPr>
+          <p:cNvPr id="48" name="Ellipse 47">
+            <a:extLst>
+              <a:ext uri="{FF2B5EF4-FFF2-40B4-BE49-F238E27FC236}">
+                <a16:creationId xmlns:a16="http://schemas.microsoft.com/office/drawing/2014/main" id="{5C06FCBC-5CDE-433F-944B-AAB55962E6B0}"/>
+              </a:ext>
+            </a:extLst>
+          </p:cNvPr>
+          <p:cNvSpPr/>
+          <p:nvPr/>
+        </p:nvSpPr>
+        <p:spPr>
+          <a:xfrm>
+            <a:off x="4293177" y="2752669"/>
+            <a:ext cx="180000" cy="180000"/>
+          </a:xfrm>
+          <a:prstGeom prst="ellipse">
+            <a:avLst/>
+          </a:prstGeom>
+        </p:spPr>
+        <p:style>
+          <a:lnRef idx="2">
+            <a:schemeClr val="accent5">
+              <a:shade val="50000"/>
+            </a:schemeClr>
+          </a:lnRef>
+          <a:fillRef idx="1">
+            <a:schemeClr val="accent5"/>
+          </a:fillRef>
+          <a:effectRef idx="0">
+            <a:schemeClr val="accent5"/>
+          </a:effectRef>
+          <a:fontRef idx="minor">
+            <a:schemeClr val="lt1"/>
+          </a:fontRef>
+        </p:style>
+        <p:txBody>
+          <a:bodyPr rtlCol="0" anchor="ctr"/>
+          <a:lstStyle/>
+          <a:p>
+            <a:pPr algn="ctr"/>
+            <a:endParaRPr lang="de-DE"/>
+          </a:p>
+        </p:txBody>
+      </p:sp>
+      <p:sp>
+        <p:nvSpPr>
+          <p:cNvPr id="49" name="Ellipse 48">
+            <a:extLst>
+              <a:ext uri="{FF2B5EF4-FFF2-40B4-BE49-F238E27FC236}">
+                <a16:creationId xmlns:a16="http://schemas.microsoft.com/office/drawing/2014/main" id="{02A67D67-66BB-427C-AE79-DBFA36350DD4}"/>
+              </a:ext>
+            </a:extLst>
+          </p:cNvPr>
+          <p:cNvSpPr/>
+          <p:nvPr/>
+        </p:nvSpPr>
+        <p:spPr>
+          <a:xfrm>
+            <a:off x="4293177" y="3069235"/>
+            <a:ext cx="180000" cy="180000"/>
+          </a:xfrm>
+          <a:prstGeom prst="ellipse">
+            <a:avLst/>
+          </a:prstGeom>
+        </p:spPr>
+        <p:style>
+          <a:lnRef idx="2">
+            <a:schemeClr val="accent5">
+              <a:shade val="50000"/>
+            </a:schemeClr>
+          </a:lnRef>
+          <a:fillRef idx="1">
+            <a:schemeClr val="accent5"/>
+          </a:fillRef>
+          <a:effectRef idx="0">
+            <a:schemeClr val="accent5"/>
+          </a:effectRef>
+          <a:fontRef idx="minor">
+            <a:schemeClr val="lt1"/>
+          </a:fontRef>
+        </p:style>
+        <p:txBody>
+          <a:bodyPr rtlCol="0" anchor="ctr"/>
+          <a:lstStyle/>
+          <a:p>
+            <a:pPr algn="ctr"/>
+            <a:endParaRPr lang="de-DE"/>
+          </a:p>
+        </p:txBody>
+      </p:sp>
+      <p:sp>
+        <p:nvSpPr>
+          <p:cNvPr id="50" name="Ellipse 49">
+            <a:extLst>
+              <a:ext uri="{FF2B5EF4-FFF2-40B4-BE49-F238E27FC236}">
+                <a16:creationId xmlns:a16="http://schemas.microsoft.com/office/drawing/2014/main" id="{385068D5-4CBD-40D9-8DBC-AF0C46C374ED}"/>
+              </a:ext>
+            </a:extLst>
+          </p:cNvPr>
+          <p:cNvSpPr/>
+          <p:nvPr/>
+        </p:nvSpPr>
+        <p:spPr>
+          <a:xfrm>
+            <a:off x="4293177" y="3388501"/>
+            <a:ext cx="180000" cy="180000"/>
+          </a:xfrm>
+          <a:prstGeom prst="ellipse">
+            <a:avLst/>
+          </a:prstGeom>
+        </p:spPr>
+        <p:style>
+          <a:lnRef idx="2">
+            <a:schemeClr val="accent5">
+              <a:shade val="50000"/>
+            </a:schemeClr>
+          </a:lnRef>
+          <a:fillRef idx="1">
+            <a:schemeClr val="accent5"/>
+          </a:fillRef>
+          <a:effectRef idx="0">
+            <a:schemeClr val="accent5"/>
+          </a:effectRef>
+          <a:fontRef idx="minor">
+            <a:schemeClr val="lt1"/>
+          </a:fontRef>
+        </p:style>
+        <p:txBody>
+          <a:bodyPr rtlCol="0" anchor="ctr"/>
+          <a:lstStyle/>
+          <a:p>
+            <a:pPr algn="ctr"/>
+            <a:endParaRPr lang="de-DE"/>
+          </a:p>
+        </p:txBody>
+      </p:sp>
+      <p:sp>
+        <p:nvSpPr>
+          <p:cNvPr id="51" name="Rechteck 50">
+            <a:extLst>
+              <a:ext uri="{FF2B5EF4-FFF2-40B4-BE49-F238E27FC236}">
+                <a16:creationId xmlns:a16="http://schemas.microsoft.com/office/drawing/2014/main" id="{FE9360A2-D312-4DE7-AF23-2113BEB1A2C7}"/>
+              </a:ext>
+            </a:extLst>
+          </p:cNvPr>
+          <p:cNvSpPr/>
+          <p:nvPr/>
+        </p:nvSpPr>
+        <p:spPr>
+          <a:xfrm>
+            <a:off x="4601743" y="2304742"/>
+            <a:ext cx="2880000" cy="360000"/>
+          </a:xfrm>
+          <a:prstGeom prst="rect">
+            <a:avLst/>
+          </a:prstGeom>
+        </p:spPr>
+        <p:style>
+          <a:lnRef idx="2">
+            <a:schemeClr val="accent1">
+              <a:shade val="50000"/>
+            </a:schemeClr>
+          </a:lnRef>
+          <a:fillRef idx="1">
+            <a:schemeClr val="accent1"/>
+          </a:fillRef>
+          <a:effectRef idx="0">
+            <a:schemeClr val="accent1"/>
+          </a:effectRef>
+          <a:fontRef idx="minor">
+            <a:schemeClr val="lt1"/>
+          </a:fontRef>
+        </p:style>
+        <p:txBody>
+          <a:bodyPr rtlCol="0" anchor="ctr"/>
+          <a:lstStyle/>
+          <a:p>
+            <a:pPr algn="ctr"/>
+            <a:r>
+              <a:rPr lang="de-DE" dirty="0"/>
+              <a:t>IP#1: 10.10.1.8</a:t>
+            </a:r>
+          </a:p>
+        </p:txBody>
+      </p:sp>
+      <p:sp>
+        <p:nvSpPr>
+          <p:cNvPr id="52" name="Rechteck 51">
+            <a:extLst>
+              <a:ext uri="{FF2B5EF4-FFF2-40B4-BE49-F238E27FC236}">
+                <a16:creationId xmlns:a16="http://schemas.microsoft.com/office/drawing/2014/main" id="{C6180199-3643-4C91-B705-E9BF0B88D269}"/>
+              </a:ext>
+            </a:extLst>
+          </p:cNvPr>
+          <p:cNvSpPr/>
+          <p:nvPr/>
+        </p:nvSpPr>
+        <p:spPr>
+          <a:xfrm>
+            <a:off x="4601743" y="2666373"/>
+            <a:ext cx="2880000" cy="360000"/>
+          </a:xfrm>
+          <a:prstGeom prst="rect">
+            <a:avLst/>
+          </a:prstGeom>
+        </p:spPr>
+        <p:style>
+          <a:lnRef idx="2">
+            <a:schemeClr val="accent1">
+              <a:shade val="50000"/>
+            </a:schemeClr>
+          </a:lnRef>
+          <a:fillRef idx="1">
+            <a:schemeClr val="accent1"/>
+          </a:fillRef>
+          <a:effectRef idx="0">
+            <a:schemeClr val="accent1"/>
+          </a:effectRef>
+          <a:fontRef idx="minor">
+            <a:schemeClr val="lt1"/>
+          </a:fontRef>
+        </p:style>
+        <p:txBody>
+          <a:bodyPr rtlCol="0" anchor="ctr"/>
+          <a:lstStyle/>
+          <a:p>
+            <a:pPr algn="ctr"/>
+            <a:r>
+              <a:rPr lang="de-DE" dirty="0"/>
+              <a:t>IP#2: 10.10.0.1</a:t>
+            </a:r>
+          </a:p>
+        </p:txBody>
+      </p:sp>
+      <p:sp>
+        <p:nvSpPr>
+          <p:cNvPr id="53" name="Rechteck 52">
+            <a:extLst>
+              <a:ext uri="{FF2B5EF4-FFF2-40B4-BE49-F238E27FC236}">
+                <a16:creationId xmlns:a16="http://schemas.microsoft.com/office/drawing/2014/main" id="{6D948699-64CD-4947-8C31-580668986D2E}"/>
+              </a:ext>
+            </a:extLst>
+          </p:cNvPr>
+          <p:cNvSpPr/>
+          <p:nvPr/>
+        </p:nvSpPr>
+        <p:spPr>
+          <a:xfrm>
+            <a:off x="4601743" y="3023738"/>
+            <a:ext cx="2880000" cy="360000"/>
+          </a:xfrm>
+          <a:prstGeom prst="rect">
+            <a:avLst/>
+          </a:prstGeom>
+        </p:spPr>
+        <p:style>
+          <a:lnRef idx="2">
+            <a:schemeClr val="accent1">
+              <a:shade val="50000"/>
+            </a:schemeClr>
+          </a:lnRef>
+          <a:fillRef idx="1">
+            <a:schemeClr val="accent1"/>
+          </a:fillRef>
+          <a:effectRef idx="0">
+            <a:schemeClr val="accent1"/>
+          </a:effectRef>
+          <a:fontRef idx="minor">
+            <a:schemeClr val="lt1"/>
+          </a:fontRef>
+        </p:style>
+        <p:txBody>
+          <a:bodyPr rtlCol="0" anchor="ctr"/>
+          <a:lstStyle/>
+          <a:p>
+            <a:pPr algn="ctr"/>
+            <a:r>
+              <a:rPr lang="de-DE" dirty="0"/>
+              <a:t>IP#3:10.10.0.254</a:t>
+            </a:r>
+          </a:p>
+        </p:txBody>
+      </p:sp>
+      <p:sp>
+        <p:nvSpPr>
+          <p:cNvPr id="54" name="Rechteck 53">
+            <a:extLst>
+              <a:ext uri="{FF2B5EF4-FFF2-40B4-BE49-F238E27FC236}">
+                <a16:creationId xmlns:a16="http://schemas.microsoft.com/office/drawing/2014/main" id="{F3088A07-1741-4A78-BEBE-A677500E0493}"/>
+              </a:ext>
+            </a:extLst>
+          </p:cNvPr>
+          <p:cNvSpPr/>
+          <p:nvPr/>
+        </p:nvSpPr>
+        <p:spPr>
+          <a:xfrm>
+            <a:off x="4601743" y="3386622"/>
+            <a:ext cx="2880000" cy="360000"/>
+          </a:xfrm>
+          <a:prstGeom prst="rect">
+            <a:avLst/>
+          </a:prstGeom>
+        </p:spPr>
+        <p:style>
+          <a:lnRef idx="2">
+            <a:schemeClr val="accent1">
+              <a:shade val="50000"/>
+            </a:schemeClr>
+          </a:lnRef>
+          <a:fillRef idx="1">
+            <a:schemeClr val="accent1"/>
+          </a:fillRef>
+          <a:effectRef idx="0">
+            <a:schemeClr val="accent1"/>
+          </a:effectRef>
+          <a:fontRef idx="minor">
+            <a:schemeClr val="lt1"/>
+          </a:fontRef>
+        </p:style>
+        <p:txBody>
+          <a:bodyPr rtlCol="0" anchor="ctr"/>
+          <a:lstStyle/>
+          <a:p>
+            <a:pPr algn="ctr"/>
+            <a:r>
+              <a:rPr lang="de-DE" dirty="0"/>
+              <a:t>IP#4: 1.1.1.1</a:t>
+            </a:r>
+          </a:p>
+        </p:txBody>
+      </p:sp>
+      <p:sp>
+        <p:nvSpPr>
+          <p:cNvPr id="55" name="Rechteck 54">
+            <a:extLst>
+              <a:ext uri="{FF2B5EF4-FFF2-40B4-BE49-F238E27FC236}">
+                <a16:creationId xmlns:a16="http://schemas.microsoft.com/office/drawing/2014/main" id="{6E23D18C-4D62-4133-8838-A3161CE7E9CC}"/>
+              </a:ext>
+            </a:extLst>
+          </p:cNvPr>
+          <p:cNvSpPr/>
+          <p:nvPr/>
+        </p:nvSpPr>
+        <p:spPr>
+          <a:xfrm>
+            <a:off x="3881744" y="3745800"/>
+            <a:ext cx="1440000" cy="1800000"/>
+          </a:xfrm>
+          <a:prstGeom prst="rect">
+            <a:avLst/>
+          </a:prstGeom>
+        </p:spPr>
+        <p:style>
+          <a:lnRef idx="2">
+            <a:schemeClr val="accent1">
+              <a:shade val="50000"/>
+            </a:schemeClr>
+          </a:lnRef>
+          <a:fillRef idx="1">
+            <a:schemeClr val="accent1"/>
+          </a:fillRef>
+          <a:effectRef idx="0">
+            <a:schemeClr val="accent1"/>
+          </a:effectRef>
+          <a:fontRef idx="minor">
+            <a:schemeClr val="lt1"/>
+          </a:fontRef>
+        </p:style>
+        <p:txBody>
+          <a:bodyPr rtlCol="0" anchor="ctr"/>
+          <a:lstStyle/>
+          <a:p>
+            <a:pPr algn="ctr"/>
+            <a:endParaRPr lang="de-DE"/>
+          </a:p>
+        </p:txBody>
+      </p:sp>
+      <p:sp>
+        <p:nvSpPr>
+          <p:cNvPr id="56" name="Rechteck 55">
+            <a:extLst>
+              <a:ext uri="{FF2B5EF4-FFF2-40B4-BE49-F238E27FC236}">
+                <a16:creationId xmlns:a16="http://schemas.microsoft.com/office/drawing/2014/main" id="{D75863B0-FDC4-4B89-A9C7-85128CEB66A7}"/>
+              </a:ext>
+            </a:extLst>
+          </p:cNvPr>
+          <p:cNvSpPr/>
+          <p:nvPr/>
+        </p:nvSpPr>
+        <p:spPr>
+          <a:xfrm>
+            <a:off x="4061743" y="3927340"/>
+            <a:ext cx="360000" cy="360000"/>
+          </a:xfrm>
+          <a:prstGeom prst="rect">
+            <a:avLst/>
+          </a:prstGeom>
+        </p:spPr>
+        <p:style>
+          <a:lnRef idx="3">
+            <a:schemeClr val="lt1"/>
+          </a:lnRef>
+          <a:fillRef idx="1">
+            <a:schemeClr val="accent6"/>
+          </a:fillRef>
+          <a:effectRef idx="1">
+            <a:schemeClr val="accent6"/>
+          </a:effectRef>
+          <a:fontRef idx="minor">
+            <a:schemeClr val="lt1"/>
+          </a:fontRef>
+        </p:style>
+        <p:txBody>
+          <a:bodyPr rtlCol="0" anchor="ctr"/>
+          <a:lstStyle/>
+          <a:p>
+            <a:pPr algn="ctr"/>
+            <a:r>
+              <a:rPr lang="de-DE" dirty="0"/>
+              <a:t>1</a:t>
+            </a:r>
+          </a:p>
+        </p:txBody>
+      </p:sp>
+      <p:sp>
+        <p:nvSpPr>
+          <p:cNvPr id="57" name="Rechteck 56">
+            <a:extLst>
+              <a:ext uri="{FF2B5EF4-FFF2-40B4-BE49-F238E27FC236}">
+                <a16:creationId xmlns:a16="http://schemas.microsoft.com/office/drawing/2014/main" id="{560DC5B1-C89D-4860-89F0-6E0B2E4F03E7}"/>
+              </a:ext>
+            </a:extLst>
+          </p:cNvPr>
+          <p:cNvSpPr/>
+          <p:nvPr/>
+        </p:nvSpPr>
+        <p:spPr>
+          <a:xfrm>
+            <a:off x="4421743" y="3927340"/>
+            <a:ext cx="360000" cy="360000"/>
+          </a:xfrm>
+          <a:prstGeom prst="rect">
+            <a:avLst/>
+          </a:prstGeom>
+        </p:spPr>
+        <p:style>
+          <a:lnRef idx="3">
+            <a:schemeClr val="lt1"/>
+          </a:lnRef>
+          <a:fillRef idx="1">
+            <a:schemeClr val="accent6"/>
+          </a:fillRef>
+          <a:effectRef idx="1">
+            <a:schemeClr val="accent6"/>
+          </a:effectRef>
+          <a:fontRef idx="minor">
+            <a:schemeClr val="lt1"/>
+          </a:fontRef>
+        </p:style>
+        <p:txBody>
+          <a:bodyPr rtlCol="0" anchor="ctr"/>
+          <a:lstStyle/>
+          <a:p>
+            <a:pPr algn="ctr"/>
+            <a:r>
+              <a:rPr lang="de-DE" dirty="0"/>
+              <a:t>2</a:t>
+            </a:r>
+          </a:p>
+        </p:txBody>
+      </p:sp>
+      <p:sp>
+        <p:nvSpPr>
+          <p:cNvPr id="58" name="Rechteck 57">
+            <a:extLst>
+              <a:ext uri="{FF2B5EF4-FFF2-40B4-BE49-F238E27FC236}">
+                <a16:creationId xmlns:a16="http://schemas.microsoft.com/office/drawing/2014/main" id="{7002B078-91CB-42B7-923A-0CF1A69287A8}"/>
+              </a:ext>
+            </a:extLst>
+          </p:cNvPr>
+          <p:cNvSpPr/>
+          <p:nvPr/>
+        </p:nvSpPr>
+        <p:spPr>
+          <a:xfrm>
+            <a:off x="4781743" y="3927340"/>
+            <a:ext cx="360000" cy="360000"/>
+          </a:xfrm>
+          <a:prstGeom prst="rect">
+            <a:avLst/>
+          </a:prstGeom>
+        </p:spPr>
+        <p:style>
+          <a:lnRef idx="3">
+            <a:schemeClr val="lt1"/>
+          </a:lnRef>
+          <a:fillRef idx="1">
+            <a:schemeClr val="accent6"/>
+          </a:fillRef>
+          <a:effectRef idx="1">
+            <a:schemeClr val="accent6"/>
+          </a:effectRef>
+          <a:fontRef idx="minor">
+            <a:schemeClr val="lt1"/>
+          </a:fontRef>
+        </p:style>
+        <p:txBody>
+          <a:bodyPr rtlCol="0" anchor="ctr"/>
+          <a:lstStyle/>
+          <a:p>
+            <a:pPr algn="ctr"/>
+            <a:r>
+              <a:rPr lang="de-DE" dirty="0"/>
+              <a:t>3</a:t>
+            </a:r>
+          </a:p>
+        </p:txBody>
+      </p:sp>
+      <p:sp>
+        <p:nvSpPr>
+          <p:cNvPr id="59" name="Rechteck 58">
+            <a:extLst>
+              <a:ext uri="{FF2B5EF4-FFF2-40B4-BE49-F238E27FC236}">
+                <a16:creationId xmlns:a16="http://schemas.microsoft.com/office/drawing/2014/main" id="{60829A2A-EB6B-4E2B-9AEA-3CDA6EDA19AF}"/>
+              </a:ext>
+            </a:extLst>
+          </p:cNvPr>
+          <p:cNvSpPr/>
+          <p:nvPr/>
+        </p:nvSpPr>
+        <p:spPr>
+          <a:xfrm>
+            <a:off x="4061743" y="4287340"/>
+            <a:ext cx="360000" cy="360000"/>
+          </a:xfrm>
+          <a:prstGeom prst="rect">
+            <a:avLst/>
+          </a:prstGeom>
+        </p:spPr>
+        <p:style>
+          <a:lnRef idx="3">
+            <a:schemeClr val="lt1"/>
+          </a:lnRef>
+          <a:fillRef idx="1">
+            <a:schemeClr val="accent6"/>
+          </a:fillRef>
+          <a:effectRef idx="1">
+            <a:schemeClr val="accent6"/>
+          </a:effectRef>
+          <a:fontRef idx="minor">
+            <a:schemeClr val="lt1"/>
+          </a:fontRef>
+        </p:style>
+        <p:txBody>
+          <a:bodyPr rtlCol="0" anchor="ctr"/>
+          <a:lstStyle/>
+          <a:p>
+            <a:pPr algn="ctr"/>
+            <a:r>
+              <a:rPr lang="de-DE" dirty="0"/>
+              <a:t>4</a:t>
+            </a:r>
+          </a:p>
+        </p:txBody>
+      </p:sp>
+      <p:sp>
+        <p:nvSpPr>
+          <p:cNvPr id="60" name="Rechteck 59">
+            <a:extLst>
+              <a:ext uri="{FF2B5EF4-FFF2-40B4-BE49-F238E27FC236}">
+                <a16:creationId xmlns:a16="http://schemas.microsoft.com/office/drawing/2014/main" id="{AFA49628-9824-44C2-8999-7BE0B5163FA4}"/>
+              </a:ext>
+            </a:extLst>
+          </p:cNvPr>
+          <p:cNvSpPr/>
+          <p:nvPr/>
+        </p:nvSpPr>
+        <p:spPr>
+          <a:xfrm>
+            <a:off x="4421743" y="4287340"/>
+            <a:ext cx="360000" cy="360000"/>
+          </a:xfrm>
+          <a:prstGeom prst="rect">
+            <a:avLst/>
+          </a:prstGeom>
+        </p:spPr>
+        <p:style>
+          <a:lnRef idx="3">
+            <a:schemeClr val="lt1"/>
+          </a:lnRef>
+          <a:fillRef idx="1">
+            <a:schemeClr val="accent6"/>
+          </a:fillRef>
+          <a:effectRef idx="1">
+            <a:schemeClr val="accent6"/>
+          </a:effectRef>
+          <a:fontRef idx="minor">
+            <a:schemeClr val="lt1"/>
+          </a:fontRef>
+        </p:style>
+        <p:txBody>
+          <a:bodyPr rtlCol="0" anchor="ctr"/>
+          <a:lstStyle/>
+          <a:p>
+            <a:pPr algn="ctr"/>
+            <a:r>
+              <a:rPr lang="de-DE" dirty="0"/>
+              <a:t>5</a:t>
+            </a:r>
+          </a:p>
+        </p:txBody>
+      </p:sp>
+      <p:sp>
+        <p:nvSpPr>
+          <p:cNvPr id="61" name="Rechteck 60">
+            <a:extLst>
+              <a:ext uri="{FF2B5EF4-FFF2-40B4-BE49-F238E27FC236}">
+                <a16:creationId xmlns:a16="http://schemas.microsoft.com/office/drawing/2014/main" id="{AF146341-7308-446B-B2B2-820DF37E5FA0}"/>
+              </a:ext>
+            </a:extLst>
+          </p:cNvPr>
+          <p:cNvSpPr/>
+          <p:nvPr/>
+        </p:nvSpPr>
+        <p:spPr>
+          <a:xfrm>
+            <a:off x="4781743" y="4287340"/>
+            <a:ext cx="360000" cy="360000"/>
+          </a:xfrm>
+          <a:prstGeom prst="rect">
+            <a:avLst/>
+          </a:prstGeom>
+        </p:spPr>
+        <p:style>
+          <a:lnRef idx="3">
+            <a:schemeClr val="lt1"/>
+          </a:lnRef>
+          <a:fillRef idx="1">
+            <a:schemeClr val="accent6"/>
+          </a:fillRef>
+          <a:effectRef idx="1">
+            <a:schemeClr val="accent6"/>
+          </a:effectRef>
+          <a:fontRef idx="minor">
+            <a:schemeClr val="lt1"/>
+          </a:fontRef>
+        </p:style>
+        <p:txBody>
+          <a:bodyPr rtlCol="0" anchor="ctr"/>
+          <a:lstStyle/>
+          <a:p>
+            <a:pPr algn="ctr"/>
+            <a:r>
+              <a:rPr lang="de-DE" dirty="0"/>
+              <a:t>6</a:t>
+            </a:r>
+          </a:p>
+        </p:txBody>
+      </p:sp>
+      <p:sp>
+        <p:nvSpPr>
+          <p:cNvPr id="62" name="Rechteck 61">
+            <a:extLst>
+              <a:ext uri="{FF2B5EF4-FFF2-40B4-BE49-F238E27FC236}">
+                <a16:creationId xmlns:a16="http://schemas.microsoft.com/office/drawing/2014/main" id="{725C3D55-2D30-4056-BC96-FA99A17AAB63}"/>
+              </a:ext>
+            </a:extLst>
+          </p:cNvPr>
+          <p:cNvSpPr/>
+          <p:nvPr/>
+        </p:nvSpPr>
+        <p:spPr>
+          <a:xfrm>
+            <a:off x="4061743" y="4645390"/>
+            <a:ext cx="360000" cy="360000"/>
+          </a:xfrm>
+          <a:prstGeom prst="rect">
+            <a:avLst/>
+          </a:prstGeom>
+        </p:spPr>
+        <p:style>
+          <a:lnRef idx="3">
+            <a:schemeClr val="lt1"/>
+          </a:lnRef>
+          <a:fillRef idx="1">
+            <a:schemeClr val="accent6"/>
+          </a:fillRef>
+          <a:effectRef idx="1">
+            <a:schemeClr val="accent6"/>
+          </a:effectRef>
+          <a:fontRef idx="minor">
+            <a:schemeClr val="lt1"/>
+          </a:fontRef>
+        </p:style>
+        <p:txBody>
+          <a:bodyPr rtlCol="0" anchor="ctr"/>
+          <a:lstStyle/>
+          <a:p>
+            <a:pPr algn="ctr"/>
+            <a:r>
+              <a:rPr lang="de-DE" dirty="0"/>
+              <a:t>7</a:t>
+            </a:r>
+          </a:p>
+        </p:txBody>
+      </p:sp>
+      <p:sp>
+        <p:nvSpPr>
+          <p:cNvPr id="63" name="Rechteck 62">
+            <a:extLst>
+              <a:ext uri="{FF2B5EF4-FFF2-40B4-BE49-F238E27FC236}">
+                <a16:creationId xmlns:a16="http://schemas.microsoft.com/office/drawing/2014/main" id="{90628AB2-AE9F-4F85-BDE8-FDF466EC7AD4}"/>
+              </a:ext>
+            </a:extLst>
+          </p:cNvPr>
+          <p:cNvSpPr/>
+          <p:nvPr/>
+        </p:nvSpPr>
+        <p:spPr>
+          <a:xfrm>
+            <a:off x="4421743" y="4645390"/>
+            <a:ext cx="360000" cy="360000"/>
+          </a:xfrm>
+          <a:prstGeom prst="rect">
+            <a:avLst/>
+          </a:prstGeom>
+        </p:spPr>
+        <p:style>
+          <a:lnRef idx="3">
+            <a:schemeClr val="lt1"/>
+          </a:lnRef>
+          <a:fillRef idx="1">
+            <a:schemeClr val="accent6"/>
+          </a:fillRef>
+          <a:effectRef idx="1">
+            <a:schemeClr val="accent6"/>
+          </a:effectRef>
+          <a:fontRef idx="minor">
+            <a:schemeClr val="lt1"/>
+          </a:fontRef>
+        </p:style>
+        <p:txBody>
+          <a:bodyPr rtlCol="0" anchor="ctr"/>
+          <a:lstStyle/>
+          <a:p>
+            <a:pPr algn="ctr"/>
+            <a:r>
+              <a:rPr lang="de-DE" dirty="0"/>
+              <a:t>8</a:t>
+            </a:r>
+          </a:p>
+        </p:txBody>
+      </p:sp>
+      <p:sp>
+        <p:nvSpPr>
+          <p:cNvPr id="64" name="Rechteck 63">
+            <a:extLst>
+              <a:ext uri="{FF2B5EF4-FFF2-40B4-BE49-F238E27FC236}">
+                <a16:creationId xmlns:a16="http://schemas.microsoft.com/office/drawing/2014/main" id="{DE09CD03-0622-4A3F-B337-D5FDDA558E1D}"/>
+              </a:ext>
+            </a:extLst>
+          </p:cNvPr>
+          <p:cNvSpPr/>
+          <p:nvPr/>
+        </p:nvSpPr>
+        <p:spPr>
+          <a:xfrm>
+            <a:off x="4781743" y="4645390"/>
+            <a:ext cx="360000" cy="360000"/>
+          </a:xfrm>
+          <a:prstGeom prst="rect">
+            <a:avLst/>
+          </a:prstGeom>
+        </p:spPr>
+        <p:style>
+          <a:lnRef idx="3">
+            <a:schemeClr val="lt1"/>
+          </a:lnRef>
+          <a:fillRef idx="1">
+            <a:schemeClr val="accent6"/>
+          </a:fillRef>
+          <a:effectRef idx="1">
+            <a:schemeClr val="accent6"/>
+          </a:effectRef>
+          <a:fontRef idx="minor">
+            <a:schemeClr val="lt1"/>
+          </a:fontRef>
+        </p:style>
+        <p:txBody>
+          <a:bodyPr rtlCol="0" anchor="ctr"/>
+          <a:lstStyle/>
+          <a:p>
+            <a:pPr algn="ctr"/>
+            <a:r>
+              <a:rPr lang="de-DE" dirty="0"/>
+              <a:t>9</a:t>
+            </a:r>
+          </a:p>
+        </p:txBody>
+      </p:sp>
+      <p:sp>
+        <p:nvSpPr>
+          <p:cNvPr id="65" name="Rechteck 64">
+            <a:extLst>
+              <a:ext uri="{FF2B5EF4-FFF2-40B4-BE49-F238E27FC236}">
+                <a16:creationId xmlns:a16="http://schemas.microsoft.com/office/drawing/2014/main" id="{E7A6BB30-24F4-46A3-8159-76E6A58ADF2F}"/>
+              </a:ext>
+            </a:extLst>
+          </p:cNvPr>
+          <p:cNvSpPr/>
+          <p:nvPr/>
+        </p:nvSpPr>
+        <p:spPr>
+          <a:xfrm>
+            <a:off x="4061743" y="5003440"/>
+            <a:ext cx="360000" cy="360000"/>
+          </a:xfrm>
+          <a:prstGeom prst="rect">
+            <a:avLst/>
+          </a:prstGeom>
+        </p:spPr>
+        <p:style>
+          <a:lnRef idx="3">
+            <a:schemeClr val="lt1"/>
+          </a:lnRef>
+          <a:fillRef idx="1">
+            <a:schemeClr val="accent6"/>
+          </a:fillRef>
+          <a:effectRef idx="1">
+            <a:schemeClr val="accent6"/>
+          </a:effectRef>
+          <a:fontRef idx="minor">
+            <a:schemeClr val="lt1"/>
+          </a:fontRef>
+        </p:style>
+        <p:txBody>
+          <a:bodyPr rtlCol="0" anchor="ctr"/>
+          <a:lstStyle/>
+          <a:p>
+            <a:pPr algn="ctr"/>
+            <a:r>
+              <a:rPr lang="de-DE" dirty="0"/>
+              <a:t>L</a:t>
+            </a:r>
+          </a:p>
+        </p:txBody>
+      </p:sp>
+      <p:sp>
+        <p:nvSpPr>
+          <p:cNvPr id="66" name="Rechteck 65">
+            <a:extLst>
+              <a:ext uri="{FF2B5EF4-FFF2-40B4-BE49-F238E27FC236}">
+                <a16:creationId xmlns:a16="http://schemas.microsoft.com/office/drawing/2014/main" id="{7414911E-4938-4B76-A928-CED91AB6BFEB}"/>
+              </a:ext>
+            </a:extLst>
+          </p:cNvPr>
+          <p:cNvSpPr/>
+          <p:nvPr/>
+        </p:nvSpPr>
+        <p:spPr>
+          <a:xfrm>
+            <a:off x="4421743" y="5003440"/>
+            <a:ext cx="360000" cy="360000"/>
+          </a:xfrm>
+          <a:prstGeom prst="rect">
+            <a:avLst/>
+          </a:prstGeom>
+        </p:spPr>
+        <p:style>
+          <a:lnRef idx="3">
+            <a:schemeClr val="lt1"/>
+          </a:lnRef>
+          <a:fillRef idx="1">
+            <a:schemeClr val="accent6"/>
+          </a:fillRef>
+          <a:effectRef idx="1">
+            <a:schemeClr val="accent6"/>
+          </a:effectRef>
+          <a:fontRef idx="minor">
+            <a:schemeClr val="lt1"/>
+          </a:fontRef>
+        </p:style>
+        <p:txBody>
+          <a:bodyPr rtlCol="0" anchor="ctr"/>
+          <a:lstStyle/>
+          <a:p>
+            <a:pPr algn="ctr"/>
+            <a:r>
+              <a:rPr lang="de-DE" dirty="0"/>
+              <a:t>0</a:t>
+            </a:r>
+          </a:p>
+        </p:txBody>
+      </p:sp>
+      <p:sp>
+        <p:nvSpPr>
+          <p:cNvPr id="67" name="Rechteck 66">
+            <a:extLst>
+              <a:ext uri="{FF2B5EF4-FFF2-40B4-BE49-F238E27FC236}">
+                <a16:creationId xmlns:a16="http://schemas.microsoft.com/office/drawing/2014/main" id="{B33007E0-7FB2-4C8A-AAB8-76C732200BBA}"/>
+              </a:ext>
+            </a:extLst>
+          </p:cNvPr>
+          <p:cNvSpPr/>
+          <p:nvPr/>
+        </p:nvSpPr>
+        <p:spPr>
+          <a:xfrm>
+            <a:off x="4781743" y="5003440"/>
+            <a:ext cx="360000" cy="360000"/>
+          </a:xfrm>
+          <a:prstGeom prst="rect">
+            <a:avLst/>
+          </a:prstGeom>
+        </p:spPr>
+        <p:style>
+          <a:lnRef idx="3">
+            <a:schemeClr val="lt1"/>
+          </a:lnRef>
+          <a:fillRef idx="1">
+            <a:schemeClr val="accent6"/>
+          </a:fillRef>
+          <a:effectRef idx="1">
+            <a:schemeClr val="accent6"/>
+          </a:effectRef>
+          <a:fontRef idx="minor">
+            <a:schemeClr val="lt1"/>
+          </a:fontRef>
+        </p:style>
+        <p:txBody>
+          <a:bodyPr rtlCol="0" anchor="ctr"/>
+          <a:lstStyle/>
+          <a:p>
+            <a:pPr algn="ctr"/>
+            <a:r>
+              <a:rPr lang="de-DE" dirty="0"/>
+              <a:t>R</a:t>
+            </a:r>
+          </a:p>
+        </p:txBody>
+      </p:sp>
+      <p:sp>
+        <p:nvSpPr>
+          <p:cNvPr id="68" name="Rechteck 67">
+            <a:extLst>
+              <a:ext uri="{FF2B5EF4-FFF2-40B4-BE49-F238E27FC236}">
+                <a16:creationId xmlns:a16="http://schemas.microsoft.com/office/drawing/2014/main" id="{E4D6FBE6-F927-482F-92C8-8ECC64369938}"/>
+              </a:ext>
+            </a:extLst>
+          </p:cNvPr>
+          <p:cNvSpPr/>
+          <p:nvPr/>
+        </p:nvSpPr>
+        <p:spPr>
+          <a:xfrm>
+            <a:off x="5321743" y="3749506"/>
+            <a:ext cx="2160000" cy="1080000"/>
+          </a:xfrm>
+          <a:prstGeom prst="rect">
+            <a:avLst/>
+          </a:prstGeom>
+        </p:spPr>
+        <p:style>
+          <a:lnRef idx="2">
+            <a:schemeClr val="accent1">
+              <a:shade val="50000"/>
+            </a:schemeClr>
+          </a:lnRef>
+          <a:fillRef idx="1">
+            <a:schemeClr val="accent1"/>
+          </a:fillRef>
+          <a:effectRef idx="0">
+            <a:schemeClr val="accent1"/>
+          </a:effectRef>
+          <a:fontRef idx="minor">
+            <a:schemeClr val="lt1"/>
+          </a:fontRef>
+        </p:style>
+        <p:txBody>
+          <a:bodyPr rtlCol="0" anchor="ctr"/>
+          <a:lstStyle/>
+          <a:p>
+            <a:pPr algn="ctr"/>
+            <a:endParaRPr lang="de-DE" dirty="0"/>
+          </a:p>
+        </p:txBody>
+      </p:sp>
+      <p:sp>
+        <p:nvSpPr>
+          <p:cNvPr id="69" name="Rechteck 68">
+            <a:extLst>
+              <a:ext uri="{FF2B5EF4-FFF2-40B4-BE49-F238E27FC236}">
+                <a16:creationId xmlns:a16="http://schemas.microsoft.com/office/drawing/2014/main" id="{998501F2-A219-4A78-80C3-35DD7C79475C}"/>
+              </a:ext>
+            </a:extLst>
+          </p:cNvPr>
+          <p:cNvSpPr/>
+          <p:nvPr/>
+        </p:nvSpPr>
+        <p:spPr>
+          <a:xfrm>
+            <a:off x="5411743" y="3835031"/>
+            <a:ext cx="1980000" cy="900000"/>
+          </a:xfrm>
+          <a:prstGeom prst="rect">
+            <a:avLst/>
+          </a:prstGeom>
+        </p:spPr>
+        <p:style>
+          <a:lnRef idx="2">
+            <a:schemeClr val="accent6">
+              <a:shade val="50000"/>
+            </a:schemeClr>
+          </a:lnRef>
+          <a:fillRef idx="1">
+            <a:schemeClr val="accent6"/>
+          </a:fillRef>
+          <a:effectRef idx="0">
+            <a:schemeClr val="accent6"/>
+          </a:effectRef>
+          <a:fontRef idx="minor">
+            <a:schemeClr val="lt1"/>
+          </a:fontRef>
+        </p:style>
+        <p:txBody>
+          <a:bodyPr rtlCol="0" anchor="ctr"/>
+          <a:lstStyle/>
+          <a:p>
+            <a:pPr algn="ctr"/>
+            <a:r>
+              <a:rPr lang="de-DE" dirty="0"/>
+              <a:t>LCD</a:t>
+            </a:r>
+          </a:p>
+        </p:txBody>
+      </p:sp>
+      <p:sp>
+        <p:nvSpPr>
+          <p:cNvPr id="70" name="Rechteck 69">
+            <a:extLst>
+              <a:ext uri="{FF2B5EF4-FFF2-40B4-BE49-F238E27FC236}">
+                <a16:creationId xmlns:a16="http://schemas.microsoft.com/office/drawing/2014/main" id="{5F351214-2868-44B5-AFCA-7CF239D51506}"/>
+              </a:ext>
+            </a:extLst>
+          </p:cNvPr>
+          <p:cNvSpPr/>
+          <p:nvPr/>
+        </p:nvSpPr>
+        <p:spPr>
+          <a:xfrm>
+            <a:off x="6041742" y="4823440"/>
+            <a:ext cx="1440000" cy="720000"/>
+          </a:xfrm>
+          <a:prstGeom prst="rect">
+            <a:avLst/>
+          </a:prstGeom>
+        </p:spPr>
+        <p:style>
+          <a:lnRef idx="2">
+            <a:schemeClr val="accent1">
+              <a:shade val="50000"/>
+            </a:schemeClr>
+          </a:lnRef>
+          <a:fillRef idx="1">
+            <a:schemeClr val="accent1"/>
+          </a:fillRef>
+          <a:effectRef idx="0">
+            <a:schemeClr val="accent1"/>
+          </a:effectRef>
+          <a:fontRef idx="minor">
+            <a:schemeClr val="lt1"/>
+          </a:fontRef>
+        </p:style>
+        <p:txBody>
+          <a:bodyPr rtlCol="0" anchor="ctr"/>
+          <a:lstStyle/>
+          <a:p>
+            <a:pPr algn="ctr"/>
+            <a:endParaRPr lang="de-DE" dirty="0"/>
+          </a:p>
+        </p:txBody>
+      </p:sp>
+      <p:sp>
+        <p:nvSpPr>
+          <p:cNvPr id="71" name="Rechteck 70">
+            <a:extLst>
+              <a:ext uri="{FF2B5EF4-FFF2-40B4-BE49-F238E27FC236}">
+                <a16:creationId xmlns:a16="http://schemas.microsoft.com/office/drawing/2014/main" id="{0339E1DE-EE45-47EE-BE16-9FDB873025E7}"/>
+              </a:ext>
+            </a:extLst>
+          </p:cNvPr>
+          <p:cNvSpPr/>
+          <p:nvPr/>
+        </p:nvSpPr>
+        <p:spPr>
+          <a:xfrm>
+            <a:off x="6131742" y="4913440"/>
+            <a:ext cx="1260000" cy="540000"/>
+          </a:xfrm>
+          <a:prstGeom prst="rect">
+            <a:avLst/>
+          </a:prstGeom>
+        </p:spPr>
+        <p:style>
+          <a:lnRef idx="2">
+            <a:schemeClr val="accent4">
+              <a:shade val="50000"/>
+            </a:schemeClr>
+          </a:lnRef>
+          <a:fillRef idx="1">
+            <a:schemeClr val="accent4"/>
+          </a:fillRef>
+          <a:effectRef idx="0">
+            <a:schemeClr val="accent4"/>
+          </a:effectRef>
+          <a:fontRef idx="minor">
+            <a:schemeClr val="lt1"/>
+          </a:fontRef>
+        </p:style>
+        <p:txBody>
+          <a:bodyPr rtlCol="0" anchor="ctr"/>
+          <a:lstStyle/>
+          <a:p>
+            <a:pPr algn="ctr"/>
+            <a:r>
+              <a:rPr lang="de-DE" dirty="0"/>
+              <a:t>Batterie</a:t>
+            </a:r>
+          </a:p>
+        </p:txBody>
+      </p:sp>
+      <p:sp>
+        <p:nvSpPr>
+          <p:cNvPr id="72" name="Rechteck 71">
+            <a:extLst>
+              <a:ext uri="{FF2B5EF4-FFF2-40B4-BE49-F238E27FC236}">
+                <a16:creationId xmlns:a16="http://schemas.microsoft.com/office/drawing/2014/main" id="{86CE1238-8EDF-4E13-B85E-0AF5571E85B6}"/>
+              </a:ext>
+            </a:extLst>
+          </p:cNvPr>
+          <p:cNvSpPr/>
+          <p:nvPr/>
+        </p:nvSpPr>
+        <p:spPr>
+          <a:xfrm>
+            <a:off x="5321744" y="4825319"/>
+            <a:ext cx="720000" cy="360000"/>
+          </a:xfrm>
+          <a:prstGeom prst="rect">
+            <a:avLst/>
+          </a:prstGeom>
+        </p:spPr>
+        <p:style>
+          <a:lnRef idx="2">
+            <a:schemeClr val="accent1">
+              <a:shade val="50000"/>
+            </a:schemeClr>
+          </a:lnRef>
+          <a:fillRef idx="1">
+            <a:schemeClr val="accent1"/>
+          </a:fillRef>
+          <a:effectRef idx="0">
+            <a:schemeClr val="accent1"/>
+          </a:effectRef>
+          <a:fontRef idx="minor">
+            <a:schemeClr val="lt1"/>
+          </a:fontRef>
+        </p:style>
+        <p:txBody>
+          <a:bodyPr rtlCol="0" anchor="ctr"/>
+          <a:lstStyle/>
+          <a:p>
+            <a:pPr algn="ctr"/>
+            <a:endParaRPr lang="de-DE" dirty="0"/>
+          </a:p>
+        </p:txBody>
+      </p:sp>
+      <p:sp>
+        <p:nvSpPr>
+          <p:cNvPr id="73" name="Rechteck 72">
+            <a:extLst>
+              <a:ext uri="{FF2B5EF4-FFF2-40B4-BE49-F238E27FC236}">
+                <a16:creationId xmlns:a16="http://schemas.microsoft.com/office/drawing/2014/main" id="{388A062E-4E3A-422F-A55C-7CABF3A34398}"/>
+              </a:ext>
+            </a:extLst>
+          </p:cNvPr>
+          <p:cNvSpPr/>
+          <p:nvPr/>
+        </p:nvSpPr>
+        <p:spPr>
+          <a:xfrm>
+            <a:off x="5321743" y="5183440"/>
+            <a:ext cx="720000" cy="360000"/>
+          </a:xfrm>
+          <a:prstGeom prst="rect">
+            <a:avLst/>
+          </a:prstGeom>
+        </p:spPr>
+        <p:style>
+          <a:lnRef idx="2">
+            <a:schemeClr val="accent1">
+              <a:shade val="50000"/>
+            </a:schemeClr>
+          </a:lnRef>
+          <a:fillRef idx="1">
+            <a:schemeClr val="accent1"/>
+          </a:fillRef>
+          <a:effectRef idx="0">
+            <a:schemeClr val="accent1"/>
+          </a:effectRef>
+          <a:fontRef idx="minor">
+            <a:schemeClr val="lt1"/>
+          </a:fontRef>
+        </p:style>
+        <p:txBody>
+          <a:bodyPr rtlCol="0" anchor="ctr"/>
+          <a:lstStyle/>
+          <a:p>
+            <a:pPr algn="ctr"/>
+            <a:endParaRPr lang="de-DE" dirty="0"/>
+          </a:p>
+        </p:txBody>
+      </p:sp>
+      <p:sp>
+        <p:nvSpPr>
+          <p:cNvPr id="74" name="Rechteck 73">
+            <a:extLst>
+              <a:ext uri="{FF2B5EF4-FFF2-40B4-BE49-F238E27FC236}">
+                <a16:creationId xmlns:a16="http://schemas.microsoft.com/office/drawing/2014/main" id="{AC46D2B2-2C3C-41C2-B2E5-25B9EA2E5697}"/>
+              </a:ext>
+            </a:extLst>
+          </p:cNvPr>
+          <p:cNvSpPr/>
+          <p:nvPr/>
+        </p:nvSpPr>
+        <p:spPr>
+          <a:xfrm>
+            <a:off x="5516479" y="4862587"/>
+            <a:ext cx="360000" cy="270000"/>
+          </a:xfrm>
+          <a:prstGeom prst="rect">
+            <a:avLst/>
+          </a:prstGeom>
+        </p:spPr>
+        <p:style>
+          <a:lnRef idx="2">
+            <a:schemeClr val="accent6">
+              <a:shade val="50000"/>
+            </a:schemeClr>
+          </a:lnRef>
+          <a:fillRef idx="1">
+            <a:schemeClr val="accent6"/>
+          </a:fillRef>
+          <a:effectRef idx="0">
+            <a:schemeClr val="accent6"/>
+          </a:effectRef>
+          <a:fontRef idx="minor">
+            <a:schemeClr val="lt1"/>
+          </a:fontRef>
+        </p:style>
+        <p:txBody>
+          <a:bodyPr rtlCol="0" anchor="ctr"/>
+          <a:lstStyle/>
+          <a:p>
+            <a:pPr algn="ctr"/>
+            <a:endParaRPr lang="de-DE" dirty="0"/>
+          </a:p>
+        </p:txBody>
+      </p:sp>
+      <p:sp>
+        <p:nvSpPr>
+          <p:cNvPr id="75" name="Ellipse 74">
+            <a:extLst>
+              <a:ext uri="{FF2B5EF4-FFF2-40B4-BE49-F238E27FC236}">
+                <a16:creationId xmlns:a16="http://schemas.microsoft.com/office/drawing/2014/main" id="{4CAFAEB6-1129-484C-98DD-DC431E697C79}"/>
+              </a:ext>
+            </a:extLst>
+          </p:cNvPr>
+          <p:cNvSpPr/>
+          <p:nvPr/>
+        </p:nvSpPr>
+        <p:spPr>
+          <a:xfrm>
+            <a:off x="5606479" y="4908965"/>
+            <a:ext cx="180000" cy="180000"/>
+          </a:xfrm>
+          <a:prstGeom prst="ellipse">
+            <a:avLst/>
+          </a:prstGeom>
+        </p:spPr>
+        <p:style>
+          <a:lnRef idx="2">
+            <a:schemeClr val="accent1">
+              <a:shade val="50000"/>
+            </a:schemeClr>
+          </a:lnRef>
+          <a:fillRef idx="1">
+            <a:schemeClr val="accent1"/>
+          </a:fillRef>
+          <a:effectRef idx="0">
+            <a:schemeClr val="accent1"/>
+          </a:effectRef>
+          <a:fontRef idx="minor">
+            <a:schemeClr val="lt1"/>
+          </a:fontRef>
+        </p:style>
+        <p:txBody>
+          <a:bodyPr rtlCol="0" anchor="ctr"/>
+          <a:lstStyle/>
+          <a:p>
+            <a:pPr algn="ctr"/>
+            <a:endParaRPr lang="de-DE"/>
+          </a:p>
+        </p:txBody>
+      </p:sp>
+      <p:sp>
+        <p:nvSpPr>
+          <p:cNvPr id="76" name="Rechteck 75">
+            <a:extLst>
+              <a:ext uri="{FF2B5EF4-FFF2-40B4-BE49-F238E27FC236}">
+                <a16:creationId xmlns:a16="http://schemas.microsoft.com/office/drawing/2014/main" id="{684D740A-DE05-4732-9054-1A4278FD27FF}"/>
+              </a:ext>
+            </a:extLst>
+          </p:cNvPr>
+          <p:cNvSpPr/>
+          <p:nvPr/>
+        </p:nvSpPr>
+        <p:spPr>
+          <a:xfrm>
+            <a:off x="5391537" y="5228440"/>
+            <a:ext cx="560205" cy="270000"/>
+          </a:xfrm>
+          <a:prstGeom prst="rect">
+            <a:avLst/>
+          </a:prstGeom>
+        </p:spPr>
+        <p:style>
+          <a:lnRef idx="2">
+            <a:schemeClr val="accent6">
+              <a:shade val="50000"/>
+            </a:schemeClr>
+          </a:lnRef>
+          <a:fillRef idx="1">
+            <a:schemeClr val="accent6"/>
+          </a:fillRef>
+          <a:effectRef idx="0">
+            <a:schemeClr val="accent6"/>
+          </a:effectRef>
+          <a:fontRef idx="minor">
+            <a:schemeClr val="lt1"/>
+          </a:fontRef>
+        </p:style>
+        <p:txBody>
+          <a:bodyPr rtlCol="0" anchor="ctr"/>
+          <a:lstStyle/>
+          <a:p>
+            <a:pPr algn="ctr"/>
+            <a:endParaRPr lang="de-DE" dirty="0"/>
+          </a:p>
+        </p:txBody>
+      </p:sp>
+      <p:sp>
+        <p:nvSpPr>
+          <p:cNvPr id="77" name="Rechteck 76">
+            <a:extLst>
+              <a:ext uri="{FF2B5EF4-FFF2-40B4-BE49-F238E27FC236}">
+                <a16:creationId xmlns:a16="http://schemas.microsoft.com/office/drawing/2014/main" id="{F8C69B6D-4A3A-408F-91D3-C5D2C6D22F5C}"/>
+              </a:ext>
+            </a:extLst>
+          </p:cNvPr>
+          <p:cNvSpPr/>
+          <p:nvPr/>
+        </p:nvSpPr>
+        <p:spPr>
+          <a:xfrm>
+            <a:off x="5645160" y="5261830"/>
+            <a:ext cx="102637" cy="181069"/>
+          </a:xfrm>
+          <a:prstGeom prst="rect">
+            <a:avLst/>
+          </a:prstGeom>
+        </p:spPr>
+        <p:style>
+          <a:lnRef idx="2">
+            <a:schemeClr val="dk1">
+              <a:shade val="50000"/>
+            </a:schemeClr>
+          </a:lnRef>
+          <a:fillRef idx="1">
+            <a:schemeClr val="dk1"/>
+          </a:fillRef>
+          <a:effectRef idx="0">
+            <a:schemeClr val="dk1"/>
+          </a:effectRef>
+          <a:fontRef idx="minor">
+            <a:schemeClr val="lt1"/>
+          </a:fontRef>
+        </p:style>
+        <p:txBody>
+          <a:bodyPr rtlCol="0" anchor="ctr"/>
+          <a:lstStyle/>
+          <a:p>
+            <a:pPr algn="ctr"/>
+            <a:endParaRPr lang="de-DE"/>
+          </a:p>
+        </p:txBody>
+      </p:sp>
+      <p:sp>
+        <p:nvSpPr>
+          <p:cNvPr id="78" name="Rechteck 77">
+            <a:extLst>
+              <a:ext uri="{FF2B5EF4-FFF2-40B4-BE49-F238E27FC236}">
+                <a16:creationId xmlns:a16="http://schemas.microsoft.com/office/drawing/2014/main" id="{0BF5D9AD-4FCF-4EE2-92F8-664D1821E23F}"/>
+              </a:ext>
+            </a:extLst>
+          </p:cNvPr>
+          <p:cNvSpPr/>
+          <p:nvPr/>
+        </p:nvSpPr>
+        <p:spPr>
+          <a:xfrm>
+            <a:off x="4647971" y="1242848"/>
+            <a:ext cx="1800000" cy="360000"/>
+          </a:xfrm>
+          <a:prstGeom prst="rect">
+            <a:avLst/>
+          </a:prstGeom>
+        </p:spPr>
+        <p:style>
+          <a:lnRef idx="2">
+            <a:schemeClr val="accent1">
+              <a:shade val="50000"/>
+            </a:schemeClr>
+          </a:lnRef>
+          <a:fillRef idx="1">
+            <a:schemeClr val="accent1"/>
+          </a:fillRef>
+          <a:effectRef idx="0">
+            <a:schemeClr val="accent1"/>
+          </a:effectRef>
+          <a:fontRef idx="minor">
+            <a:schemeClr val="lt1"/>
+          </a:fontRef>
+        </p:style>
+        <p:txBody>
+          <a:bodyPr rtlCol="0" anchor="ctr"/>
+          <a:lstStyle/>
+          <a:p>
+            <a:pPr algn="ctr"/>
+            <a:r>
+              <a:rPr lang="de-DE" dirty="0"/>
+              <a:t>Response LED</a:t>
+            </a:r>
+          </a:p>
+        </p:txBody>
+      </p:sp>
+      <p:sp>
+        <p:nvSpPr>
+          <p:cNvPr id="79" name="Rechteck 78">
+            <a:extLst>
+              <a:ext uri="{FF2B5EF4-FFF2-40B4-BE49-F238E27FC236}">
+                <a16:creationId xmlns:a16="http://schemas.microsoft.com/office/drawing/2014/main" id="{86CC4239-48E7-4B23-98FE-FDDC8A7A3B76}"/>
+              </a:ext>
+            </a:extLst>
+          </p:cNvPr>
+          <p:cNvSpPr/>
+          <p:nvPr/>
+        </p:nvSpPr>
+        <p:spPr>
+          <a:xfrm>
+            <a:off x="4647971" y="1608366"/>
+            <a:ext cx="1800000" cy="360000"/>
+          </a:xfrm>
+          <a:prstGeom prst="rect">
+            <a:avLst/>
+          </a:prstGeom>
+        </p:spPr>
+        <p:style>
+          <a:lnRef idx="2">
+            <a:schemeClr val="accent1">
+              <a:shade val="50000"/>
+            </a:schemeClr>
+          </a:lnRef>
+          <a:fillRef idx="1">
+            <a:schemeClr val="accent1"/>
+          </a:fillRef>
+          <a:effectRef idx="0">
+            <a:schemeClr val="accent1"/>
+          </a:effectRef>
+          <a:fontRef idx="minor">
+            <a:schemeClr val="lt1"/>
+          </a:fontRef>
+        </p:style>
+        <p:txBody>
+          <a:bodyPr rtlCol="0" anchor="ctr"/>
+          <a:lstStyle/>
+          <a:p>
+            <a:pPr algn="ctr"/>
+            <a:r>
+              <a:rPr lang="de-DE" sz="1600" dirty="0" err="1"/>
+              <a:t>No</a:t>
+            </a:r>
+            <a:r>
+              <a:rPr lang="de-DE" sz="1600" dirty="0"/>
+              <a:t> Response LED</a:t>
+            </a:r>
+          </a:p>
+        </p:txBody>
+      </p:sp>
+      <p:cxnSp>
+        <p:nvCxnSpPr>
+          <p:cNvPr id="80" name="Verbinder: gewinkelt 79">
+            <a:extLst>
+              <a:ext uri="{FF2B5EF4-FFF2-40B4-BE49-F238E27FC236}">
+                <a16:creationId xmlns:a16="http://schemas.microsoft.com/office/drawing/2014/main" id="{1E596B19-8C12-4103-A936-32031EE0BFB2}"/>
+              </a:ext>
+            </a:extLst>
+          </p:cNvPr>
+          <p:cNvCxnSpPr>
+            <a:stCxn id="79" idx="1"/>
+            <a:endCxn id="47" idx="0"/>
+          </p:cNvCxnSpPr>
+          <p:nvPr/>
+        </p:nvCxnSpPr>
+        <p:spPr>
+          <a:xfrm rot="10800000" flipV="1">
+            <a:off x="4383177" y="1788365"/>
+            <a:ext cx="264794" cy="650869"/>
+          </a:xfrm>
+          <a:prstGeom prst="bentConnector2">
+            <a:avLst/>
+          </a:prstGeom>
+          <a:ln w="25400">
+            <a:tailEnd type="triangle"/>
+          </a:ln>
+        </p:spPr>
+        <p:style>
+          <a:lnRef idx="1">
+            <a:schemeClr val="accent5"/>
+          </a:lnRef>
+          <a:fillRef idx="0">
+            <a:schemeClr val="accent5"/>
+          </a:fillRef>
+          <a:effectRef idx="0">
+            <a:schemeClr val="accent5"/>
+          </a:effectRef>
+          <a:fontRef idx="minor">
+            <a:schemeClr val="tx1"/>
+          </a:fontRef>
+        </p:style>
+      </p:cxnSp>
+      <p:cxnSp>
+        <p:nvCxnSpPr>
+          <p:cNvPr id="81" name="Verbinder: gewinkelt 80">
+            <a:extLst>
+              <a:ext uri="{FF2B5EF4-FFF2-40B4-BE49-F238E27FC236}">
+                <a16:creationId xmlns:a16="http://schemas.microsoft.com/office/drawing/2014/main" id="{E5D48EE0-1FFB-422F-9678-8E2B1514E390}"/>
+              </a:ext>
+            </a:extLst>
+          </p:cNvPr>
+          <p:cNvCxnSpPr>
+            <a:stCxn id="78" idx="1"/>
+            <a:endCxn id="43" idx="0"/>
+          </p:cNvCxnSpPr>
+          <p:nvPr/>
+        </p:nvCxnSpPr>
+        <p:spPr>
+          <a:xfrm rot="10800000" flipV="1">
+            <a:off x="4074611" y="1422847"/>
+            <a:ext cx="573360" cy="1016387"/>
+          </a:xfrm>
+          <a:prstGeom prst="bentConnector2">
+            <a:avLst/>
+          </a:prstGeom>
+          <a:ln w="25400">
+            <a:tailEnd type="triangle"/>
+          </a:ln>
+        </p:spPr>
+        <p:style>
+          <a:lnRef idx="1">
+            <a:schemeClr val="accent2"/>
+          </a:lnRef>
+          <a:fillRef idx="0">
+            <a:schemeClr val="accent2"/>
+          </a:fillRef>
+          <a:effectRef idx="0">
+            <a:schemeClr val="accent2"/>
+          </a:effectRef>
+          <a:fontRef idx="minor">
+            <a:schemeClr val="tx1"/>
+          </a:fontRef>
+        </p:style>
+      </p:cxnSp>
+      <p:sp>
+        <p:nvSpPr>
+          <p:cNvPr id="82" name="Rechteck 81">
+            <a:extLst>
+              <a:ext uri="{FF2B5EF4-FFF2-40B4-BE49-F238E27FC236}">
+                <a16:creationId xmlns:a16="http://schemas.microsoft.com/office/drawing/2014/main" id="{C71CF914-299B-4D91-95F0-5C778DCD2B7B}"/>
+              </a:ext>
+            </a:extLst>
+          </p:cNvPr>
+          <p:cNvSpPr/>
+          <p:nvPr/>
+        </p:nvSpPr>
+        <p:spPr>
+          <a:xfrm>
+            <a:off x="7552700" y="1240834"/>
+            <a:ext cx="1800000" cy="594103"/>
+          </a:xfrm>
+          <a:prstGeom prst="rect">
+            <a:avLst/>
+          </a:prstGeom>
+        </p:spPr>
+        <p:style>
+          <a:lnRef idx="2">
+            <a:schemeClr val="accent1">
+              <a:shade val="50000"/>
+            </a:schemeClr>
+          </a:lnRef>
+          <a:fillRef idx="1">
+            <a:schemeClr val="accent1"/>
+          </a:fillRef>
+          <a:effectRef idx="0">
+            <a:schemeClr val="accent1"/>
+          </a:effectRef>
+          <a:fontRef idx="minor">
+            <a:schemeClr val="lt1"/>
+          </a:fontRef>
+        </p:style>
+        <p:txBody>
+          <a:bodyPr rtlCol="0" anchor="ctr"/>
+          <a:lstStyle/>
+          <a:p>
+            <a:pPr algn="ctr"/>
+            <a:r>
+              <a:rPr lang="de-DE" dirty="0"/>
+              <a:t>Paper Insert IP List</a:t>
+            </a:r>
+          </a:p>
+        </p:txBody>
+      </p:sp>
+      <p:cxnSp>
+        <p:nvCxnSpPr>
+          <p:cNvPr id="83" name="Verbinder: gewinkelt 82">
+            <a:extLst>
+              <a:ext uri="{FF2B5EF4-FFF2-40B4-BE49-F238E27FC236}">
+                <a16:creationId xmlns:a16="http://schemas.microsoft.com/office/drawing/2014/main" id="{585014ED-CD97-4551-B880-CA71D0BBCE4D}"/>
+              </a:ext>
+            </a:extLst>
+          </p:cNvPr>
+          <p:cNvCxnSpPr>
+            <a:stCxn id="82" idx="2"/>
+            <a:endCxn id="51" idx="3"/>
+          </p:cNvCxnSpPr>
+          <p:nvPr/>
+        </p:nvCxnSpPr>
+        <p:spPr>
+          <a:xfrm rot="5400000">
+            <a:off x="7642320" y="1674361"/>
+            <a:ext cx="649805" cy="970957"/>
+          </a:xfrm>
+          <a:prstGeom prst="bentConnector2">
+            <a:avLst/>
+          </a:prstGeom>
+          <a:ln w="25400">
+            <a:tailEnd type="triangle"/>
+          </a:ln>
+        </p:spPr>
+        <p:style>
+          <a:lnRef idx="1">
+            <a:schemeClr val="accent1"/>
+          </a:lnRef>
+          <a:fillRef idx="0">
+            <a:schemeClr val="accent1"/>
+          </a:fillRef>
+          <a:effectRef idx="0">
+            <a:schemeClr val="accent1"/>
+          </a:effectRef>
+          <a:fontRef idx="minor">
+            <a:schemeClr val="tx1"/>
+          </a:fontRef>
+        </p:style>
+      </p:cxnSp>
+      <p:sp>
+        <p:nvSpPr>
+          <p:cNvPr id="84" name="Rechteck 83">
+            <a:extLst>
+              <a:ext uri="{FF2B5EF4-FFF2-40B4-BE49-F238E27FC236}">
+                <a16:creationId xmlns:a16="http://schemas.microsoft.com/office/drawing/2014/main" id="{07143F94-82ED-4EE6-972A-F53926EEAC0B}"/>
+              </a:ext>
+            </a:extLst>
+          </p:cNvPr>
+          <p:cNvSpPr/>
+          <p:nvPr/>
+        </p:nvSpPr>
+        <p:spPr>
+          <a:xfrm>
+            <a:off x="7937186" y="3835031"/>
+            <a:ext cx="1800000" cy="594103"/>
+          </a:xfrm>
+          <a:prstGeom prst="rect">
+            <a:avLst/>
+          </a:prstGeom>
+        </p:spPr>
+        <p:style>
+          <a:lnRef idx="2">
+            <a:schemeClr val="accent1">
+              <a:shade val="50000"/>
+            </a:schemeClr>
+          </a:lnRef>
+          <a:fillRef idx="1">
+            <a:schemeClr val="accent1"/>
+          </a:fillRef>
+          <a:effectRef idx="0">
+            <a:schemeClr val="accent1"/>
+          </a:effectRef>
+          <a:fontRef idx="minor">
+            <a:schemeClr val="lt1"/>
+          </a:fontRef>
+        </p:style>
+        <p:txBody>
+          <a:bodyPr rtlCol="0" anchor="ctr"/>
+          <a:lstStyle/>
+          <a:p>
+            <a:pPr algn="ctr"/>
+            <a:r>
+              <a:rPr lang="de-DE" dirty="0"/>
+              <a:t>LCD </a:t>
+            </a:r>
+            <a:r>
+              <a:rPr lang="de-DE" dirty="0" err="1"/>
+              <a:t>for</a:t>
+            </a:r>
+            <a:r>
+              <a:rPr lang="de-DE" dirty="0"/>
+              <a:t> Edit- </a:t>
+            </a:r>
+            <a:r>
+              <a:rPr lang="de-DE" dirty="0" err="1"/>
+              <a:t>mode</a:t>
+            </a:r>
+            <a:r>
+              <a:rPr lang="de-DE" dirty="0"/>
+              <a:t> Output</a:t>
+            </a:r>
+          </a:p>
+        </p:txBody>
+      </p:sp>
+      <p:cxnSp>
+        <p:nvCxnSpPr>
+          <p:cNvPr id="85" name="Gerade Verbindung mit Pfeil 84">
+            <a:extLst>
+              <a:ext uri="{FF2B5EF4-FFF2-40B4-BE49-F238E27FC236}">
+                <a16:creationId xmlns:a16="http://schemas.microsoft.com/office/drawing/2014/main" id="{9B8AEBDA-7B93-4CB4-A30E-9FDE3FCD3DB8}"/>
+              </a:ext>
+            </a:extLst>
+          </p:cNvPr>
+          <p:cNvCxnSpPr>
+            <a:stCxn id="84" idx="1"/>
+            <a:endCxn id="69" idx="3"/>
+          </p:cNvCxnSpPr>
+          <p:nvPr/>
+        </p:nvCxnSpPr>
+        <p:spPr>
+          <a:xfrm flipH="1">
+            <a:off x="7391743" y="4132083"/>
+            <a:ext cx="545443" cy="0"/>
+          </a:xfrm>
+          <a:prstGeom prst="straightConnector1">
+            <a:avLst/>
+          </a:prstGeom>
+          <a:ln w="25400">
+            <a:tailEnd type="triangle"/>
+          </a:ln>
+        </p:spPr>
+        <p:style>
+          <a:lnRef idx="1">
+            <a:schemeClr val="accent3"/>
+          </a:lnRef>
+          <a:fillRef idx="0">
+            <a:schemeClr val="accent3"/>
+          </a:fillRef>
+          <a:effectRef idx="0">
+            <a:schemeClr val="accent3"/>
+          </a:effectRef>
+          <a:fontRef idx="minor">
+            <a:schemeClr val="tx1"/>
+          </a:fontRef>
+        </p:style>
+      </p:cxnSp>
+      <p:sp>
+        <p:nvSpPr>
+          <p:cNvPr id="86" name="Rechteck 85">
+            <a:extLst>
+              <a:ext uri="{FF2B5EF4-FFF2-40B4-BE49-F238E27FC236}">
+                <a16:creationId xmlns:a16="http://schemas.microsoft.com/office/drawing/2014/main" id="{C62CE730-1317-4138-A9B4-36731017043F}"/>
+              </a:ext>
+            </a:extLst>
+          </p:cNvPr>
+          <p:cNvSpPr/>
+          <p:nvPr/>
+        </p:nvSpPr>
+        <p:spPr>
+          <a:xfrm>
+            <a:off x="3583274" y="5845541"/>
+            <a:ext cx="1800000" cy="594103"/>
+          </a:xfrm>
+          <a:prstGeom prst="rect">
+            <a:avLst/>
+          </a:prstGeom>
+        </p:spPr>
+        <p:style>
+          <a:lnRef idx="2">
+            <a:schemeClr val="accent1">
+              <a:shade val="50000"/>
+            </a:schemeClr>
+          </a:lnRef>
+          <a:fillRef idx="1">
+            <a:schemeClr val="accent1"/>
+          </a:fillRef>
+          <a:effectRef idx="0">
+            <a:schemeClr val="accent1"/>
+          </a:effectRef>
+          <a:fontRef idx="minor">
+            <a:schemeClr val="lt1"/>
+          </a:fontRef>
+        </p:style>
+        <p:txBody>
+          <a:bodyPr rtlCol="0" anchor="ctr"/>
+          <a:lstStyle/>
+          <a:p>
+            <a:pPr algn="ctr"/>
+            <a:r>
+              <a:rPr lang="de-DE" dirty="0" err="1"/>
+              <a:t>Keypad</a:t>
+            </a:r>
+            <a:r>
+              <a:rPr lang="de-DE" dirty="0"/>
+              <a:t> </a:t>
+            </a:r>
+            <a:r>
+              <a:rPr lang="de-DE" dirty="0" err="1"/>
+              <a:t>for</a:t>
+            </a:r>
+            <a:r>
+              <a:rPr lang="de-DE" dirty="0"/>
+              <a:t> </a:t>
+            </a:r>
+            <a:r>
+              <a:rPr lang="de-DE" dirty="0" err="1"/>
+              <a:t>Dataentry</a:t>
+            </a:r>
+            <a:endParaRPr lang="de-DE" dirty="0"/>
+          </a:p>
+        </p:txBody>
+      </p:sp>
+      <p:sp>
+        <p:nvSpPr>
+          <p:cNvPr id="87" name="Rechteck 86">
+            <a:extLst>
+              <a:ext uri="{FF2B5EF4-FFF2-40B4-BE49-F238E27FC236}">
+                <a16:creationId xmlns:a16="http://schemas.microsoft.com/office/drawing/2014/main" id="{22A04FB5-D501-49BB-B678-1C19256CCEE3}"/>
+              </a:ext>
+            </a:extLst>
+          </p:cNvPr>
+          <p:cNvSpPr/>
+          <p:nvPr/>
+        </p:nvSpPr>
+        <p:spPr>
+          <a:xfrm>
+            <a:off x="6478052" y="5782271"/>
+            <a:ext cx="1800000" cy="360000"/>
+          </a:xfrm>
+          <a:prstGeom prst="rect">
+            <a:avLst/>
+          </a:prstGeom>
+        </p:spPr>
+        <p:style>
+          <a:lnRef idx="2">
+            <a:schemeClr val="accent1">
+              <a:shade val="50000"/>
+            </a:schemeClr>
+          </a:lnRef>
+          <a:fillRef idx="1">
+            <a:schemeClr val="accent1"/>
+          </a:fillRef>
+          <a:effectRef idx="0">
+            <a:schemeClr val="accent1"/>
+          </a:effectRef>
+          <a:fontRef idx="minor">
+            <a:schemeClr val="lt1"/>
+          </a:fontRef>
+        </p:style>
+        <p:txBody>
+          <a:bodyPr rtlCol="0" anchor="ctr"/>
+          <a:lstStyle/>
+          <a:p>
+            <a:pPr algn="ctr"/>
+            <a:r>
+              <a:rPr lang="de-DE" dirty="0" err="1"/>
+              <a:t>Activity</a:t>
+            </a:r>
+            <a:r>
+              <a:rPr lang="de-DE" dirty="0"/>
+              <a:t> LED</a:t>
+            </a:r>
+          </a:p>
+        </p:txBody>
+      </p:sp>
+      <p:sp>
+        <p:nvSpPr>
+          <p:cNvPr id="88" name="Rechteck 87">
+            <a:extLst>
+              <a:ext uri="{FF2B5EF4-FFF2-40B4-BE49-F238E27FC236}">
+                <a16:creationId xmlns:a16="http://schemas.microsoft.com/office/drawing/2014/main" id="{662E13A2-F0CB-4B32-869F-E4EA96D76B96}"/>
+              </a:ext>
+            </a:extLst>
+          </p:cNvPr>
+          <p:cNvSpPr/>
+          <p:nvPr/>
+        </p:nvSpPr>
+        <p:spPr>
+          <a:xfrm>
+            <a:off x="6478052" y="6147789"/>
+            <a:ext cx="1800000" cy="360000"/>
+          </a:xfrm>
+          <a:prstGeom prst="rect">
+            <a:avLst/>
+          </a:prstGeom>
+        </p:spPr>
+        <p:style>
+          <a:lnRef idx="2">
+            <a:schemeClr val="accent1">
+              <a:shade val="50000"/>
+            </a:schemeClr>
+          </a:lnRef>
+          <a:fillRef idx="1">
+            <a:schemeClr val="accent1"/>
+          </a:fillRef>
+          <a:effectRef idx="0">
+            <a:schemeClr val="accent1"/>
+          </a:effectRef>
+          <a:fontRef idx="minor">
+            <a:schemeClr val="lt1"/>
+          </a:fontRef>
+        </p:style>
+        <p:txBody>
+          <a:bodyPr rtlCol="0" anchor="ctr"/>
+          <a:lstStyle/>
+          <a:p>
+            <a:pPr algn="ctr"/>
+            <a:r>
+              <a:rPr lang="de-DE" sz="1600" dirty="0"/>
+              <a:t>Edit Mode Button</a:t>
+            </a:r>
+          </a:p>
+        </p:txBody>
+      </p:sp>
+      <p:cxnSp>
+        <p:nvCxnSpPr>
+          <p:cNvPr id="89" name="Verbinder: gewinkelt 88">
+            <a:extLst>
+              <a:ext uri="{FF2B5EF4-FFF2-40B4-BE49-F238E27FC236}">
+                <a16:creationId xmlns:a16="http://schemas.microsoft.com/office/drawing/2014/main" id="{1F1B4DCC-7A5D-43B0-8E13-E6A8C6BFA6BF}"/>
+              </a:ext>
+            </a:extLst>
+          </p:cNvPr>
+          <p:cNvCxnSpPr>
+            <a:stCxn id="87" idx="1"/>
+            <a:endCxn id="75" idx="6"/>
+          </p:cNvCxnSpPr>
+          <p:nvPr/>
+        </p:nvCxnSpPr>
+        <p:spPr>
+          <a:xfrm rot="10800000">
+            <a:off x="5786480" y="4998965"/>
+            <a:ext cx="691573" cy="963306"/>
+          </a:xfrm>
+          <a:prstGeom prst="bentConnector3">
+            <a:avLst/>
+          </a:prstGeom>
+          <a:ln w="25400">
+            <a:tailEnd type="triangle"/>
+          </a:ln>
+        </p:spPr>
+        <p:style>
+          <a:lnRef idx="1">
+            <a:schemeClr val="dk1"/>
+          </a:lnRef>
+          <a:fillRef idx="0">
+            <a:schemeClr val="dk1"/>
+          </a:fillRef>
+          <a:effectRef idx="0">
+            <a:schemeClr val="dk1"/>
+          </a:effectRef>
+          <a:fontRef idx="minor">
+            <a:schemeClr val="tx1"/>
+          </a:fontRef>
+        </p:style>
+      </p:cxnSp>
+      <p:cxnSp>
+        <p:nvCxnSpPr>
+          <p:cNvPr id="90" name="Verbinder: gewinkelt 89">
+            <a:extLst>
+              <a:ext uri="{FF2B5EF4-FFF2-40B4-BE49-F238E27FC236}">
+                <a16:creationId xmlns:a16="http://schemas.microsoft.com/office/drawing/2014/main" id="{7BDCAA71-D8B4-46CF-A0CC-4D28BBECDAD9}"/>
+              </a:ext>
+            </a:extLst>
+          </p:cNvPr>
+          <p:cNvCxnSpPr>
+            <a:cxnSpLocks/>
+            <a:stCxn id="88" idx="1"/>
+            <a:endCxn id="76" idx="2"/>
+          </p:cNvCxnSpPr>
+          <p:nvPr/>
+        </p:nvCxnSpPr>
+        <p:spPr>
+          <a:xfrm rot="10800000">
+            <a:off x="5671640" y="5498441"/>
+            <a:ext cx="806412" cy="829349"/>
+          </a:xfrm>
+          <a:prstGeom prst="bentConnector2">
+            <a:avLst/>
+          </a:prstGeom>
+          <a:ln w="25400">
+            <a:tailEnd type="triangle"/>
+          </a:ln>
+        </p:spPr>
+        <p:style>
+          <a:lnRef idx="1">
+            <a:schemeClr val="dk1"/>
+          </a:lnRef>
+          <a:fillRef idx="0">
+            <a:schemeClr val="dk1"/>
+          </a:fillRef>
+          <a:effectRef idx="0">
+            <a:schemeClr val="dk1"/>
+          </a:effectRef>
+          <a:fontRef idx="minor">
+            <a:schemeClr val="tx1"/>
+          </a:fontRef>
+        </p:style>
+      </p:cxnSp>
+      <p:cxnSp>
+        <p:nvCxnSpPr>
+          <p:cNvPr id="91" name="Gerade Verbindung mit Pfeil 90">
+            <a:extLst>
+              <a:ext uri="{FF2B5EF4-FFF2-40B4-BE49-F238E27FC236}">
+                <a16:creationId xmlns:a16="http://schemas.microsoft.com/office/drawing/2014/main" id="{6E02D816-60DC-4A2D-B651-7FB5987ED0CB}"/>
+              </a:ext>
+            </a:extLst>
+          </p:cNvPr>
+          <p:cNvCxnSpPr>
+            <a:cxnSpLocks/>
+            <a:stCxn id="86" idx="0"/>
+            <a:endCxn id="66" idx="2"/>
+          </p:cNvCxnSpPr>
+          <p:nvPr/>
+        </p:nvCxnSpPr>
+        <p:spPr>
+          <a:xfrm flipV="1">
+            <a:off x="4483274" y="5363440"/>
+            <a:ext cx="0" cy="482101"/>
+          </a:xfrm>
+          <a:prstGeom prst="straightConnector1">
+            <a:avLst/>
+          </a:prstGeom>
+          <a:ln w="25400">
+            <a:tailEnd type="triangle"/>
+          </a:ln>
+        </p:spPr>
+        <p:style>
+          <a:lnRef idx="1">
+            <a:schemeClr val="dk1"/>
+          </a:lnRef>
+          <a:fillRef idx="0">
+            <a:schemeClr val="dk1"/>
+          </a:fillRef>
+          <a:effectRef idx="0">
+            <a:schemeClr val="dk1"/>
+          </a:effectRef>
+          <a:fontRef idx="minor">
+            <a:schemeClr val="tx1"/>
+          </a:fontRef>
+        </p:style>
+      </p:cxnSp>
+      <p:sp>
+        <p:nvSpPr>
+          <p:cNvPr id="92" name="Titel 1">
+            <a:extLst>
+              <a:ext uri="{FF2B5EF4-FFF2-40B4-BE49-F238E27FC236}">
+                <a16:creationId xmlns:a16="http://schemas.microsoft.com/office/drawing/2014/main" id="{D4C2B8BA-CDF9-416F-AFA4-229C70FC4BDA}"/>
+              </a:ext>
+            </a:extLst>
+          </p:cNvPr>
+          <p:cNvSpPr txBox="1">
+            <a:spLocks/>
+          </p:cNvSpPr>
+          <p:nvPr/>
+        </p:nvSpPr>
+        <p:spPr>
+          <a:xfrm>
+            <a:off x="240518" y="2494201"/>
+            <a:ext cx="8596668" cy="1320800"/>
+          </a:xfrm>
+          <a:prstGeom prst="rect">
+            <a:avLst/>
+          </a:prstGeom>
+        </p:spPr>
+        <p:txBody>
+          <a:bodyPr vert="horz" lIns="91440" tIns="45720" rIns="91440" bIns="45720" rtlCol="0" anchor="t">
+            <a:normAutofit/>
+          </a:bodyPr>
+          <a:lstStyle>
+            <a:lvl1pPr algn="l" defTabSz="457200" rtl="0" eaLnBrk="1" latinLnBrk="0" hangingPunct="1">
+              <a:spcBef>
+                <a:spcPct val="0"/>
+              </a:spcBef>
+              <a:buNone/>
+              <a:defRPr sz="3600" kern="1200">
+                <a:solidFill>
+                  <a:schemeClr val="accent1"/>
+                </a:solidFill>
+                <a:latin typeface="+mj-lt"/>
+                <a:ea typeface="+mj-ea"/>
+                <a:cs typeface="+mj-cs"/>
+              </a:defRPr>
+            </a:lvl1pPr>
+            <a:lvl2pPr eaLnBrk="1" hangingPunct="1">
+              <a:defRPr>
+                <a:solidFill>
+                  <a:schemeClr val="tx2"/>
+                </a:solidFill>
+              </a:defRPr>
+            </a:lvl2pPr>
+            <a:lvl3pPr eaLnBrk="1" hangingPunct="1">
+              <a:defRPr>
+                <a:solidFill>
+                  <a:schemeClr val="tx2"/>
+                </a:solidFill>
+              </a:defRPr>
+            </a:lvl3pPr>
+            <a:lvl4pPr eaLnBrk="1" hangingPunct="1">
+              <a:defRPr>
+                <a:solidFill>
+                  <a:schemeClr val="tx2"/>
+                </a:solidFill>
+              </a:defRPr>
+            </a:lvl4pPr>
+            <a:lvl5pPr eaLnBrk="1" hangingPunct="1">
+              <a:defRPr>
+                <a:solidFill>
+                  <a:schemeClr val="tx2"/>
+                </a:solidFill>
+              </a:defRPr>
+            </a:lvl5pPr>
+            <a:lvl6pPr eaLnBrk="1" hangingPunct="1">
+              <a:defRPr>
+                <a:solidFill>
+                  <a:schemeClr val="tx2"/>
+                </a:solidFill>
+              </a:defRPr>
+            </a:lvl6pPr>
+            <a:lvl7pPr eaLnBrk="1" hangingPunct="1">
+              <a:defRPr>
+                <a:solidFill>
+                  <a:schemeClr val="tx2"/>
+                </a:solidFill>
+              </a:defRPr>
+            </a:lvl7pPr>
+            <a:lvl8pPr eaLnBrk="1" hangingPunct="1">
+              <a:defRPr>
+                <a:solidFill>
+                  <a:schemeClr val="tx2"/>
+                </a:solidFill>
+              </a:defRPr>
+            </a:lvl8pPr>
+            <a:lvl9pPr eaLnBrk="1" hangingPunct="1">
+              <a:defRPr>
+                <a:solidFill>
+                  <a:schemeClr val="tx2"/>
+                </a:solidFill>
+              </a:defRPr>
+            </a:lvl9pPr>
+          </a:lstStyle>
+          <a:p>
+            <a:endParaRPr lang="de-DE" dirty="0"/>
+          </a:p>
+        </p:txBody>
+      </p:sp>
+      <p:sp>
+        <p:nvSpPr>
+          <p:cNvPr id="93" name="Titel 1">
+            <a:extLst>
+              <a:ext uri="{FF2B5EF4-FFF2-40B4-BE49-F238E27FC236}">
+                <a16:creationId xmlns:a16="http://schemas.microsoft.com/office/drawing/2014/main" id="{F840325E-BA50-4949-9805-B91E5034F294}"/>
+              </a:ext>
+            </a:extLst>
+          </p:cNvPr>
+          <p:cNvSpPr txBox="1">
+            <a:spLocks/>
+          </p:cNvSpPr>
+          <p:nvPr/>
+        </p:nvSpPr>
+        <p:spPr>
+          <a:xfrm>
+            <a:off x="829734" y="762000"/>
+            <a:ext cx="8596668" cy="1320800"/>
+          </a:xfrm>
+          <a:prstGeom prst="rect">
+            <a:avLst/>
+          </a:prstGeom>
+        </p:spPr>
+        <p:txBody>
+          <a:bodyPr vert="horz" lIns="91440" tIns="45720" rIns="91440" bIns="45720" rtlCol="0" anchor="t">
+            <a:normAutofit/>
+          </a:bodyPr>
+          <a:lstStyle>
+            <a:lvl1pPr algn="l" defTabSz="457200" rtl="0" eaLnBrk="1" latinLnBrk="0" hangingPunct="1">
+              <a:spcBef>
+                <a:spcPct val="0"/>
+              </a:spcBef>
+              <a:buNone/>
+              <a:defRPr sz="3600" kern="1200">
+                <a:solidFill>
+                  <a:schemeClr val="accent1"/>
+                </a:solidFill>
+                <a:latin typeface="+mj-lt"/>
+                <a:ea typeface="+mj-ea"/>
+                <a:cs typeface="+mj-cs"/>
+              </a:defRPr>
+            </a:lvl1pPr>
+            <a:lvl2pPr eaLnBrk="1" hangingPunct="1">
+              <a:defRPr>
+                <a:solidFill>
+                  <a:schemeClr val="tx2"/>
+                </a:solidFill>
+              </a:defRPr>
+            </a:lvl2pPr>
+            <a:lvl3pPr eaLnBrk="1" hangingPunct="1">
+              <a:defRPr>
+                <a:solidFill>
+                  <a:schemeClr val="tx2"/>
+                </a:solidFill>
+              </a:defRPr>
+            </a:lvl3pPr>
+            <a:lvl4pPr eaLnBrk="1" hangingPunct="1">
+              <a:defRPr>
+                <a:solidFill>
+                  <a:schemeClr val="tx2"/>
+                </a:solidFill>
+              </a:defRPr>
+            </a:lvl4pPr>
+            <a:lvl5pPr eaLnBrk="1" hangingPunct="1">
+              <a:defRPr>
+                <a:solidFill>
+                  <a:schemeClr val="tx2"/>
+                </a:solidFill>
+              </a:defRPr>
+            </a:lvl5pPr>
+            <a:lvl6pPr eaLnBrk="1" hangingPunct="1">
+              <a:defRPr>
+                <a:solidFill>
+                  <a:schemeClr val="tx2"/>
+                </a:solidFill>
+              </a:defRPr>
+            </a:lvl6pPr>
+            <a:lvl7pPr eaLnBrk="1" hangingPunct="1">
+              <a:defRPr>
+                <a:solidFill>
+                  <a:schemeClr val="tx2"/>
+                </a:solidFill>
+              </a:defRPr>
+            </a:lvl7pPr>
+            <a:lvl8pPr eaLnBrk="1" hangingPunct="1">
+              <a:defRPr>
+                <a:solidFill>
+                  <a:schemeClr val="tx2"/>
+                </a:solidFill>
+              </a:defRPr>
+            </a:lvl8pPr>
+            <a:lvl9pPr eaLnBrk="1" hangingPunct="1">
+              <a:defRPr>
+                <a:solidFill>
+                  <a:schemeClr val="tx2"/>
+                </a:solidFill>
+              </a:defRPr>
+            </a:lvl9pPr>
+          </a:lstStyle>
+          <a:p>
+            <a:r>
+              <a:rPr lang="de-DE" dirty="0"/>
+              <a:t>Projektübersicht </a:t>
+            </a:r>
+          </a:p>
+        </p:txBody>
+      </p:sp>
+    </p:spTree>
+    <p:extLst>
+      <p:ext uri="{BB962C8B-B14F-4D97-AF65-F5344CB8AC3E}">
+        <p14:creationId xmlns:p14="http://schemas.microsoft.com/office/powerpoint/2010/main" val="1311837510"/>
       </p:ext>
     </p:extLst>
   </p:cSld>
@@ -10658,7 +11682,7 @@
             <p:ph idx="1"/>
             <p:extLst>
               <p:ext uri="{D42A27DB-BD31-4B8C-83A1-F6EECF244321}">
-                <p14:modId xmlns:p14="http://schemas.microsoft.com/office/powerpoint/2010/main" val="2572824032"/>
+                <p14:modId xmlns:p14="http://schemas.microsoft.com/office/powerpoint/2010/main" val="2865665400"/>
               </p:ext>
             </p:extLst>
           </p:nvPr>
@@ -10809,7 +11833,7 @@
                     <a:p>
                       <a:r>
                         <a:rPr lang="de-DE" dirty="0"/>
-                        <a:t>Edit Mode Aktiv, Warte auf IP Selektion</a:t>
+                        <a:t>Edit Mode Aktiv, Warte auf IP-Selektion</a:t>
                       </a:r>
                     </a:p>
                   </a:txBody>
@@ -10829,7 +11853,7 @@
                     <a:p>
                       <a:r>
                         <a:rPr lang="de-DE" dirty="0"/>
-                        <a:t>Eine rote LED Aktiv, Eine grüne LED Aktiv, Blaue LED aktiv</a:t>
+                        <a:t>Eine rote LED aktiv, Eine grüne LED aktiv, Blaue LED aktiv</a:t>
                       </a:r>
                     </a:p>
                   </a:txBody>
@@ -10842,7 +11866,7 @@
                     <a:p>
                       <a:r>
                         <a:rPr lang="de-DE" dirty="0"/>
-                        <a:t>Edit Mode Aktiv, IP Selektiert, warte auf IP Input</a:t>
+                        <a:t>Edit Mode Aktiv, IP selektiert, warte auf IP-Input</a:t>
                       </a:r>
                     </a:p>
                   </a:txBody>
@@ -10862,7 +11886,7 @@
                     <a:p>
                       <a:r>
                         <a:rPr lang="de-DE" dirty="0"/>
-                        <a:t>Beliebige rote LEDs Aktiv, Beliebige grüne LEDs Aktiv, Blaue LED blinkt</a:t>
+                        <a:t>Beliebige rote LEDs aktiv, Beliebige grüne LEDs Aktiv, Blaue LED blinkt</a:t>
                       </a:r>
                     </a:p>
                   </a:txBody>
@@ -10875,15 +11899,7 @@
                     <a:p>
                       <a:r>
                         <a:rPr lang="de-DE" dirty="0"/>
-                        <a:t>Ping </a:t>
-                      </a:r>
-                      <a:r>
-                        <a:rPr lang="de-DE"/>
-                        <a:t>Programm läuft. </a:t>
-                      </a:r>
-                      <a:r>
-                        <a:rPr lang="de-DE" dirty="0"/>
-                        <a:t>Rote LED = IP nicht erreichbar, Grüne LED = IP erreichbar</a:t>
+                        <a:t>Ping Programm läuft. Rote LED = IP nicht erreichbar, Grüne LED = IP erreichbar</a:t>
                       </a:r>
                     </a:p>
                   </a:txBody>
@@ -10913,136 +11929,6 @@
 </file>
 
 <file path=ppt/slides/slide7.xml><?xml version="1.0" encoding="utf-8"?>
-<p:sld xmlns:a="http://schemas.openxmlformats.org/drawingml/2006/main" xmlns:r="http://schemas.openxmlformats.org/officeDocument/2006/relationships" xmlns:p="http://schemas.openxmlformats.org/presentationml/2006/main">
-  <p:cSld>
-    <p:spTree>
-      <p:nvGrpSpPr>
-        <p:cNvPr id="1" name=""/>
-        <p:cNvGrpSpPr/>
-        <p:nvPr/>
-      </p:nvGrpSpPr>
-      <p:grpSpPr>
-        <a:xfrm>
-          <a:off x="0" y="0"/>
-          <a:ext cx="0" cy="0"/>
-          <a:chOff x="0" y="0"/>
-          <a:chExt cx="0" cy="0"/>
-        </a:xfrm>
-      </p:grpSpPr>
-      <p:sp>
-        <p:nvSpPr>
-          <p:cNvPr id="2" name="Titel 1">
-            <a:extLst>
-              <a:ext uri="{FF2B5EF4-FFF2-40B4-BE49-F238E27FC236}">
-                <a16:creationId xmlns:a16="http://schemas.microsoft.com/office/drawing/2014/main" id="{77E27746-950A-4085-B134-7DD72C36A7C8}"/>
-              </a:ext>
-            </a:extLst>
-          </p:cNvPr>
-          <p:cNvSpPr>
-            <a:spLocks noGrp="1"/>
-          </p:cNvSpPr>
-          <p:nvPr>
-            <p:ph type="title"/>
-          </p:nvPr>
-        </p:nvSpPr>
-        <p:spPr/>
-        <p:txBody>
-          <a:bodyPr/>
-          <a:lstStyle/>
-          <a:p>
-            <a:r>
-              <a:rPr lang="de-DE" dirty="0"/>
-              <a:t>Pin Belegung </a:t>
-            </a:r>
-          </a:p>
-        </p:txBody>
-      </p:sp>
-      <p:sp>
-        <p:nvSpPr>
-          <p:cNvPr id="3" name="Inhaltsplatzhalter 2">
-            <a:extLst>
-              <a:ext uri="{FF2B5EF4-FFF2-40B4-BE49-F238E27FC236}">
-                <a16:creationId xmlns:a16="http://schemas.microsoft.com/office/drawing/2014/main" id="{FEDAB549-57DA-4259-AED3-C234A610FBEC}"/>
-              </a:ext>
-            </a:extLst>
-          </p:cNvPr>
-          <p:cNvSpPr>
-            <a:spLocks noGrp="1"/>
-          </p:cNvSpPr>
-          <p:nvPr>
-            <p:ph idx="1"/>
-          </p:nvPr>
-        </p:nvSpPr>
-        <p:spPr>
-          <a:xfrm>
-            <a:off x="6835076" y="1703389"/>
-            <a:ext cx="2816980" cy="3880773"/>
-          </a:xfrm>
-        </p:spPr>
-        <p:txBody>
-          <a:bodyPr/>
-          <a:lstStyle/>
-          <a:p>
-            <a:r>
-              <a:rPr lang="de-DE" dirty="0"/>
-              <a:t>Pin 6-11, 1-3, 39 und 36 nicht benutzbar</a:t>
-            </a:r>
-          </a:p>
-          <a:p>
-            <a:endParaRPr lang="de-DE" dirty="0"/>
-          </a:p>
-        </p:txBody>
-      </p:sp>
-      <p:pic>
-        <p:nvPicPr>
-          <p:cNvPr id="5" name="Grafik 4">
-            <a:extLst>
-              <a:ext uri="{FF2B5EF4-FFF2-40B4-BE49-F238E27FC236}">
-                <a16:creationId xmlns:a16="http://schemas.microsoft.com/office/drawing/2014/main" id="{B9770E73-EC80-4C17-9DEE-E13B0A116DFC}"/>
-              </a:ext>
-            </a:extLst>
-          </p:cNvPr>
-          <p:cNvPicPr>
-            <a:picLocks noChangeAspect="1"/>
-          </p:cNvPicPr>
-          <p:nvPr/>
-        </p:nvPicPr>
-        <p:blipFill>
-          <a:blip r:embed="rId2">
-            <a:extLst>
-              <a:ext uri="{28A0092B-C50C-407E-A947-70E740481C1C}">
-                <a14:useLocalDpi xmlns:a14="http://schemas.microsoft.com/office/drawing/2010/main" val="0"/>
-              </a:ext>
-            </a:extLst>
-          </a:blip>
-          <a:stretch>
-            <a:fillRect/>
-          </a:stretch>
-        </p:blipFill>
-        <p:spPr>
-          <a:xfrm>
-            <a:off x="677334" y="1703389"/>
-            <a:ext cx="6157742" cy="4717369"/>
-          </a:xfrm>
-          <a:prstGeom prst="rect">
-            <a:avLst/>
-          </a:prstGeom>
-        </p:spPr>
-      </p:pic>
-    </p:spTree>
-    <p:extLst>
-      <p:ext uri="{BB962C8B-B14F-4D97-AF65-F5344CB8AC3E}">
-        <p14:creationId xmlns:p14="http://schemas.microsoft.com/office/powerpoint/2010/main" val="2893762274"/>
-      </p:ext>
-    </p:extLst>
-  </p:cSld>
-  <p:clrMapOvr>
-    <a:masterClrMapping/>
-  </p:clrMapOvr>
-</p:sld>
-</file>
-
-<file path=ppt/slides/slide8.xml><?xml version="1.0" encoding="utf-8"?>
 <p:sld xmlns:a="http://schemas.openxmlformats.org/drawingml/2006/main" xmlns:r="http://schemas.openxmlformats.org/officeDocument/2006/relationships" xmlns:p="http://schemas.openxmlformats.org/presentationml/2006/main">
   <p:cSld>
     <p:spTree>
@@ -11128,6 +12014,136 @@
     <p:extLst>
       <p:ext uri="{BB962C8B-B14F-4D97-AF65-F5344CB8AC3E}">
         <p14:creationId xmlns:p14="http://schemas.microsoft.com/office/powerpoint/2010/main" val="3032544506"/>
+      </p:ext>
+    </p:extLst>
+  </p:cSld>
+  <p:clrMapOvr>
+    <a:masterClrMapping/>
+  </p:clrMapOvr>
+</p:sld>
+</file>
+
+<file path=ppt/slides/slide8.xml><?xml version="1.0" encoding="utf-8"?>
+<p:sld xmlns:a="http://schemas.openxmlformats.org/drawingml/2006/main" xmlns:r="http://schemas.openxmlformats.org/officeDocument/2006/relationships" xmlns:p="http://schemas.openxmlformats.org/presentationml/2006/main">
+  <p:cSld>
+    <p:spTree>
+      <p:nvGrpSpPr>
+        <p:cNvPr id="1" name=""/>
+        <p:cNvGrpSpPr/>
+        <p:nvPr/>
+      </p:nvGrpSpPr>
+      <p:grpSpPr>
+        <a:xfrm>
+          <a:off x="0" y="0"/>
+          <a:ext cx="0" cy="0"/>
+          <a:chOff x="0" y="0"/>
+          <a:chExt cx="0" cy="0"/>
+        </a:xfrm>
+      </p:grpSpPr>
+      <p:sp>
+        <p:nvSpPr>
+          <p:cNvPr id="2" name="Titel 1">
+            <a:extLst>
+              <a:ext uri="{FF2B5EF4-FFF2-40B4-BE49-F238E27FC236}">
+                <a16:creationId xmlns:a16="http://schemas.microsoft.com/office/drawing/2014/main" id="{77E27746-950A-4085-B134-7DD72C36A7C8}"/>
+              </a:ext>
+            </a:extLst>
+          </p:cNvPr>
+          <p:cNvSpPr>
+            <a:spLocks noGrp="1"/>
+          </p:cNvSpPr>
+          <p:nvPr>
+            <p:ph type="title"/>
+          </p:nvPr>
+        </p:nvSpPr>
+        <p:spPr/>
+        <p:txBody>
+          <a:bodyPr/>
+          <a:lstStyle/>
+          <a:p>
+            <a:r>
+              <a:rPr lang="de-DE" dirty="0"/>
+              <a:t>Pin Belegung </a:t>
+            </a:r>
+          </a:p>
+        </p:txBody>
+      </p:sp>
+      <p:sp>
+        <p:nvSpPr>
+          <p:cNvPr id="3" name="Inhaltsplatzhalter 2">
+            <a:extLst>
+              <a:ext uri="{FF2B5EF4-FFF2-40B4-BE49-F238E27FC236}">
+                <a16:creationId xmlns:a16="http://schemas.microsoft.com/office/drawing/2014/main" id="{FEDAB549-57DA-4259-AED3-C234A610FBEC}"/>
+              </a:ext>
+            </a:extLst>
+          </p:cNvPr>
+          <p:cNvSpPr>
+            <a:spLocks noGrp="1"/>
+          </p:cNvSpPr>
+          <p:nvPr>
+            <p:ph idx="1"/>
+          </p:nvPr>
+        </p:nvSpPr>
+        <p:spPr>
+          <a:xfrm>
+            <a:off x="6835076" y="1703389"/>
+            <a:ext cx="2816980" cy="3880773"/>
+          </a:xfrm>
+        </p:spPr>
+        <p:txBody>
+          <a:bodyPr/>
+          <a:lstStyle/>
+          <a:p>
+            <a:r>
+              <a:rPr lang="de-DE" dirty="0"/>
+              <a:t>Pin 6-11, 1-3, 39 und 36 nicht benutzbar</a:t>
+            </a:r>
+          </a:p>
+          <a:p>
+            <a:endParaRPr lang="de-DE" dirty="0"/>
+          </a:p>
+        </p:txBody>
+      </p:sp>
+      <p:pic>
+        <p:nvPicPr>
+          <p:cNvPr id="5" name="Grafik 4">
+            <a:extLst>
+              <a:ext uri="{FF2B5EF4-FFF2-40B4-BE49-F238E27FC236}">
+                <a16:creationId xmlns:a16="http://schemas.microsoft.com/office/drawing/2014/main" id="{B9770E73-EC80-4C17-9DEE-E13B0A116DFC}"/>
+              </a:ext>
+            </a:extLst>
+          </p:cNvPr>
+          <p:cNvPicPr>
+            <a:picLocks noChangeAspect="1"/>
+          </p:cNvPicPr>
+          <p:nvPr/>
+        </p:nvPicPr>
+        <p:blipFill>
+          <a:blip r:embed="rId2">
+            <a:extLst>
+              <a:ext uri="{28A0092B-C50C-407E-A947-70E740481C1C}">
+                <a14:useLocalDpi xmlns:a14="http://schemas.microsoft.com/office/drawing/2010/main" val="0"/>
+              </a:ext>
+            </a:extLst>
+          </a:blip>
+          <a:stretch>
+            <a:fillRect/>
+          </a:stretch>
+        </p:blipFill>
+        <p:spPr>
+          <a:xfrm>
+            <a:off x="677334" y="1703389"/>
+            <a:ext cx="6157742" cy="4717369"/>
+          </a:xfrm>
+          <a:prstGeom prst="rect">
+            <a:avLst/>
+          </a:prstGeom>
+        </p:spPr>
+      </p:pic>
+    </p:spTree>
+    <p:extLst>
+      <p:ext uri="{BB962C8B-B14F-4D97-AF65-F5344CB8AC3E}">
+        <p14:creationId xmlns:p14="http://schemas.microsoft.com/office/powerpoint/2010/main" val="2893762274"/>
       </p:ext>
     </p:extLst>
   </p:cSld>
